--- a/JS_Introduction/whereToWriteJS.pptx
+++ b/JS_Introduction/whereToWriteJS.pptx
@@ -5,22 +5,23 @@
     <p:sldMasterId id="2147483648" r:id="rId1"/>
   </p:sldMasterIdLst>
   <p:notesMasterIdLst>
-    <p:notesMasterId r:id="rId15"/>
+    <p:notesMasterId r:id="rId16"/>
   </p:notesMasterIdLst>
   <p:sldIdLst>
-    <p:sldId id="256" r:id="rId2"/>
-    <p:sldId id="257" r:id="rId3"/>
-    <p:sldId id="261" r:id="rId4"/>
-    <p:sldId id="262" r:id="rId5"/>
-    <p:sldId id="264" r:id="rId6"/>
-    <p:sldId id="265" r:id="rId7"/>
-    <p:sldId id="258" r:id="rId8"/>
-    <p:sldId id="268" r:id="rId9"/>
-    <p:sldId id="259" r:id="rId10"/>
-    <p:sldId id="269" r:id="rId11"/>
-    <p:sldId id="260" r:id="rId12"/>
-    <p:sldId id="270" r:id="rId13"/>
-    <p:sldId id="272" r:id="rId14"/>
+    <p:sldId id="273" r:id="rId2"/>
+    <p:sldId id="274" r:id="rId3"/>
+    <p:sldId id="275" r:id="rId4"/>
+    <p:sldId id="276" r:id="rId5"/>
+    <p:sldId id="277" r:id="rId6"/>
+    <p:sldId id="278" r:id="rId7"/>
+    <p:sldId id="279" r:id="rId8"/>
+    <p:sldId id="280" r:id="rId9"/>
+    <p:sldId id="281" r:id="rId10"/>
+    <p:sldId id="282" r:id="rId11"/>
+    <p:sldId id="283" r:id="rId12"/>
+    <p:sldId id="284" r:id="rId13"/>
+    <p:sldId id="285" r:id="rId14"/>
+    <p:sldId id="287" r:id="rId15"/>
   </p:sldIdLst>
   <p:sldSz cx="9144000" cy="6858000" type="screen4x3"/>
   <p:notesSz cx="6858000" cy="9144000"/>
@@ -204,7 +205,7 @@
           <a:p>
             <a:fld id="{73139663-B41A-4322-9FA5-32D776E297AB}" type="datetimeFigureOut">
               <a:rPr lang="zh-TW" altLang="en-US" smtClean="0"/>
-              <a:t>2017/3/7</a:t>
+              <a:t>2019/3/13</a:t>
             </a:fld>
             <a:endParaRPr lang="zh-TW" altLang="en-US"/>
           </a:p>
@@ -737,7 +738,7 @@
           <a:p>
             <a:fld id="{93FCF5C9-79AB-40FF-B23B-4ADA07998EAC}" type="datetime1">
               <a:rPr lang="zh-TW" altLang="en-US" smtClean="0"/>
-              <a:t>2017/3/7</a:t>
+              <a:t>2019/3/13</a:t>
             </a:fld>
             <a:endParaRPr lang="zh-TW" altLang="en-US"/>
           </a:p>
@@ -907,7 +908,7 @@
           <a:p>
             <a:fld id="{C15356CC-59C4-4A29-9700-F1B01FE0BDA6}" type="datetime1">
               <a:rPr lang="zh-TW" altLang="en-US" smtClean="0"/>
-              <a:t>2017/3/7</a:t>
+              <a:t>2019/3/13</a:t>
             </a:fld>
             <a:endParaRPr lang="zh-TW" altLang="en-US"/>
           </a:p>
@@ -1087,7 +1088,7 @@
           <a:p>
             <a:fld id="{9AE594C7-993D-4438-AA6F-CBE23DFB4270}" type="datetime1">
               <a:rPr lang="zh-TW" altLang="en-US" smtClean="0"/>
-              <a:t>2017/3/7</a:t>
+              <a:t>2019/3/13</a:t>
             </a:fld>
             <a:endParaRPr lang="zh-TW" altLang="en-US"/>
           </a:p>
@@ -1257,7 +1258,7 @@
           <a:p>
             <a:fld id="{D450D2CF-1167-43D6-909A-0C28B0F59C72}" type="datetime1">
               <a:rPr lang="zh-TW" altLang="en-US" smtClean="0"/>
-              <a:t>2017/3/7</a:t>
+              <a:t>2019/3/13</a:t>
             </a:fld>
             <a:endParaRPr lang="zh-TW" altLang="en-US"/>
           </a:p>
@@ -1510,7 +1511,7 @@
           <a:p>
             <a:fld id="{1C9A7FD2-AB59-4151-946A-CC608882B58E}" type="datetime1">
               <a:rPr lang="zh-TW" altLang="en-US" smtClean="0"/>
-              <a:t>2017/3/7</a:t>
+              <a:t>2019/3/13</a:t>
             </a:fld>
             <a:endParaRPr lang="zh-TW" altLang="en-US"/>
           </a:p>
@@ -1798,7 +1799,7 @@
           <a:p>
             <a:fld id="{D40BB12C-FF78-4F61-8FE6-616AC9AC73A7}" type="datetime1">
               <a:rPr lang="zh-TW" altLang="en-US" smtClean="0"/>
-              <a:t>2017/3/7</a:t>
+              <a:t>2019/3/13</a:t>
             </a:fld>
             <a:endParaRPr lang="zh-TW" altLang="en-US"/>
           </a:p>
@@ -2220,7 +2221,7 @@
           <a:p>
             <a:fld id="{AF7468AE-CE6D-47B8-9ACB-739E99C0A9C7}" type="datetime1">
               <a:rPr lang="zh-TW" altLang="en-US" smtClean="0"/>
-              <a:t>2017/3/7</a:t>
+              <a:t>2019/3/13</a:t>
             </a:fld>
             <a:endParaRPr lang="zh-TW" altLang="en-US"/>
           </a:p>
@@ -2338,7 +2339,7 @@
           <a:p>
             <a:fld id="{AD744EAB-4D85-41E6-9F62-245800E68770}" type="datetime1">
               <a:rPr lang="zh-TW" altLang="en-US" smtClean="0"/>
-              <a:t>2017/3/7</a:t>
+              <a:t>2019/3/13</a:t>
             </a:fld>
             <a:endParaRPr lang="zh-TW" altLang="en-US"/>
           </a:p>
@@ -2433,7 +2434,7 @@
           <a:p>
             <a:fld id="{CA6C9E1E-774D-4EAC-9D99-BE8865244E73}" type="datetime1">
               <a:rPr lang="zh-TW" altLang="en-US" smtClean="0"/>
-              <a:t>2017/3/7</a:t>
+              <a:t>2019/3/13</a:t>
             </a:fld>
             <a:endParaRPr lang="zh-TW" altLang="en-US"/>
           </a:p>
@@ -2710,7 +2711,7 @@
           <a:p>
             <a:fld id="{A6222D0A-CEA4-40AB-A293-7F7490CFFD26}" type="datetime1">
               <a:rPr lang="zh-TW" altLang="en-US" smtClean="0"/>
-              <a:t>2017/3/7</a:t>
+              <a:t>2019/3/13</a:t>
             </a:fld>
             <a:endParaRPr lang="zh-TW" altLang="en-US"/>
           </a:p>
@@ -2963,7 +2964,7 @@
           <a:p>
             <a:fld id="{633AEC37-E449-4919-BB29-FECB6FC261E4}" type="datetime1">
               <a:rPr lang="zh-TW" altLang="en-US" smtClean="0"/>
-              <a:t>2017/3/7</a:t>
+              <a:t>2019/3/13</a:t>
             </a:fld>
             <a:endParaRPr lang="zh-TW" altLang="en-US"/>
           </a:p>
@@ -3176,7 +3177,7 @@
           <a:p>
             <a:fld id="{D833F157-DD56-4172-ACB5-7841F7A4BD76}" type="datetime1">
               <a:rPr lang="zh-TW" altLang="en-US" smtClean="0"/>
-              <a:t>2017/3/7</a:t>
+              <a:t>2019/3/13</a:t>
             </a:fld>
             <a:endParaRPr lang="zh-TW" altLang="en-US"/>
           </a:p>
@@ -3538,31 +3539,6 @@
 <file path=ppt/slides/slide1.xml><?xml version="1.0" encoding="utf-8"?>
 <p:sld xmlns:a="http://schemas.openxmlformats.org/drawingml/2006/main" xmlns:r="http://schemas.openxmlformats.org/officeDocument/2006/relationships" xmlns:p="http://schemas.openxmlformats.org/presentationml/2006/main">
   <p:cSld>
-    <p:bg>
-      <p:bgPr>
-        <a:blipFill dpi="0" rotWithShape="1">
-          <a:blip r:embed="rId3">
-            <a:lum/>
-            <a:extLst>
-              <a:ext uri="{BEBA8EAE-BF5A-486C-A8C5-ECC9F3942E4B}">
-                <a14:imgProps xmlns:a14="http://schemas.microsoft.com/office/drawing/2010/main">
-                  <a14:imgLayer r:embed="rId4">
-                    <a14:imgEffect>
-                      <a14:artisticCrisscrossEtching/>
-                    </a14:imgEffect>
-                  </a14:imgLayer>
-                </a14:imgProps>
-              </a:ext>
-            </a:extLst>
-          </a:blip>
-          <a:srcRect/>
-          <a:stretch>
-            <a:fillRect/>
-          </a:stretch>
-        </a:blipFill>
-        <a:effectLst/>
-      </p:bgPr>
-    </p:bg>
     <p:spTree>
       <p:nvGrpSpPr>
         <p:cNvPr id="1" name=""/>
@@ -3892,7 +3868,7 @@
     </p:spTree>
     <p:extLst>
       <p:ext uri="{BB962C8B-B14F-4D97-AF65-F5344CB8AC3E}">
-        <p14:creationId xmlns:p14="http://schemas.microsoft.com/office/powerpoint/2010/main" val="2396952890"/>
+        <p14:creationId xmlns:p14="http://schemas.microsoft.com/office/powerpoint/2010/main" val="2633043973"/>
       </p:ext>
     </p:extLst>
   </p:cSld>
@@ -3912,31 +3888,6 @@
 <file path=ppt/slides/slide10.xml><?xml version="1.0" encoding="utf-8"?>
 <p:sld xmlns:a="http://schemas.openxmlformats.org/drawingml/2006/main" xmlns:r="http://schemas.openxmlformats.org/officeDocument/2006/relationships" xmlns:p="http://schemas.openxmlformats.org/presentationml/2006/main">
   <p:cSld>
-    <p:bg>
-      <p:bgPr>
-        <a:blipFill dpi="0" rotWithShape="1">
-          <a:blip r:embed="rId2">
-            <a:lum/>
-            <a:extLst>
-              <a:ext uri="{BEBA8EAE-BF5A-486C-A8C5-ECC9F3942E4B}">
-                <a14:imgProps xmlns:a14="http://schemas.microsoft.com/office/drawing/2010/main">
-                  <a14:imgLayer r:embed="rId3">
-                    <a14:imgEffect>
-                      <a14:artisticCrisscrossEtching/>
-                    </a14:imgEffect>
-                  </a14:imgLayer>
-                </a14:imgProps>
-              </a:ext>
-            </a:extLst>
-          </a:blip>
-          <a:srcRect/>
-          <a:stretch>
-            <a:fillRect/>
-          </a:stretch>
-        </a:blipFill>
-        <a:effectLst/>
-      </p:bgPr>
-    </p:bg>
     <p:spTree>
       <p:nvGrpSpPr>
         <p:cNvPr id="1" name=""/>
@@ -4656,7 +4607,7 @@
     </p:spTree>
     <p:extLst>
       <p:ext uri="{BB962C8B-B14F-4D97-AF65-F5344CB8AC3E}">
-        <p14:creationId xmlns:p14="http://schemas.microsoft.com/office/powerpoint/2010/main" val="3809190318"/>
+        <p14:creationId xmlns:p14="http://schemas.microsoft.com/office/powerpoint/2010/main" val="2228347040"/>
       </p:ext>
     </p:extLst>
   </p:cSld>
@@ -4676,31 +4627,6 @@
 <file path=ppt/slides/slide11.xml><?xml version="1.0" encoding="utf-8"?>
 <p:sld xmlns:a="http://schemas.openxmlformats.org/drawingml/2006/main" xmlns:r="http://schemas.openxmlformats.org/officeDocument/2006/relationships" xmlns:p="http://schemas.openxmlformats.org/presentationml/2006/main">
   <p:cSld>
-    <p:bg>
-      <p:bgPr>
-        <a:blipFill dpi="0" rotWithShape="1">
-          <a:blip r:embed="rId2">
-            <a:lum/>
-            <a:extLst>
-              <a:ext uri="{BEBA8EAE-BF5A-486C-A8C5-ECC9F3942E4B}">
-                <a14:imgProps xmlns:a14="http://schemas.microsoft.com/office/drawing/2010/main">
-                  <a14:imgLayer r:embed="rId3">
-                    <a14:imgEffect>
-                      <a14:artisticCrisscrossEtching/>
-                    </a14:imgEffect>
-                  </a14:imgLayer>
-                </a14:imgProps>
-              </a:ext>
-            </a:extLst>
-          </a:blip>
-          <a:srcRect/>
-          <a:stretch>
-            <a:fillRect/>
-          </a:stretch>
-        </a:blipFill>
-        <a:effectLst/>
-      </p:bgPr>
-    </p:bg>
     <p:spTree>
       <p:nvGrpSpPr>
         <p:cNvPr id="1" name=""/>
@@ -4963,9 +4889,6 @@
             </a:r>
           </a:p>
           <a:p>
-            <a:pPr marL="0" indent="0">
-              <a:buNone/>
-            </a:pPr>
             <a:r>
               <a:rPr lang="zh-TW" altLang="en-US" dirty="0" smtClean="0"/>
               <a:t>不會</a:t>
@@ -4980,11 +4903,26 @@
             </a:r>
             <a:r>
               <a:rPr lang="zh-TW" altLang="en-US" dirty="0"/>
-              <a:t> 範圍的內容， 適合一般免費網頁供應商在網頁加入廣告</a:t>
+              <a:t> 範圍的</a:t>
             </a:r>
             <a:r>
               <a:rPr lang="zh-TW" altLang="en-US" dirty="0" smtClean="0"/>
-              <a:t>窗。</a:t>
+              <a:t>內容。</a:t>
+            </a:r>
+            <a:endParaRPr lang="en-US" altLang="zh-TW" dirty="0" smtClean="0"/>
+          </a:p>
+          <a:p>
+            <a:r>
+              <a:rPr lang="zh-TW" altLang="en-US" dirty="0" smtClean="0"/>
+              <a:t>確保程式可找到 </a:t>
+            </a:r>
+            <a:r>
+              <a:rPr lang="en-US" altLang="zh-TW" dirty="0" smtClean="0"/>
+              <a:t>HTML</a:t>
+            </a:r>
+            <a:r>
+              <a:rPr lang="zh-TW" altLang="en-US" dirty="0" smtClean="0"/>
+              <a:t> 標籤</a:t>
             </a:r>
             <a:endParaRPr lang="zh-TW" altLang="en-US" dirty="0"/>
           </a:p>
@@ -5026,7 +4964,7 @@
     </p:spTree>
     <p:extLst>
       <p:ext uri="{BB962C8B-B14F-4D97-AF65-F5344CB8AC3E}">
-        <p14:creationId xmlns:p14="http://schemas.microsoft.com/office/powerpoint/2010/main" val="3673906573"/>
+        <p14:creationId xmlns:p14="http://schemas.microsoft.com/office/powerpoint/2010/main" val="3243416117"/>
       </p:ext>
     </p:extLst>
   </p:cSld>
@@ -5046,31 +4984,6 @@
 <file path=ppt/slides/slide12.xml><?xml version="1.0" encoding="utf-8"?>
 <p:sld xmlns:a="http://schemas.openxmlformats.org/drawingml/2006/main" xmlns:r="http://schemas.openxmlformats.org/officeDocument/2006/relationships" xmlns:p="http://schemas.openxmlformats.org/presentationml/2006/main">
   <p:cSld>
-    <p:bg>
-      <p:bgPr>
-        <a:blipFill dpi="0" rotWithShape="1">
-          <a:blip r:embed="rId2">
-            <a:lum/>
-            <a:extLst>
-              <a:ext uri="{BEBA8EAE-BF5A-486C-A8C5-ECC9F3942E4B}">
-                <a14:imgProps xmlns:a14="http://schemas.microsoft.com/office/drawing/2010/main">
-                  <a14:imgLayer r:embed="rId3">
-                    <a14:imgEffect>
-                      <a14:artisticCrisscrossEtching/>
-                    </a14:imgEffect>
-                  </a14:imgLayer>
-                </a14:imgProps>
-              </a:ext>
-            </a:extLst>
-          </a:blip>
-          <a:srcRect/>
-          <a:stretch>
-            <a:fillRect/>
-          </a:stretch>
-        </a:blipFill>
-        <a:effectLst/>
-      </p:bgPr>
-    </p:bg>
     <p:spTree>
       <p:nvGrpSpPr>
         <p:cNvPr id="1" name=""/>
@@ -5843,7 +5756,7 @@
     </p:spTree>
     <p:extLst>
       <p:ext uri="{BB962C8B-B14F-4D97-AF65-F5344CB8AC3E}">
-        <p14:creationId xmlns:p14="http://schemas.microsoft.com/office/powerpoint/2010/main" val="2380231255"/>
+        <p14:creationId xmlns:p14="http://schemas.microsoft.com/office/powerpoint/2010/main" val="3083143412"/>
       </p:ext>
     </p:extLst>
   </p:cSld>
@@ -6334,32 +6247,6 @@
             </a:pPr>
             <a:endParaRPr lang="en-US" altLang="zh-TW" dirty="0" smtClean="0"/>
           </a:p>
-          <a:p>
-            <a:pPr marL="0" indent="0">
-              <a:buNone/>
-            </a:pPr>
-            <a:r>
-              <a:rPr lang="zh-TW" altLang="en-US" dirty="0" smtClean="0"/>
-              <a:t>練習</a:t>
-            </a:r>
-            <a:r>
-              <a:rPr lang="en-US" altLang="zh-TW" dirty="0" smtClean="0"/>
-              <a:t>:</a:t>
-            </a:r>
-            <a:r>
-              <a:rPr lang="zh-TW" altLang="en-US" dirty="0" smtClean="0"/>
-              <a:t> 製作及使用 </a:t>
-            </a:r>
-            <a:r>
-              <a:rPr lang="en-US" altLang="zh-TW" dirty="0" smtClean="0"/>
-              <a:t>JS </a:t>
-            </a:r>
-            <a:r>
-              <a:rPr lang="zh-TW" altLang="en-US" dirty="0" smtClean="0"/>
-              <a:t>檔</a:t>
-            </a:r>
-            <a:endParaRPr lang="en-US" altLang="zh-TW" dirty="0" smtClean="0"/>
-          </a:p>
         </p:txBody>
       </p:sp>
       <p:sp>
@@ -6388,7 +6275,7 @@
     </p:spTree>
     <p:extLst>
       <p:ext uri="{BB962C8B-B14F-4D97-AF65-F5344CB8AC3E}">
-        <p14:creationId xmlns:p14="http://schemas.microsoft.com/office/powerpoint/2010/main" val="4061370377"/>
+        <p14:creationId xmlns:p14="http://schemas.microsoft.com/office/powerpoint/2010/main" val="2692066158"/>
       </p:ext>
     </p:extLst>
   </p:cSld>
@@ -6405,34 +6292,9 @@
 </p:sld>
 </file>
 
-<file path=ppt/slides/slide2.xml><?xml version="1.0" encoding="utf-8"?>
+<file path=ppt/slides/slide14.xml><?xml version="1.0" encoding="utf-8"?>
 <p:sld xmlns:a="http://schemas.openxmlformats.org/drawingml/2006/main" xmlns:r="http://schemas.openxmlformats.org/officeDocument/2006/relationships" xmlns:p="http://schemas.openxmlformats.org/presentationml/2006/main">
   <p:cSld>
-    <p:bg>
-      <p:bgPr>
-        <a:blipFill dpi="0" rotWithShape="1">
-          <a:blip r:embed="rId2">
-            <a:lum/>
-            <a:extLst>
-              <a:ext uri="{BEBA8EAE-BF5A-486C-A8C5-ECC9F3942E4B}">
-                <a14:imgProps xmlns:a14="http://schemas.microsoft.com/office/drawing/2010/main">
-                  <a14:imgLayer r:embed="rId3">
-                    <a14:imgEffect>
-                      <a14:artisticCrisscrossEtching/>
-                    </a14:imgEffect>
-                  </a14:imgLayer>
-                </a14:imgProps>
-              </a:ext>
-            </a:extLst>
-          </a:blip>
-          <a:srcRect/>
-          <a:stretch>
-            <a:fillRect/>
-          </a:stretch>
-        </a:blipFill>
-        <a:effectLst/>
-      </p:bgPr>
-    </p:bg>
     <p:spTree>
       <p:nvGrpSpPr>
         <p:cNvPr id="1" name=""/>
@@ -6457,7 +6319,12 @@
             <p:ph type="title"/>
           </p:nvPr>
         </p:nvSpPr>
-        <p:spPr/>
+        <p:spPr>
+          <a:xfrm>
+            <a:off x="467544" y="260648"/>
+            <a:ext cx="8229600" cy="1143000"/>
+          </a:xfrm>
+        </p:spPr>
         <p:txBody>
           <a:bodyPr>
             <a:normAutofit/>
@@ -6465,7 +6332,7 @@
           <a:lstStyle/>
           <a:p>
             <a:r>
-              <a:rPr lang="en-US" altLang="zh-TW" b="1" cap="all" dirty="0">
+              <a:rPr lang="en-US" altLang="zh-TW" b="1" cap="all" dirty="0" err="1" smtClean="0">
                 <a:ln w="9000" cmpd="sng">
                   <a:solidFill>
                     <a:schemeClr val="accent4">
@@ -6507,10 +6374,10 @@
                   <a:reflection blurRad="12700" stA="28000" endPos="45000" dist="1000" dir="5400000" sy="-100000" algn="bl" rotWithShape="0"/>
                 </a:effectLst>
               </a:rPr>
-              <a:t>HTML</a:t>
-            </a:r>
-            <a:r>
-              <a:rPr lang="zh-TW" altLang="en-US" b="1" cap="all" dirty="0">
+              <a:t>JS</a:t>
+            </a:r>
+            <a:r>
+              <a:rPr lang="en-US" altLang="zh-TW" b="1" cap="all" dirty="0" smtClean="0">
                 <a:ln w="9000" cmpd="sng">
                   <a:solidFill>
                     <a:schemeClr val="accent4">
@@ -6552,7 +6419,7 @@
                   <a:reflection blurRad="12700" stA="28000" endPos="45000" dist="1000" dir="5400000" sy="-100000" algn="bl" rotWithShape="0"/>
                 </a:effectLst>
               </a:rPr>
-              <a:t>語法基本</a:t>
+              <a:t> </a:t>
             </a:r>
             <a:r>
               <a:rPr lang="zh-TW" altLang="en-US" b="1" cap="all" dirty="0" smtClean="0">
@@ -6597,7 +6464,7 @@
                   <a:reflection blurRad="12700" stA="28000" endPos="45000" dist="1000" dir="5400000" sy="-100000" algn="bl" rotWithShape="0"/>
                 </a:effectLst>
               </a:rPr>
-              <a:t>架構</a:t>
+              <a:t>程式放置位置注意事項</a:t>
             </a:r>
             <a:endParaRPr lang="en-US" altLang="zh-TW" b="1" cap="all" dirty="0">
               <a:ln w="9000" cmpd="sng">
@@ -6656,178 +6523,230 @@
         </p:nvSpPr>
         <p:spPr>
           <a:xfrm>
-            <a:off x="457200" y="1600200"/>
-            <a:ext cx="8229600" cy="4925144"/>
+            <a:off x="457200" y="1700808"/>
+            <a:ext cx="8229600" cy="5157192"/>
           </a:xfrm>
         </p:spPr>
         <p:txBody>
           <a:bodyPr>
-            <a:normAutofit fontScale="85000" lnSpcReduction="20000"/>
+            <a:normAutofit fontScale="92500" lnSpcReduction="20000"/>
           </a:bodyPr>
           <a:lstStyle/>
           <a:p>
-            <a:pPr marL="0" indent="0">
-              <a:buNone/>
-            </a:pPr>
-            <a:r>
-              <a:rPr lang="en-US" altLang="zh-TW" sz="3800" dirty="0"/>
-              <a:t>&lt;html&gt;</a:t>
-            </a:r>
-            <a:br>
-              <a:rPr lang="en-US" altLang="zh-TW" sz="3800" dirty="0"/>
-            </a:br>
-            <a:r>
-              <a:rPr lang="en-US" altLang="zh-TW" sz="3800" dirty="0"/>
-              <a:t>&lt;head&gt;</a:t>
-            </a:r>
-            <a:br>
-              <a:rPr lang="en-US" altLang="zh-TW" sz="3800" dirty="0"/>
-            </a:br>
-            <a:r>
-              <a:rPr lang="en-US" altLang="zh-TW" sz="3800" dirty="0"/>
-              <a:t>&lt;title&gt;</a:t>
-            </a:r>
-            <a:r>
-              <a:rPr lang="zh-TW" altLang="en-US" sz="3800" dirty="0"/>
-              <a:t>網頁標題</a:t>
-            </a:r>
-            <a:r>
-              <a:rPr lang="en-US" altLang="zh-TW" sz="3800" dirty="0"/>
-              <a:t>&lt;/title&gt;</a:t>
-            </a:r>
-            <a:br>
-              <a:rPr lang="en-US" altLang="zh-TW" sz="3800" dirty="0"/>
-            </a:br>
-            <a:r>
-              <a:rPr lang="en-US" altLang="zh-TW" sz="3800" dirty="0"/>
-              <a:t>&lt;/head&gt;</a:t>
-            </a:r>
-            <a:br>
-              <a:rPr lang="en-US" altLang="zh-TW" sz="3800" dirty="0"/>
-            </a:br>
-            <a:r>
-              <a:rPr lang="en-US" altLang="zh-TW" sz="3800" dirty="0"/>
-              <a:t>&lt;body&gt;</a:t>
-            </a:r>
-            <a:br>
-              <a:rPr lang="en-US" altLang="zh-TW" sz="3800" dirty="0"/>
-            </a:br>
-            <a:r>
-              <a:rPr lang="zh-TW" altLang="en-US" sz="3800" dirty="0"/>
-              <a:t>您所要在瀏覽器顯示的內容</a:t>
-            </a:r>
-            <a:br>
-              <a:rPr lang="zh-TW" altLang="en-US" sz="3800" dirty="0"/>
-            </a:br>
-            <a:r>
-              <a:rPr lang="en-US" altLang="zh-TW" sz="3800" dirty="0"/>
-              <a:t>&lt;/body&gt;</a:t>
-            </a:r>
-            <a:br>
-              <a:rPr lang="en-US" altLang="zh-TW" sz="3800" dirty="0"/>
-            </a:br>
-            <a:r>
-              <a:rPr lang="en-US" altLang="zh-TW" sz="3800" dirty="0"/>
-              <a:t>&lt;/html</a:t>
-            </a:r>
-            <a:r>
-              <a:rPr lang="en-US" altLang="zh-TW" sz="3800" dirty="0" smtClean="0"/>
-              <a:t>&gt;</a:t>
-            </a:r>
-          </a:p>
-          <a:p>
-            <a:pPr marL="0" indent="0">
-              <a:buNone/>
-            </a:pPr>
-            <a:endParaRPr lang="en-US" altLang="zh-TW" dirty="0"/>
-          </a:p>
-          <a:p>
-            <a:pPr marL="0" indent="0">
-              <a:buNone/>
-            </a:pPr>
             <a:r>
               <a:rPr lang="zh-TW" altLang="en-US" dirty="0" smtClean="0">
-                <a:solidFill>
-                  <a:srgbClr val="FF0000"/>
-                </a:solidFill>
-              </a:rPr>
-              <a:t>*注意</a:t>
+                <a:latin typeface="+mn-ea"/>
+              </a:rPr>
+              <a:t>載入時，循序解析與執行</a:t>
+            </a:r>
+            <a:endParaRPr lang="en-US" altLang="zh-TW" dirty="0" smtClean="0">
+              <a:latin typeface="+mn-ea"/>
+            </a:endParaRPr>
+          </a:p>
+          <a:p>
+            <a:pPr lvl="1"/>
+            <a:r>
+              <a:rPr lang="zh-TW" altLang="en-US" dirty="0" smtClean="0">
+                <a:latin typeface="+mn-ea"/>
+              </a:rPr>
+              <a:t>將 </a:t>
+            </a:r>
+            <a:r>
+              <a:rPr lang="en-US" altLang="zh-TW" dirty="0" err="1" smtClean="0">
+                <a:latin typeface="+mn-ea"/>
+              </a:rPr>
+              <a:t>document.write</a:t>
             </a:r>
             <a:r>
               <a:rPr lang="en-US" altLang="zh-TW" dirty="0" smtClean="0">
-                <a:solidFill>
-                  <a:srgbClr val="FF0000"/>
-                </a:solidFill>
-              </a:rPr>
-              <a:t>:</a:t>
-            </a:r>
-          </a:p>
-          <a:p>
-            <a:pPr marL="0" indent="0">
-              <a:buNone/>
-            </a:pPr>
+                <a:latin typeface="+mn-ea"/>
+              </a:rPr>
+              <a:t> </a:t>
+            </a:r>
+            <a:r>
+              <a:rPr lang="zh-TW" altLang="en-US" dirty="0" smtClean="0">
+                <a:latin typeface="+mn-ea"/>
+              </a:rPr>
+              <a:t>指令放在 </a:t>
+            </a:r>
             <a:r>
               <a:rPr lang="en-US" altLang="zh-TW" dirty="0" smtClean="0">
-                <a:solidFill>
-                  <a:srgbClr val="FF0000"/>
-                </a:solidFill>
-              </a:rPr>
-              <a:t>&lt;&gt;</a:t>
+                <a:latin typeface="+mn-ea"/>
+              </a:rPr>
+              <a:t>HTML</a:t>
             </a:r>
             <a:r>
               <a:rPr lang="zh-TW" altLang="en-US" dirty="0" smtClean="0">
-                <a:solidFill>
-                  <a:srgbClr val="FF0000"/>
-                </a:solidFill>
-              </a:rPr>
-              <a:t>代表開啟碼，</a:t>
-            </a:r>
+                <a:latin typeface="+mn-ea"/>
+              </a:rPr>
+              <a:t> 網頁不同位置，看看其執行的效果</a:t>
+            </a:r>
+            <a:endParaRPr lang="en-US" altLang="zh-TW" dirty="0" smtClean="0">
+              <a:latin typeface="+mn-ea"/>
+            </a:endParaRPr>
+          </a:p>
+          <a:p>
+            <a:pPr lvl="1"/>
             <a:r>
               <a:rPr lang="en-US" altLang="zh-TW" dirty="0" smtClean="0">
-                <a:solidFill>
-                  <a:srgbClr val="FF0000"/>
-                </a:solidFill>
-              </a:rPr>
-              <a:t>&lt;/&gt;</a:t>
+                <a:latin typeface="+mn-ea"/>
+              </a:rPr>
+              <a:t>HTML and </a:t>
+            </a:r>
+            <a:r>
+              <a:rPr lang="en-US" altLang="zh-TW" dirty="0" err="1" smtClean="0">
+                <a:latin typeface="+mn-ea"/>
+              </a:rPr>
+              <a:t>JS</a:t>
+            </a:r>
+            <a:r>
+              <a:rPr lang="en-US" altLang="zh-TW" dirty="0" smtClean="0">
+                <a:latin typeface="+mn-ea"/>
+              </a:rPr>
+              <a:t> </a:t>
             </a:r>
             <a:r>
               <a:rPr lang="zh-TW" altLang="en-US" dirty="0" smtClean="0">
-                <a:solidFill>
-                  <a:srgbClr val="FF0000"/>
-                </a:solidFill>
-              </a:rPr>
-              <a:t>代表關閉碼，它們是</a:t>
+                <a:latin typeface="+mn-ea"/>
+              </a:rPr>
+              <a:t>是循序讀取執行，瀏覽器開啟網頁時，若 </a:t>
+            </a:r>
+            <a:r>
+              <a:rPr lang="en-US" altLang="zh-TW" dirty="0" err="1" smtClean="0">
+                <a:latin typeface="+mn-ea"/>
+              </a:rPr>
+              <a:t>document.getelementbyid</a:t>
+            </a:r>
+            <a:r>
+              <a:rPr lang="en-US" altLang="zh-TW" dirty="0" smtClean="0">
+                <a:latin typeface="+mn-ea"/>
+              </a:rPr>
+              <a:t>(</a:t>
+            </a:r>
+            <a:r>
+              <a:rPr lang="en-US" altLang="zh-TW" dirty="0" err="1" smtClean="0">
+                <a:latin typeface="+mn-ea"/>
+              </a:rPr>
+              <a:t>tagID</a:t>
+            </a:r>
+            <a:r>
+              <a:rPr lang="en-US" altLang="zh-TW" dirty="0" smtClean="0">
+                <a:latin typeface="+mn-ea"/>
+              </a:rPr>
+              <a:t>)</a:t>
+            </a:r>
+            <a:r>
+              <a:rPr lang="zh-TW" altLang="en-US" dirty="0" smtClean="0">
+                <a:latin typeface="+mn-ea"/>
+              </a:rPr>
+              <a:t> 寫在 </a:t>
+            </a:r>
+            <a:r>
+              <a:rPr lang="en-US" altLang="zh-TW" dirty="0" smtClean="0">
+                <a:latin typeface="+mn-ea"/>
+              </a:rPr>
+              <a:t>HTML</a:t>
+            </a:r>
+            <a:r>
+              <a:rPr lang="zh-TW" altLang="en-US" dirty="0" smtClean="0">
+                <a:latin typeface="+mn-ea"/>
+              </a:rPr>
+              <a:t> 標籤之前，會發生找不到標籤的錯誤</a:t>
             </a:r>
             <a:endParaRPr lang="en-US" altLang="zh-TW" dirty="0" smtClean="0">
-              <a:solidFill>
-                <a:srgbClr val="FF0000"/>
-              </a:solidFill>
+              <a:latin typeface="+mn-ea"/>
             </a:endParaRPr>
           </a:p>
           <a:p>
-            <a:pPr marL="0" indent="0">
-              <a:buNone/>
-            </a:pPr>
+            <a:r>
+              <a:rPr lang="zh-TW" altLang="en-US" dirty="0">
+                <a:latin typeface="+mn-ea"/>
+              </a:rPr>
+              <a:t>事件</a:t>
+            </a:r>
             <a:r>
               <a:rPr lang="zh-TW" altLang="en-US" dirty="0" smtClean="0">
-                <a:solidFill>
-                  <a:srgbClr val="FF0000"/>
-                </a:solidFill>
-              </a:rPr>
-              <a:t>對應的，有開啟碼就有關閉碼</a:t>
+                <a:latin typeface="+mn-ea"/>
+              </a:rPr>
+              <a:t>觸發函式</a:t>
+            </a:r>
+            <a:r>
+              <a:rPr lang="zh-TW" altLang="en-US" dirty="0" smtClean="0">
+                <a:latin typeface="+mn-ea"/>
+              </a:rPr>
+              <a:t>，改變 </a:t>
             </a:r>
             <a:r>
               <a:rPr lang="en-US" altLang="zh-TW" dirty="0" smtClean="0">
-                <a:solidFill>
-                  <a:srgbClr val="FF0000"/>
-                </a:solidFill>
+                <a:latin typeface="+mn-ea"/>
+              </a:rPr>
+              <a:t>HTML</a:t>
+            </a:r>
+            <a:r>
+              <a:rPr lang="zh-TW" altLang="en-US" dirty="0" smtClean="0">
+                <a:latin typeface="+mn-ea"/>
+              </a:rPr>
+              <a:t> 內容</a:t>
+            </a:r>
+            <a:endParaRPr lang="en-US" altLang="zh-TW" dirty="0" smtClean="0">
+              <a:latin typeface="+mn-ea"/>
+            </a:endParaRPr>
+          </a:p>
+          <a:p>
+            <a:pPr lvl="1"/>
+            <a:r>
+              <a:rPr lang="zh-TW" altLang="en-US" dirty="0" smtClean="0">
+                <a:latin typeface="+mn-ea"/>
+              </a:rPr>
+              <a:t>不要用 </a:t>
+            </a:r>
+            <a:r>
+              <a:rPr lang="en-US" altLang="zh-TW" dirty="0" err="1" smtClean="0">
+                <a:latin typeface="+mn-ea"/>
+              </a:rPr>
+              <a:t>document.write</a:t>
+            </a:r>
+            <a:r>
+              <a:rPr lang="en-US" altLang="zh-TW" dirty="0" smtClean="0">
+                <a:latin typeface="+mn-ea"/>
               </a:rPr>
               <a:t>!</a:t>
             </a:r>
+          </a:p>
+          <a:p>
+            <a:pPr lvl="1"/>
+            <a:r>
+              <a:rPr lang="en-US" altLang="zh-TW" dirty="0" err="1">
+                <a:latin typeface="+mn-ea"/>
+              </a:rPr>
+              <a:t>document.getelementbyid</a:t>
+            </a:r>
+            <a:r>
+              <a:rPr lang="en-US" altLang="zh-TW" dirty="0">
+                <a:latin typeface="+mn-ea"/>
+              </a:rPr>
+              <a:t>(</a:t>
+            </a:r>
+            <a:r>
+              <a:rPr lang="en-US" altLang="zh-TW" dirty="0" err="1">
+                <a:latin typeface="+mn-ea"/>
+              </a:rPr>
+              <a:t>tagID</a:t>
+            </a:r>
+            <a:r>
+              <a:rPr lang="en-US" altLang="zh-TW" dirty="0" smtClean="0">
+                <a:latin typeface="+mn-ea"/>
+              </a:rPr>
+              <a:t>).</a:t>
+            </a:r>
+            <a:r>
+              <a:rPr lang="en-US" altLang="zh-TW" dirty="0" err="1" smtClean="0">
+                <a:latin typeface="+mn-ea"/>
+              </a:rPr>
+              <a:t>innerHTML</a:t>
+            </a:r>
             <a:endParaRPr lang="en-US" altLang="zh-TW" dirty="0">
-              <a:solidFill>
-                <a:srgbClr val="FF0000"/>
-              </a:solidFill>
+              <a:latin typeface="+mn-ea"/>
             </a:endParaRPr>
           </a:p>
         </p:txBody>
@@ -6849,7 +6768,7 @@
           <a:p>
             <a:fld id="{FE09579F-7592-4C68-8E0D-304C8D093A2F}" type="slidenum">
               <a:rPr lang="zh-TW" altLang="en-US" smtClean="0"/>
-              <a:t>2</a:t>
+              <a:t>14</a:t>
             </a:fld>
             <a:endParaRPr lang="zh-TW" altLang="en-US"/>
           </a:p>
@@ -6858,7 +6777,7 @@
     </p:spTree>
     <p:extLst>
       <p:ext uri="{BB962C8B-B14F-4D97-AF65-F5344CB8AC3E}">
-        <p14:creationId xmlns:p14="http://schemas.microsoft.com/office/powerpoint/2010/main" val="4112825529"/>
+        <p14:creationId xmlns:p14="http://schemas.microsoft.com/office/powerpoint/2010/main" val="3566938268"/>
       </p:ext>
     </p:extLst>
   </p:cSld>
@@ -6875,34 +6794,9 @@
 </p:sld>
 </file>
 
-<file path=ppt/slides/slide3.xml><?xml version="1.0" encoding="utf-8"?>
+<file path=ppt/slides/slide2.xml><?xml version="1.0" encoding="utf-8"?>
 <p:sld xmlns:a="http://schemas.openxmlformats.org/drawingml/2006/main" xmlns:r="http://schemas.openxmlformats.org/officeDocument/2006/relationships" xmlns:p="http://schemas.openxmlformats.org/presentationml/2006/main">
   <p:cSld>
-    <p:bg>
-      <p:bgPr>
-        <a:blipFill dpi="0" rotWithShape="1">
-          <a:blip r:embed="rId2">
-            <a:lum/>
-            <a:extLst>
-              <a:ext uri="{BEBA8EAE-BF5A-486C-A8C5-ECC9F3942E4B}">
-                <a14:imgProps xmlns:a14="http://schemas.microsoft.com/office/drawing/2010/main">
-                  <a14:imgLayer r:embed="rId3">
-                    <a14:imgEffect>
-                      <a14:artisticCrisscrossEtching/>
-                    </a14:imgEffect>
-                  </a14:imgLayer>
-                </a14:imgProps>
-              </a:ext>
-            </a:extLst>
-          </a:blip>
-          <a:srcRect/>
-          <a:stretch>
-            <a:fillRect/>
-          </a:stretch>
-        </a:blipFill>
-        <a:effectLst/>
-      </p:bgPr>
-    </p:bg>
     <p:spTree>
       <p:nvGrpSpPr>
         <p:cNvPr id="1" name=""/>
@@ -6977,7 +6871,52 @@
                   <a:reflection blurRad="12700" stA="28000" endPos="45000" dist="1000" dir="5400000" sy="-100000" algn="bl" rotWithShape="0"/>
                 </a:effectLst>
               </a:rPr>
-              <a:t>JavaScript</a:t>
+              <a:t>HTML</a:t>
+            </a:r>
+            <a:r>
+              <a:rPr lang="zh-TW" altLang="en-US" b="1" cap="all" dirty="0">
+                <a:ln w="9000" cmpd="sng">
+                  <a:solidFill>
+                    <a:schemeClr val="accent4">
+                      <a:shade val="50000"/>
+                      <a:satMod val="120000"/>
+                    </a:schemeClr>
+                  </a:solidFill>
+                  <a:prstDash val="solid"/>
+                </a:ln>
+                <a:gradFill>
+                  <a:gsLst>
+                    <a:gs pos="0">
+                      <a:schemeClr val="accent4">
+                        <a:shade val="20000"/>
+                        <a:satMod val="245000"/>
+                      </a:schemeClr>
+                    </a:gs>
+                    <a:gs pos="43000">
+                      <a:schemeClr val="accent4">
+                        <a:satMod val="255000"/>
+                      </a:schemeClr>
+                    </a:gs>
+                    <a:gs pos="48000">
+                      <a:schemeClr val="accent4">
+                        <a:shade val="85000"/>
+                        <a:satMod val="255000"/>
+                      </a:schemeClr>
+                    </a:gs>
+                    <a:gs pos="100000">
+                      <a:schemeClr val="accent4">
+                        <a:shade val="20000"/>
+                        <a:satMod val="245000"/>
+                      </a:schemeClr>
+                    </a:gs>
+                  </a:gsLst>
+                  <a:lin ang="5400000"/>
+                </a:gradFill>
+                <a:effectLst>
+                  <a:reflection blurRad="12700" stA="28000" endPos="45000" dist="1000" dir="5400000" sy="-100000" algn="bl" rotWithShape="0"/>
+                </a:effectLst>
+              </a:rPr>
+              <a:t>語法基本</a:t>
             </a:r>
             <a:r>
               <a:rPr lang="zh-TW" altLang="en-US" b="1" cap="all" dirty="0" smtClean="0">
@@ -7022,7 +6961,7 @@
                   <a:reflection blurRad="12700" stA="28000" endPos="45000" dist="1000" dir="5400000" sy="-100000" algn="bl" rotWithShape="0"/>
                 </a:effectLst>
               </a:rPr>
-              <a:t>的標記</a:t>
+              <a:t>架構</a:t>
             </a:r>
             <a:endParaRPr lang="en-US" altLang="zh-TW" b="1" cap="all" dirty="0">
               <a:ln w="9000" cmpd="sng">
@@ -7087,138 +7026,168 @@
         </p:spPr>
         <p:txBody>
           <a:bodyPr>
-            <a:normAutofit/>
+            <a:normAutofit fontScale="85000" lnSpcReduction="20000"/>
           </a:bodyPr>
           <a:lstStyle/>
           <a:p>
-            <a:pPr>
-              <a:buFont typeface="Wingdings" pitchFamily="2" charset="2"/>
-              <a:buChar char="Ø"/>
+            <a:pPr marL="0" indent="0">
+              <a:buNone/>
             </a:pPr>
             <a:r>
-              <a:rPr lang="zh-TW" altLang="en-US" dirty="0"/>
-              <a:t>因為 </a:t>
-            </a:r>
-            <a:r>
-              <a:rPr lang="en-US" altLang="zh-TW" dirty="0"/>
-              <a:t>JavaScript </a:t>
-            </a:r>
-            <a:r>
-              <a:rPr lang="zh-TW" altLang="en-US" dirty="0"/>
-              <a:t>是寫在 </a:t>
-            </a:r>
-            <a:r>
-              <a:rPr lang="en-US" altLang="zh-TW" dirty="0"/>
-              <a:t>HTML </a:t>
-            </a:r>
-            <a:r>
-              <a:rPr lang="zh-TW" altLang="en-US" dirty="0"/>
-              <a:t>檔的， 所以 </a:t>
-            </a:r>
-            <a:r>
-              <a:rPr lang="en-US" altLang="zh-TW" dirty="0"/>
-              <a:t>Netscape </a:t>
-            </a:r>
-            <a:r>
-              <a:rPr lang="zh-TW" altLang="en-US" dirty="0"/>
-              <a:t>定義了一個 </a:t>
-            </a:r>
-            <a:r>
-              <a:rPr lang="en-US" altLang="zh-TW" b="1" dirty="0"/>
-              <a:t>&lt;script&gt;</a:t>
-            </a:r>
-            <a:r>
-              <a:rPr lang="en-US" altLang="zh-TW" dirty="0"/>
-              <a:t> </a:t>
-            </a:r>
-            <a:r>
-              <a:rPr lang="zh-TW" altLang="en-US" dirty="0"/>
-              <a:t>標記 </a:t>
-            </a:r>
-            <a:r>
-              <a:rPr lang="zh-TW" altLang="en-US" dirty="0" smtClean="0"/>
-              <a:t>。</a:t>
-            </a:r>
-            <a:r>
-              <a:rPr lang="zh-TW" altLang="en-US" dirty="0"/>
-              <a:t/>
+              <a:rPr lang="en-US" altLang="zh-TW" sz="3800" dirty="0"/>
+              <a:t>&lt;html&gt;</a:t>
             </a:r>
             <a:br>
-              <a:rPr lang="zh-TW" altLang="en-US" dirty="0"/>
+              <a:rPr lang="en-US" altLang="zh-TW" sz="3800" dirty="0"/>
             </a:br>
             <a:r>
-              <a:rPr lang="zh-TW" altLang="en-US" dirty="0"/>
-              <a:t>瀏覽器會將</a:t>
-            </a:r>
-            <a:r>
-              <a:rPr lang="zh-TW" altLang="en-US" dirty="0">
+              <a:rPr lang="en-US" altLang="zh-TW" sz="3800" dirty="0"/>
+              <a:t>&lt;head&gt;</a:t>
+            </a:r>
+            <a:br>
+              <a:rPr lang="en-US" altLang="zh-TW" sz="3800" dirty="0"/>
+            </a:br>
+            <a:r>
+              <a:rPr lang="en-US" altLang="zh-TW" sz="3800" dirty="0"/>
+              <a:t>&lt;title&gt;</a:t>
+            </a:r>
+            <a:r>
+              <a:rPr lang="zh-TW" altLang="en-US" sz="3800" dirty="0"/>
+              <a:t>網頁標題</a:t>
+            </a:r>
+            <a:r>
+              <a:rPr lang="en-US" altLang="zh-TW" sz="3800" dirty="0"/>
+              <a:t>&lt;/title&gt;</a:t>
+            </a:r>
+            <a:br>
+              <a:rPr lang="en-US" altLang="zh-TW" sz="3800" dirty="0"/>
+            </a:br>
+            <a:r>
+              <a:rPr lang="en-US" altLang="zh-TW" sz="3800" dirty="0"/>
+              <a:t>&lt;/head&gt;</a:t>
+            </a:r>
+            <a:br>
+              <a:rPr lang="en-US" altLang="zh-TW" sz="3800" dirty="0"/>
+            </a:br>
+            <a:r>
+              <a:rPr lang="en-US" altLang="zh-TW" sz="3800" dirty="0"/>
+              <a:t>&lt;body&gt;</a:t>
+            </a:r>
+            <a:br>
+              <a:rPr lang="en-US" altLang="zh-TW" sz="3800" dirty="0"/>
+            </a:br>
+            <a:r>
+              <a:rPr lang="zh-TW" altLang="en-US" sz="3800" dirty="0"/>
+              <a:t>您所要在瀏覽器顯示的內容</a:t>
+            </a:r>
+            <a:br>
+              <a:rPr lang="zh-TW" altLang="en-US" sz="3800" dirty="0"/>
+            </a:br>
+            <a:r>
+              <a:rPr lang="en-US" altLang="zh-TW" sz="3800" dirty="0"/>
+              <a:t>&lt;/body&gt;</a:t>
+            </a:r>
+            <a:br>
+              <a:rPr lang="en-US" altLang="zh-TW" sz="3800" dirty="0"/>
+            </a:br>
+            <a:r>
+              <a:rPr lang="en-US" altLang="zh-TW" sz="3800" dirty="0"/>
+              <a:t>&lt;/html</a:t>
+            </a:r>
+            <a:r>
+              <a:rPr lang="en-US" altLang="zh-TW" sz="3800" dirty="0" smtClean="0"/>
+              <a:t>&gt;</a:t>
+            </a:r>
+          </a:p>
+          <a:p>
+            <a:pPr marL="0" indent="0">
+              <a:buNone/>
+            </a:pPr>
+            <a:endParaRPr lang="en-US" altLang="zh-TW" dirty="0"/>
+          </a:p>
+          <a:p>
+            <a:pPr marL="0" indent="0">
+              <a:buNone/>
+            </a:pPr>
+            <a:r>
+              <a:rPr lang="zh-TW" altLang="en-US" dirty="0" smtClean="0">
                 <a:solidFill>
                   <a:srgbClr val="FF0000"/>
                 </a:solidFill>
               </a:rPr>
-              <a:t> </a:t>
-            </a:r>
-            <a:r>
-              <a:rPr lang="en-US" altLang="zh-TW" b="1" dirty="0">
+              <a:t>*注意</a:t>
+            </a:r>
+            <a:r>
+              <a:rPr lang="en-US" altLang="zh-TW" dirty="0" smtClean="0">
                 <a:solidFill>
                   <a:srgbClr val="FF0000"/>
                 </a:solidFill>
               </a:rPr>
-              <a:t>&lt;script&gt;</a:t>
-            </a:r>
-            <a:r>
-              <a:rPr lang="en-US" altLang="zh-TW" dirty="0">
+              <a:t>:</a:t>
+            </a:r>
+          </a:p>
+          <a:p>
+            <a:pPr marL="0" indent="0">
+              <a:buNone/>
+            </a:pPr>
+            <a:r>
+              <a:rPr lang="en-US" altLang="zh-TW" dirty="0" smtClean="0">
                 <a:solidFill>
                   <a:srgbClr val="FF0000"/>
                 </a:solidFill>
               </a:rPr>
-              <a:t> </a:t>
-            </a:r>
-            <a:r>
-              <a:rPr lang="zh-TW" altLang="en-US" dirty="0"/>
-              <a:t>與 </a:t>
-            </a:r>
-            <a:r>
-              <a:rPr lang="en-US" altLang="zh-TW" b="1" dirty="0">
+              <a:t>&lt;&gt;</a:t>
+            </a:r>
+            <a:r>
+              <a:rPr lang="zh-TW" altLang="en-US" dirty="0" smtClean="0">
                 <a:solidFill>
                   <a:srgbClr val="FF0000"/>
                 </a:solidFill>
               </a:rPr>
-              <a:t>&lt;/script&gt;</a:t>
-            </a:r>
-            <a:r>
-              <a:rPr lang="en-US" altLang="zh-TW" dirty="0">
+              <a:t>代表開啟碼，</a:t>
+            </a:r>
+            <a:r>
+              <a:rPr lang="en-US" altLang="zh-TW" dirty="0" smtClean="0">
                 <a:solidFill>
                   <a:srgbClr val="FF0000"/>
                 </a:solidFill>
               </a:rPr>
-              <a:t> </a:t>
-            </a:r>
-            <a:r>
-              <a:rPr lang="zh-TW" altLang="en-US" dirty="0"/>
-              <a:t>中間的東西視作要執行的 </a:t>
-            </a:r>
-            <a:r>
-              <a:rPr lang="en-US" altLang="zh-TW" dirty="0"/>
-              <a:t>JavaScript</a:t>
-            </a:r>
-            <a:r>
-              <a:rPr lang="zh-TW" altLang="en-US" dirty="0"/>
-              <a:t>， 而不是</a:t>
-            </a:r>
-            <a:r>
-              <a:rPr lang="en-US" altLang="zh-TW" dirty="0"/>
-              <a:t>HTML </a:t>
-            </a:r>
-            <a:r>
-              <a:rPr lang="zh-TW" altLang="en-US" dirty="0"/>
-              <a:t>。</a:t>
-            </a:r>
+              <a:t>&lt;/&gt;</a:t>
+            </a:r>
+            <a:r>
+              <a:rPr lang="zh-TW" altLang="en-US" dirty="0" smtClean="0">
+                <a:solidFill>
+                  <a:srgbClr val="FF0000"/>
+                </a:solidFill>
+              </a:rPr>
+              <a:t>代表關閉碼，它們是</a:t>
+            </a:r>
+            <a:endParaRPr lang="en-US" altLang="zh-TW" dirty="0" smtClean="0">
+              <a:solidFill>
+                <a:srgbClr val="FF0000"/>
+              </a:solidFill>
+            </a:endParaRPr>
           </a:p>
           <a:p>
             <a:pPr marL="0" indent="0">
               <a:buNone/>
             </a:pPr>
+            <a:r>
+              <a:rPr lang="zh-TW" altLang="en-US" dirty="0" smtClean="0">
+                <a:solidFill>
+                  <a:srgbClr val="FF0000"/>
+                </a:solidFill>
+              </a:rPr>
+              <a:t>對應的，有開啟碼就有關閉碼</a:t>
+            </a:r>
+            <a:r>
+              <a:rPr lang="en-US" altLang="zh-TW" dirty="0" smtClean="0">
+                <a:solidFill>
+                  <a:srgbClr val="FF0000"/>
+                </a:solidFill>
+              </a:rPr>
+              <a:t>!</a:t>
+            </a:r>
             <a:endParaRPr lang="en-US" altLang="zh-TW" dirty="0">
               <a:solidFill>
                 <a:srgbClr val="FF0000"/>
@@ -7244,7 +7213,7 @@
           <a:p>
             <a:fld id="{FE09579F-7592-4C68-8E0D-304C8D093A2F}" type="slidenum">
               <a:rPr lang="zh-TW" altLang="en-US" smtClean="0"/>
-              <a:t>3</a:t>
+              <a:t>2</a:t>
             </a:fld>
             <a:endParaRPr lang="zh-TW" altLang="en-US"/>
           </a:p>
@@ -7253,7 +7222,7 @@
     </p:spTree>
     <p:extLst>
       <p:ext uri="{BB962C8B-B14F-4D97-AF65-F5344CB8AC3E}">
-        <p14:creationId xmlns:p14="http://schemas.microsoft.com/office/powerpoint/2010/main" val="1337062081"/>
+        <p14:creationId xmlns:p14="http://schemas.microsoft.com/office/powerpoint/2010/main" val="621042899"/>
       </p:ext>
     </p:extLst>
   </p:cSld>
@@ -7270,34 +7239,9 @@
 </p:sld>
 </file>
 
-<file path=ppt/slides/slide4.xml><?xml version="1.0" encoding="utf-8"?>
+<file path=ppt/slides/slide3.xml><?xml version="1.0" encoding="utf-8"?>
 <p:sld xmlns:a="http://schemas.openxmlformats.org/drawingml/2006/main" xmlns:r="http://schemas.openxmlformats.org/officeDocument/2006/relationships" xmlns:p="http://schemas.openxmlformats.org/presentationml/2006/main">
   <p:cSld>
-    <p:bg>
-      <p:bgPr>
-        <a:blipFill dpi="0" rotWithShape="1">
-          <a:blip r:embed="rId2">
-            <a:lum/>
-            <a:extLst>
-              <a:ext uri="{BEBA8EAE-BF5A-486C-A8C5-ECC9F3942E4B}">
-                <a14:imgProps xmlns:a14="http://schemas.microsoft.com/office/drawing/2010/main">
-                  <a14:imgLayer r:embed="rId3">
-                    <a14:imgEffect>
-                      <a14:artisticCrisscrossEtching/>
-                    </a14:imgEffect>
-                  </a14:imgLayer>
-                </a14:imgProps>
-              </a:ext>
-            </a:extLst>
-          </a:blip>
-          <a:srcRect/>
-          <a:stretch>
-            <a:fillRect/>
-          </a:stretch>
-        </a:blipFill>
-        <a:effectLst/>
-      </p:bgPr>
-    </p:bg>
     <p:spTree>
       <p:nvGrpSpPr>
         <p:cNvPr id="1" name=""/>
@@ -7476,13 +7420,13 @@
         </p:nvSpPr>
         <p:spPr>
           <a:xfrm>
-            <a:off x="395536" y="1340768"/>
-            <a:ext cx="8229600" cy="5400600"/>
+            <a:off x="457200" y="1600200"/>
+            <a:ext cx="8229600" cy="4925144"/>
           </a:xfrm>
         </p:spPr>
         <p:txBody>
           <a:bodyPr>
-            <a:normAutofit fontScale="70000" lnSpcReduction="20000"/>
+            <a:normAutofit/>
           </a:bodyPr>
           <a:lstStyle/>
           <a:p>
@@ -7492,7 +7436,31 @@
             </a:pPr>
             <a:r>
               <a:rPr lang="zh-TW" altLang="en-US" dirty="0"/>
-              <a:t> </a:t>
+              <a:t>因為 </a:t>
+            </a:r>
+            <a:r>
+              <a:rPr lang="en-US" altLang="zh-TW" dirty="0"/>
+              <a:t>JavaScript </a:t>
+            </a:r>
+            <a:r>
+              <a:rPr lang="zh-TW" altLang="en-US" dirty="0"/>
+              <a:t>是寫在 </a:t>
+            </a:r>
+            <a:r>
+              <a:rPr lang="en-US" altLang="zh-TW" dirty="0"/>
+              <a:t>HTML </a:t>
+            </a:r>
+            <a:r>
+              <a:rPr lang="zh-TW" altLang="en-US" dirty="0"/>
+              <a:t>檔的， 所以 </a:t>
+            </a:r>
+            <a:r>
+              <a:rPr lang="en-US" altLang="zh-TW" dirty="0"/>
+              <a:t>Netscape </a:t>
+            </a:r>
+            <a:r>
+              <a:rPr lang="zh-TW" altLang="en-US" dirty="0"/>
+              <a:t>定義了一個 </a:t>
             </a:r>
             <a:r>
               <a:rPr lang="en-US" altLang="zh-TW" b="1" dirty="0"/>
@@ -7503,170 +7471,13 @@
               <a:t> </a:t>
             </a:r>
             <a:r>
+              <a:rPr lang="zh-TW" altLang="en-US" dirty="0"/>
+              <a:t>標記 </a:t>
+            </a:r>
+            <a:r>
               <a:rPr lang="zh-TW" altLang="en-US" dirty="0" smtClean="0"/>
-              <a:t>有</a:t>
-            </a:r>
-            <a:r>
-              <a:rPr lang="zh-TW" altLang="en-US" dirty="0"/>
-              <a:t>兩種</a:t>
-            </a:r>
-            <a:r>
-              <a:rPr lang="zh-TW" altLang="en-US" dirty="0" smtClean="0"/>
-              <a:t>屬性</a:t>
-            </a:r>
-            <a:r>
-              <a:rPr lang="en-US" altLang="zh-TW" dirty="0" smtClean="0"/>
-              <a:t>:</a:t>
-            </a:r>
-          </a:p>
-          <a:p>
-            <a:pPr marL="514350" indent="-514350">
-              <a:buAutoNum type="arabicPeriod"/>
-            </a:pPr>
-            <a:r>
-              <a:rPr lang="en-US" altLang="zh-TW" b="1" dirty="0" smtClean="0"/>
-              <a:t>Language:</a:t>
-            </a:r>
-          </a:p>
-          <a:p>
-            <a:pPr marL="0" indent="0">
-              <a:buNone/>
-            </a:pPr>
-            <a:endParaRPr lang="en-US" altLang="zh-TW" dirty="0"/>
-          </a:p>
-          <a:p>
-            <a:pPr marL="0" indent="0">
-              <a:buNone/>
-            </a:pPr>
-            <a:r>
-              <a:rPr lang="en-US" altLang="zh-TW" sz="3300" dirty="0" smtClean="0"/>
-              <a:t>&lt;</a:t>
-            </a:r>
-            <a:r>
-              <a:rPr lang="en-US" altLang="zh-TW" sz="3300" dirty="0"/>
-              <a:t>script language="JavaScript</a:t>
-            </a:r>
-            <a:r>
-              <a:rPr lang="en-US" altLang="zh-TW" sz="3300" dirty="0" smtClean="0"/>
-              <a:t>"&gt;</a:t>
-            </a:r>
-          </a:p>
-          <a:p>
-            <a:pPr marL="0" indent="0">
-              <a:buNone/>
-            </a:pPr>
-            <a:r>
-              <a:rPr lang="zh-TW" altLang="en-US" sz="3300" dirty="0" smtClean="0"/>
-              <a:t>要</a:t>
-            </a:r>
-            <a:r>
-              <a:rPr lang="zh-TW" altLang="en-US" sz="3300" dirty="0"/>
-              <a:t>執行</a:t>
-            </a:r>
-            <a:r>
-              <a:rPr lang="zh-TW" altLang="en-US" sz="3300" dirty="0" smtClean="0"/>
-              <a:t>的</a:t>
-            </a:r>
-            <a:r>
-              <a:rPr lang="en-US" altLang="zh-TW" sz="3300" dirty="0" smtClean="0"/>
-              <a:t>JavaScript</a:t>
-            </a:r>
-          </a:p>
-          <a:p>
-            <a:pPr marL="0" indent="0">
-              <a:buNone/>
-            </a:pPr>
-            <a:r>
-              <a:rPr lang="en-US" altLang="zh-TW" sz="3300" dirty="0" smtClean="0"/>
-              <a:t>&lt;/script&gt;</a:t>
-            </a:r>
-          </a:p>
-          <a:p>
-            <a:pPr marL="0" indent="0">
-              <a:buNone/>
-            </a:pPr>
-            <a:endParaRPr lang="en-US" altLang="zh-TW" sz="3300" dirty="0" smtClean="0"/>
-          </a:p>
-          <a:p>
-            <a:pPr marL="0" indent="0">
-              <a:buNone/>
-            </a:pPr>
-            <a:r>
-              <a:rPr lang="zh-TW" altLang="en-US" dirty="0"/>
-              <a:t>當</a:t>
-            </a:r>
-            <a:r>
-              <a:rPr lang="zh-TW" altLang="en-US" dirty="0" smtClean="0"/>
-              <a:t>不</a:t>
-            </a:r>
-            <a:r>
-              <a:rPr lang="zh-TW" altLang="en-US" dirty="0"/>
-              <a:t>寫 </a:t>
-            </a:r>
-            <a:r>
-              <a:rPr lang="en-US" altLang="zh-TW" dirty="0"/>
-              <a:t>language </a:t>
-            </a:r>
-            <a:r>
-              <a:rPr lang="zh-TW" altLang="en-US" dirty="0" smtClean="0"/>
-              <a:t>屬性時， </a:t>
-            </a:r>
-            <a:r>
-              <a:rPr lang="zh-TW" altLang="en-US" dirty="0"/>
-              <a:t>瀏覽器也會當它是 </a:t>
-            </a:r>
-            <a:r>
-              <a:rPr lang="en-US" altLang="zh-TW" dirty="0"/>
-              <a:t>JavaScript :</a:t>
-            </a:r>
-            <a:endParaRPr lang="en-US" altLang="zh-TW" dirty="0" smtClean="0"/>
-          </a:p>
-          <a:p>
-            <a:pPr marL="0" indent="0">
-              <a:buNone/>
-            </a:pPr>
-            <a:endParaRPr lang="en-US" altLang="zh-TW" sz="3600" dirty="0" smtClean="0"/>
-          </a:p>
-          <a:p>
-            <a:pPr marL="0" indent="0">
-              <a:buNone/>
-            </a:pPr>
-            <a:r>
-              <a:rPr lang="en-US" altLang="zh-TW" sz="3600" dirty="0"/>
-              <a:t>&lt;script </a:t>
-            </a:r>
-            <a:r>
-              <a:rPr lang="en-US" altLang="zh-TW" sz="3600" dirty="0" smtClean="0"/>
-              <a:t>&gt;</a:t>
-            </a:r>
-            <a:endParaRPr lang="en-US" altLang="zh-TW" sz="3600" dirty="0"/>
-          </a:p>
-          <a:p>
-            <a:pPr marL="0" indent="0">
-              <a:buNone/>
-            </a:pPr>
-            <a:r>
-              <a:rPr lang="zh-TW" altLang="en-US" sz="3600" dirty="0"/>
-              <a:t>要執行的</a:t>
-            </a:r>
-            <a:r>
-              <a:rPr lang="en-US" altLang="zh-TW" sz="3600" dirty="0"/>
-              <a:t>JavaScript</a:t>
-            </a:r>
-          </a:p>
-          <a:p>
-            <a:pPr marL="0" indent="0">
-              <a:buNone/>
-            </a:pPr>
-            <a:r>
-              <a:rPr lang="en-US" altLang="zh-TW" sz="3600" dirty="0"/>
-              <a:t>&lt;/script&gt;</a:t>
-            </a:r>
-          </a:p>
-          <a:p>
-            <a:pPr marL="0" indent="0">
-              <a:buNone/>
-            </a:pPr>
+              <a:t>。</a:t>
+            </a:r>
             <a:r>
               <a:rPr lang="zh-TW" altLang="en-US" dirty="0"/>
               <a:t/>
@@ -7674,7 +7485,74 @@
             <a:br>
               <a:rPr lang="zh-TW" altLang="en-US" dirty="0"/>
             </a:br>
-            <a:endParaRPr lang="zh-TW" altLang="en-US" dirty="0"/>
+            <a:r>
+              <a:rPr lang="zh-TW" altLang="en-US" dirty="0"/>
+              <a:t>瀏覽器會將</a:t>
+            </a:r>
+            <a:r>
+              <a:rPr lang="zh-TW" altLang="en-US" dirty="0">
+                <a:solidFill>
+                  <a:srgbClr val="FF0000"/>
+                </a:solidFill>
+              </a:rPr>
+              <a:t> </a:t>
+            </a:r>
+            <a:r>
+              <a:rPr lang="en-US" altLang="zh-TW" b="1" dirty="0">
+                <a:solidFill>
+                  <a:srgbClr val="FF0000"/>
+                </a:solidFill>
+              </a:rPr>
+              <a:t>&lt;script&gt;</a:t>
+            </a:r>
+            <a:r>
+              <a:rPr lang="en-US" altLang="zh-TW" dirty="0">
+                <a:solidFill>
+                  <a:srgbClr val="FF0000"/>
+                </a:solidFill>
+              </a:rPr>
+              <a:t> </a:t>
+            </a:r>
+            <a:r>
+              <a:rPr lang="zh-TW" altLang="en-US" dirty="0"/>
+              <a:t>與 </a:t>
+            </a:r>
+            <a:r>
+              <a:rPr lang="en-US" altLang="zh-TW" b="1" dirty="0">
+                <a:solidFill>
+                  <a:srgbClr val="FF0000"/>
+                </a:solidFill>
+              </a:rPr>
+              <a:t>&lt;/script&gt;</a:t>
+            </a:r>
+            <a:r>
+              <a:rPr lang="en-US" altLang="zh-TW" dirty="0">
+                <a:solidFill>
+                  <a:srgbClr val="FF0000"/>
+                </a:solidFill>
+              </a:rPr>
+              <a:t> </a:t>
+            </a:r>
+            <a:r>
+              <a:rPr lang="zh-TW" altLang="en-US" dirty="0"/>
+              <a:t>中間的東西視作要執行的 </a:t>
+            </a:r>
+            <a:r>
+              <a:rPr lang="en-US" altLang="zh-TW" dirty="0"/>
+              <a:t>JavaScript</a:t>
+            </a:r>
+            <a:r>
+              <a:rPr lang="zh-TW" altLang="en-US" dirty="0"/>
+              <a:t>， 而不是</a:t>
+            </a:r>
+            <a:r>
+              <a:rPr lang="en-US" altLang="zh-TW" dirty="0"/>
+              <a:t>HTML </a:t>
+            </a:r>
+            <a:r>
+              <a:rPr lang="zh-TW" altLang="en-US" dirty="0"/>
+              <a:t>。</a:t>
+            </a:r>
           </a:p>
           <a:p>
             <a:pPr marL="0" indent="0">
@@ -7705,90 +7583,8 @@
           <a:p>
             <a:fld id="{FE09579F-7592-4C68-8E0D-304C8D093A2F}" type="slidenum">
               <a:rPr lang="zh-TW" altLang="en-US" smtClean="0"/>
-              <a:t>4</a:t>
+              <a:t>3</a:t>
             </a:fld>
-            <a:endParaRPr lang="zh-TW" altLang="en-US"/>
-          </a:p>
-        </p:txBody>
-      </p:sp>
-      <p:sp>
-        <p:nvSpPr>
-          <p:cNvPr id="6" name="矩形 5"/>
-          <p:cNvSpPr/>
-          <p:nvPr/>
-        </p:nvSpPr>
-        <p:spPr>
-          <a:xfrm>
-            <a:off x="467544" y="2276872"/>
-            <a:ext cx="4625677" cy="1224136"/>
-          </a:xfrm>
-          <a:prstGeom prst="rect">
-            <a:avLst/>
-          </a:prstGeom>
-          <a:noFill/>
-        </p:spPr>
-        <p:style>
-          <a:lnRef idx="2">
-            <a:schemeClr val="accent1">
-              <a:shade val="50000"/>
-            </a:schemeClr>
-          </a:lnRef>
-          <a:fillRef idx="1">
-            <a:schemeClr val="accent1"/>
-          </a:fillRef>
-          <a:effectRef idx="0">
-            <a:schemeClr val="accent1"/>
-          </a:effectRef>
-          <a:fontRef idx="minor">
-            <a:schemeClr val="lt1"/>
-          </a:fontRef>
-        </p:style>
-        <p:txBody>
-          <a:bodyPr rtlCol="0" anchor="ctr"/>
-          <a:lstStyle/>
-          <a:p>
-            <a:pPr algn="ctr"/>
-            <a:endParaRPr lang="zh-TW" altLang="en-US"/>
-          </a:p>
-        </p:txBody>
-      </p:sp>
-      <p:sp>
-        <p:nvSpPr>
-          <p:cNvPr id="7" name="矩形 6"/>
-          <p:cNvSpPr/>
-          <p:nvPr/>
-        </p:nvSpPr>
-        <p:spPr>
-          <a:xfrm>
-            <a:off x="467544" y="4509120"/>
-            <a:ext cx="3888432" cy="1152128"/>
-          </a:xfrm>
-          <a:prstGeom prst="rect">
-            <a:avLst/>
-          </a:prstGeom>
-          <a:noFill/>
-        </p:spPr>
-        <p:style>
-          <a:lnRef idx="2">
-            <a:schemeClr val="accent1">
-              <a:shade val="50000"/>
-            </a:schemeClr>
-          </a:lnRef>
-          <a:fillRef idx="1">
-            <a:schemeClr val="accent1"/>
-          </a:fillRef>
-          <a:effectRef idx="0">
-            <a:schemeClr val="accent1"/>
-          </a:effectRef>
-          <a:fontRef idx="minor">
-            <a:schemeClr val="lt1"/>
-          </a:fontRef>
-        </p:style>
-        <p:txBody>
-          <a:bodyPr rtlCol="0" anchor="ctr"/>
-          <a:lstStyle/>
-          <a:p>
-            <a:pPr algn="ctr"/>
             <a:endParaRPr lang="zh-TW" altLang="en-US"/>
           </a:p>
         </p:txBody>
@@ -7796,7 +7592,7 @@
     </p:spTree>
     <p:extLst>
       <p:ext uri="{BB962C8B-B14F-4D97-AF65-F5344CB8AC3E}">
-        <p14:creationId xmlns:p14="http://schemas.microsoft.com/office/powerpoint/2010/main" val="484948797"/>
+        <p14:creationId xmlns:p14="http://schemas.microsoft.com/office/powerpoint/2010/main" val="1797076990"/>
       </p:ext>
     </p:extLst>
   </p:cSld>
@@ -7813,34 +7609,9 @@
 </p:sld>
 </file>
 
-<file path=ppt/slides/slide5.xml><?xml version="1.0" encoding="utf-8"?>
+<file path=ppt/slides/slide4.xml><?xml version="1.0" encoding="utf-8"?>
 <p:sld xmlns:a="http://schemas.openxmlformats.org/drawingml/2006/main" xmlns:r="http://schemas.openxmlformats.org/officeDocument/2006/relationships" xmlns:p="http://schemas.openxmlformats.org/presentationml/2006/main">
   <p:cSld>
-    <p:bg>
-      <p:bgPr>
-        <a:blipFill dpi="0" rotWithShape="1">
-          <a:blip r:embed="rId2">
-            <a:lum/>
-            <a:extLst>
-              <a:ext uri="{BEBA8EAE-BF5A-486C-A8C5-ECC9F3942E4B}">
-                <a14:imgProps xmlns:a14="http://schemas.microsoft.com/office/drawing/2010/main">
-                  <a14:imgLayer r:embed="rId3">
-                    <a14:imgEffect>
-                      <a14:artisticCrisscrossEtching/>
-                    </a14:imgEffect>
-                  </a14:imgLayer>
-                </a14:imgProps>
-              </a:ext>
-            </a:extLst>
-          </a:blip>
-          <a:srcRect/>
-          <a:stretch>
-            <a:fillRect/>
-          </a:stretch>
-        </a:blipFill>
-        <a:effectLst/>
-      </p:bgPr>
-    </p:bg>
     <p:spTree>
       <p:nvGrpSpPr>
         <p:cNvPr id="1" name=""/>
@@ -8019,137 +7790,191 @@
         </p:nvSpPr>
         <p:spPr>
           <a:xfrm>
-            <a:off x="395536" y="1484784"/>
-            <a:ext cx="8229600" cy="4925144"/>
+            <a:off x="395536" y="1340768"/>
+            <a:ext cx="8229600" cy="5400600"/>
           </a:xfrm>
         </p:spPr>
         <p:txBody>
           <a:bodyPr>
-            <a:normAutofit fontScale="77500" lnSpcReduction="20000"/>
+            <a:normAutofit fontScale="70000" lnSpcReduction="20000"/>
           </a:bodyPr>
           <a:lstStyle/>
           <a:p>
-            <a:pPr marL="0" indent="0">
-              <a:buNone/>
+            <a:pPr>
+              <a:buFont typeface="Wingdings" pitchFamily="2" charset="2"/>
+              <a:buChar char="Ø"/>
             </a:pPr>
             <a:r>
-              <a:rPr lang="en-US" altLang="zh-TW" dirty="0" smtClean="0"/>
-              <a:t>2.</a:t>
+              <a:rPr lang="zh-TW" altLang="en-US" dirty="0"/>
+              <a:t> </a:t>
             </a:r>
             <a:r>
               <a:rPr lang="en-US" altLang="zh-TW" b="1" dirty="0"/>
-              <a:t> </a:t>
-            </a:r>
-            <a:r>
-              <a:rPr lang="en-US" altLang="zh-TW" b="1" dirty="0" err="1" smtClean="0"/>
-              <a:t>src</a:t>
-            </a:r>
-            <a:r>
-              <a:rPr lang="en-US" altLang="zh-TW" b="1" dirty="0" smtClean="0"/>
-              <a:t>:</a:t>
-            </a:r>
-          </a:p>
-          <a:p>
-            <a:pPr marL="0" indent="0">
-              <a:buNone/>
-            </a:pPr>
-            <a:r>
-              <a:rPr lang="zh-TW" altLang="en-US" dirty="0" smtClean="0"/>
-              <a:t>將 </a:t>
-            </a:r>
-            <a:r>
-              <a:rPr lang="en-US" altLang="zh-TW" dirty="0"/>
-              <a:t>JavaScript </a:t>
-            </a:r>
-            <a:r>
-              <a:rPr lang="zh-TW" altLang="en-US" dirty="0"/>
-              <a:t>放在另一個檔案，然後將 </a:t>
-            </a:r>
-            <a:r>
-              <a:rPr lang="en-US" altLang="zh-TW" dirty="0" err="1"/>
-              <a:t>src</a:t>
-            </a:r>
-            <a:r>
-              <a:rPr lang="en-US" altLang="zh-TW" dirty="0"/>
-              <a:t> </a:t>
-            </a:r>
-            <a:r>
-              <a:rPr lang="zh-TW" altLang="en-US" dirty="0"/>
-              <a:t>設定為該檔的 </a:t>
-            </a:r>
-            <a:r>
-              <a:rPr lang="en-US" altLang="zh-TW" dirty="0"/>
-              <a:t>URL</a:t>
-            </a:r>
-            <a:r>
-              <a:rPr lang="zh-TW" altLang="en-US" dirty="0" smtClean="0"/>
-              <a:t>。</a:t>
-            </a:r>
-            <a:endParaRPr lang="en-US" altLang="zh-TW" dirty="0" smtClean="0"/>
-          </a:p>
-          <a:p>
-            <a:pPr marL="0" indent="0">
-              <a:buNone/>
-            </a:pPr>
-            <a:endParaRPr lang="en-US" altLang="zh-TW" dirty="0" smtClean="0"/>
-          </a:p>
-          <a:p>
-            <a:pPr marL="0" indent="0">
-              <a:buNone/>
-            </a:pPr>
-            <a:r>
-              <a:rPr lang="en-US" altLang="zh-TW" dirty="0"/>
-              <a:t>&lt;script language</a:t>
-            </a:r>
-            <a:r>
-              <a:rPr lang="en-US" altLang="zh-TW" dirty="0" smtClean="0"/>
-              <a:t>=“JavaScript”</a:t>
+              <a:t>&lt;script&gt;</a:t>
             </a:r>
             <a:r>
               <a:rPr lang="en-US" altLang="zh-TW" dirty="0"/>
               <a:t> </a:t>
             </a:r>
-            <a:br>
+            <a:r>
+              <a:rPr lang="zh-TW" altLang="en-US" dirty="0" smtClean="0"/>
+              <a:t>有</a:t>
+            </a:r>
+            <a:r>
+              <a:rPr lang="zh-TW" altLang="en-US" dirty="0"/>
+              <a:t>兩種</a:t>
+            </a:r>
+            <a:r>
+              <a:rPr lang="zh-TW" altLang="en-US" dirty="0" smtClean="0"/>
+              <a:t>屬性</a:t>
+            </a:r>
+            <a:r>
+              <a:rPr lang="en-US" altLang="zh-TW" dirty="0" smtClean="0"/>
+              <a:t>:</a:t>
+            </a:r>
+          </a:p>
+          <a:p>
+            <a:pPr marL="514350" indent="-514350">
+              <a:buAutoNum type="arabicPeriod"/>
+            </a:pPr>
+            <a:r>
+              <a:rPr lang="en-US" altLang="zh-TW" b="1" dirty="0" smtClean="0"/>
+              <a:t>Language:</a:t>
+            </a:r>
+          </a:p>
+          <a:p>
+            <a:pPr marL="0" indent="0">
+              <a:buNone/>
+            </a:pPr>
+            <a:endParaRPr lang="en-US" altLang="zh-TW" dirty="0"/>
+          </a:p>
+          <a:p>
+            <a:pPr marL="0" indent="0">
+              <a:buNone/>
+            </a:pPr>
+            <a:r>
+              <a:rPr lang="en-US" altLang="zh-TW" sz="3300" dirty="0" smtClean="0"/>
+              <a:t>&lt;</a:t>
+            </a:r>
+            <a:r>
+              <a:rPr lang="en-US" altLang="zh-TW" sz="3300" dirty="0"/>
+              <a:t>script language="JavaScript</a:t>
+            </a:r>
+            <a:r>
+              <a:rPr lang="en-US" altLang="zh-TW" sz="3300" dirty="0" smtClean="0"/>
+              <a:t>"&gt;</a:t>
+            </a:r>
+          </a:p>
+          <a:p>
+            <a:pPr marL="0" indent="0">
+              <a:buNone/>
+            </a:pPr>
+            <a:r>
+              <a:rPr lang="zh-TW" altLang="en-US" sz="3300" dirty="0" smtClean="0"/>
+              <a:t>要</a:t>
+            </a:r>
+            <a:r>
+              <a:rPr lang="zh-TW" altLang="en-US" sz="3300" dirty="0"/>
+              <a:t>執行</a:t>
+            </a:r>
+            <a:r>
+              <a:rPr lang="zh-TW" altLang="en-US" sz="3300" dirty="0" smtClean="0"/>
+              <a:t>的</a:t>
+            </a:r>
+            <a:r>
+              <a:rPr lang="en-US" altLang="zh-TW" sz="3300" dirty="0" smtClean="0"/>
+              <a:t>JavaScript</a:t>
+            </a:r>
+          </a:p>
+          <a:p>
+            <a:pPr marL="0" indent="0">
+              <a:buNone/>
+            </a:pPr>
+            <a:r>
+              <a:rPr lang="en-US" altLang="zh-TW" sz="3300" dirty="0" smtClean="0"/>
+              <a:t>&lt;/script&gt;</a:t>
+            </a:r>
+          </a:p>
+          <a:p>
+            <a:pPr marL="0" indent="0">
+              <a:buNone/>
+            </a:pPr>
+            <a:endParaRPr lang="en-US" altLang="zh-TW" sz="3300" dirty="0" smtClean="0"/>
+          </a:p>
+          <a:p>
+            <a:pPr marL="0" indent="0">
+              <a:buNone/>
+            </a:pPr>
+            <a:r>
+              <a:rPr lang="zh-TW" altLang="en-US" dirty="0"/>
+              <a:t>當</a:t>
+            </a:r>
+            <a:r>
+              <a:rPr lang="zh-TW" altLang="en-US" dirty="0" smtClean="0"/>
+              <a:t>不</a:t>
+            </a:r>
+            <a:r>
+              <a:rPr lang="zh-TW" altLang="en-US" dirty="0"/>
+              <a:t>寫 </a:t>
+            </a:r>
+            <a:r>
               <a:rPr lang="en-US" altLang="zh-TW" dirty="0"/>
-            </a:br>
-            <a:r>
-              <a:rPr lang="en-US" altLang="zh-TW" dirty="0" err="1"/>
-              <a:t>src</a:t>
-            </a:r>
-            <a:r>
-              <a:rPr lang="en-US" altLang="zh-TW" dirty="0" smtClean="0"/>
-              <a:t>=“</a:t>
-            </a:r>
-            <a:r>
-              <a:rPr lang="en-US" altLang="zh-TW" sz="2800" dirty="0" smtClean="0"/>
-              <a:t>http</a:t>
-            </a:r>
-            <a:r>
-              <a:rPr lang="en-US" altLang="zh-TW" sz="2800" dirty="0"/>
-              <a:t>://</a:t>
-            </a:r>
-            <a:r>
-              <a:rPr lang="en-US" altLang="zh-TW" sz="2800" dirty="0" smtClean="0"/>
-              <a:t>www.somehost.com/directory/library.js</a:t>
-            </a:r>
-            <a:r>
-              <a:rPr lang="en-US" altLang="zh-TW" dirty="0" smtClean="0"/>
-              <a:t>”&gt;</a:t>
+              <a:t>language </a:t>
+            </a:r>
+            <a:r>
+              <a:rPr lang="zh-TW" altLang="en-US" dirty="0" smtClean="0"/>
+              <a:t>屬性時， </a:t>
+            </a:r>
+            <a:r>
+              <a:rPr lang="zh-TW" altLang="en-US" dirty="0"/>
+              <a:t>瀏覽器也會當它是 </a:t>
             </a:r>
             <a:r>
               <a:rPr lang="en-US" altLang="zh-TW" dirty="0"/>
-              <a:t/>
-            </a:r>
-            <a:br>
-              <a:rPr lang="en-US" altLang="zh-TW" dirty="0"/>
-            </a:br>
-            <a:r>
-              <a:rPr lang="en-US" altLang="zh-TW" dirty="0"/>
-              <a:t>&lt;/script</a:t>
-            </a:r>
-            <a:r>
-              <a:rPr lang="en-US" altLang="zh-TW" dirty="0" smtClean="0"/>
+              <a:t>JavaScript :</a:t>
+            </a:r>
+            <a:endParaRPr lang="en-US" altLang="zh-TW" dirty="0" smtClean="0"/>
+          </a:p>
+          <a:p>
+            <a:pPr marL="0" indent="0">
+              <a:buNone/>
+            </a:pPr>
+            <a:endParaRPr lang="en-US" altLang="zh-TW" sz="3600" dirty="0" smtClean="0"/>
+          </a:p>
+          <a:p>
+            <a:pPr marL="0" indent="0">
+              <a:buNone/>
+            </a:pPr>
+            <a:r>
+              <a:rPr lang="en-US" altLang="zh-TW" sz="3600" dirty="0"/>
+              <a:t>&lt;script </a:t>
+            </a:r>
+            <a:r>
+              <a:rPr lang="en-US" altLang="zh-TW" sz="3600" dirty="0" smtClean="0"/>
               <a:t>&gt;</a:t>
+            </a:r>
+            <a:endParaRPr lang="en-US" altLang="zh-TW" sz="3600" dirty="0"/>
+          </a:p>
+          <a:p>
+            <a:pPr marL="0" indent="0">
+              <a:buNone/>
+            </a:pPr>
+            <a:r>
+              <a:rPr lang="zh-TW" altLang="en-US" sz="3600" dirty="0"/>
+              <a:t>要執行的</a:t>
+            </a:r>
+            <a:r>
+              <a:rPr lang="en-US" altLang="zh-TW" sz="3600" dirty="0"/>
+              <a:t>JavaScript</a:t>
+            </a:r>
+          </a:p>
+          <a:p>
+            <a:pPr marL="0" indent="0">
+              <a:buNone/>
+            </a:pPr>
+            <a:r>
+              <a:rPr lang="en-US" altLang="zh-TW" sz="3600" dirty="0"/>
+              <a:t>&lt;/script&gt;</a:t>
             </a:r>
           </a:p>
           <a:p>
@@ -8163,98 +7988,7 @@
             <a:br>
               <a:rPr lang="zh-TW" altLang="en-US" dirty="0"/>
             </a:br>
-            <a:r>
-              <a:rPr lang="zh-TW" altLang="en-US" dirty="0" smtClean="0"/>
-              <a:t>優點</a:t>
-            </a:r>
-            <a:r>
-              <a:rPr lang="en-US" altLang="zh-TW" dirty="0" smtClean="0"/>
-              <a:t>:</a:t>
-            </a:r>
-          </a:p>
-          <a:p>
-            <a:pPr marL="514350" indent="-514350">
-              <a:buFont typeface="Wingdings" pitchFamily="2" charset="2"/>
-              <a:buAutoNum type="circleNumWdWhitePlain"/>
-            </a:pPr>
-            <a:r>
-              <a:rPr lang="en-US" altLang="zh-TW" dirty="0" smtClean="0"/>
-              <a:t>HTML </a:t>
-            </a:r>
-            <a:r>
-              <a:rPr lang="zh-TW" altLang="en-US" dirty="0"/>
-              <a:t>檔只須加入這一句就可以享用 </a:t>
-            </a:r>
-            <a:r>
-              <a:rPr lang="en-US" altLang="zh-TW" dirty="0"/>
-              <a:t>library.js </a:t>
-            </a:r>
-            <a:r>
-              <a:rPr lang="zh-TW" altLang="en-US" dirty="0"/>
-              <a:t>內的 </a:t>
-            </a:r>
-            <a:r>
-              <a:rPr lang="en-US" altLang="zh-TW" dirty="0" smtClean="0"/>
-              <a:t>JavaScript</a:t>
-            </a:r>
-            <a:r>
-              <a:rPr lang="zh-TW" altLang="en-US" dirty="0" smtClean="0"/>
-              <a:t>。</a:t>
-            </a:r>
-            <a:endParaRPr lang="en-US" altLang="zh-TW" dirty="0" smtClean="0"/>
-          </a:p>
-          <a:p>
-            <a:pPr marL="514350" indent="-514350">
-              <a:buFont typeface="Wingdings" pitchFamily="2" charset="2"/>
-              <a:buAutoNum type="circleNumWdWhitePlain"/>
-            </a:pPr>
-            <a:r>
-              <a:rPr lang="zh-TW" altLang="en-US" dirty="0"/>
-              <a:t>當瀏覽器關閉或不支援 </a:t>
-            </a:r>
-            <a:r>
-              <a:rPr lang="en-US" altLang="zh-TW" dirty="0"/>
-              <a:t>JavaScript </a:t>
-            </a:r>
-            <a:r>
-              <a:rPr lang="zh-TW" altLang="en-US" dirty="0"/>
-              <a:t>功能時，</a:t>
-            </a:r>
-            <a:r>
-              <a:rPr lang="zh-TW" altLang="en-US" dirty="0" smtClean="0"/>
-              <a:t>瀏覽器不用</a:t>
-            </a:r>
-            <a:r>
-              <a:rPr lang="zh-TW" altLang="en-US" dirty="0"/>
-              <a:t>下載 </a:t>
-            </a:r>
-            <a:r>
-              <a:rPr lang="en-US" altLang="zh-TW" dirty="0"/>
-              <a:t>JavaScript </a:t>
-            </a:r>
-            <a:r>
-              <a:rPr lang="zh-TW" altLang="en-US" dirty="0"/>
-              <a:t>的</a:t>
-            </a:r>
-            <a:r>
-              <a:rPr lang="zh-TW" altLang="en-US" dirty="0" smtClean="0"/>
-              <a:t>檔案。</a:t>
-            </a:r>
-            <a:endParaRPr lang="en-US" altLang="zh-TW" dirty="0" smtClean="0"/>
-          </a:p>
-          <a:p>
-            <a:pPr marL="514350" indent="-514350">
-              <a:buFont typeface="Wingdings" pitchFamily="2" charset="2"/>
-              <a:buAutoNum type="circleNumWdWhitePlain"/>
-            </a:pPr>
-            <a:r>
-              <a:rPr lang="zh-TW" altLang="en-US" dirty="0" smtClean="0"/>
-              <a:t>只在</a:t>
-            </a:r>
-            <a:r>
-              <a:rPr lang="zh-TW" altLang="en-US" dirty="0"/>
-              <a:t>某一頁寫入資料</a:t>
-            </a:r>
+            <a:endParaRPr lang="zh-TW" altLang="en-US" dirty="0"/>
           </a:p>
           <a:p>
             <a:pPr marL="0" indent="0">
@@ -8285,8 +8019,90 @@
           <a:p>
             <a:fld id="{FE09579F-7592-4C68-8E0D-304C8D093A2F}" type="slidenum">
               <a:rPr lang="zh-TW" altLang="en-US" smtClean="0"/>
-              <a:t>5</a:t>
+              <a:t>4</a:t>
             </a:fld>
+            <a:endParaRPr lang="zh-TW" altLang="en-US"/>
+          </a:p>
+        </p:txBody>
+      </p:sp>
+      <p:sp>
+        <p:nvSpPr>
+          <p:cNvPr id="6" name="矩形 5"/>
+          <p:cNvSpPr/>
+          <p:nvPr/>
+        </p:nvSpPr>
+        <p:spPr>
+          <a:xfrm>
+            <a:off x="467544" y="2276872"/>
+            <a:ext cx="4625677" cy="1224136"/>
+          </a:xfrm>
+          <a:prstGeom prst="rect">
+            <a:avLst/>
+          </a:prstGeom>
+          <a:noFill/>
+        </p:spPr>
+        <p:style>
+          <a:lnRef idx="2">
+            <a:schemeClr val="accent1">
+              <a:shade val="50000"/>
+            </a:schemeClr>
+          </a:lnRef>
+          <a:fillRef idx="1">
+            <a:schemeClr val="accent1"/>
+          </a:fillRef>
+          <a:effectRef idx="0">
+            <a:schemeClr val="accent1"/>
+          </a:effectRef>
+          <a:fontRef idx="minor">
+            <a:schemeClr val="lt1"/>
+          </a:fontRef>
+        </p:style>
+        <p:txBody>
+          <a:bodyPr rtlCol="0" anchor="ctr"/>
+          <a:lstStyle/>
+          <a:p>
+            <a:pPr algn="ctr"/>
+            <a:endParaRPr lang="zh-TW" altLang="en-US"/>
+          </a:p>
+        </p:txBody>
+      </p:sp>
+      <p:sp>
+        <p:nvSpPr>
+          <p:cNvPr id="7" name="矩形 6"/>
+          <p:cNvSpPr/>
+          <p:nvPr/>
+        </p:nvSpPr>
+        <p:spPr>
+          <a:xfrm>
+            <a:off x="467544" y="4509120"/>
+            <a:ext cx="3888432" cy="1152128"/>
+          </a:xfrm>
+          <a:prstGeom prst="rect">
+            <a:avLst/>
+          </a:prstGeom>
+          <a:noFill/>
+        </p:spPr>
+        <p:style>
+          <a:lnRef idx="2">
+            <a:schemeClr val="accent1">
+              <a:shade val="50000"/>
+            </a:schemeClr>
+          </a:lnRef>
+          <a:fillRef idx="1">
+            <a:schemeClr val="accent1"/>
+          </a:fillRef>
+          <a:effectRef idx="0">
+            <a:schemeClr val="accent1"/>
+          </a:effectRef>
+          <a:fontRef idx="minor">
+            <a:schemeClr val="lt1"/>
+          </a:fontRef>
+        </p:style>
+        <p:txBody>
+          <a:bodyPr rtlCol="0" anchor="ctr"/>
+          <a:lstStyle/>
+          <a:p>
+            <a:pPr algn="ctr"/>
             <a:endParaRPr lang="zh-TW" altLang="en-US"/>
           </a:p>
         </p:txBody>
@@ -8294,7 +8110,7 @@
     </p:spTree>
     <p:extLst>
       <p:ext uri="{BB962C8B-B14F-4D97-AF65-F5344CB8AC3E}">
-        <p14:creationId xmlns:p14="http://schemas.microsoft.com/office/powerpoint/2010/main" val="3304656642"/>
+        <p14:creationId xmlns:p14="http://schemas.microsoft.com/office/powerpoint/2010/main" val="4038625601"/>
       </p:ext>
     </p:extLst>
   </p:cSld>
@@ -8311,34 +8127,9 @@
 </p:sld>
 </file>
 
-<file path=ppt/slides/slide6.xml><?xml version="1.0" encoding="utf-8"?>
+<file path=ppt/slides/slide5.xml><?xml version="1.0" encoding="utf-8"?>
 <p:sld xmlns:a="http://schemas.openxmlformats.org/drawingml/2006/main" xmlns:r="http://schemas.openxmlformats.org/officeDocument/2006/relationships" xmlns:p="http://schemas.openxmlformats.org/presentationml/2006/main">
   <p:cSld>
-    <p:bg>
-      <p:bgPr>
-        <a:blipFill dpi="0" rotWithShape="1">
-          <a:blip r:embed="rId2">
-            <a:lum/>
-            <a:extLst>
-              <a:ext uri="{BEBA8EAE-BF5A-486C-A8C5-ECC9F3942E4B}">
-                <a14:imgProps xmlns:a14="http://schemas.microsoft.com/office/drawing/2010/main">
-                  <a14:imgLayer r:embed="rId3">
-                    <a14:imgEffect>
-                      <a14:artisticCrisscrossEtching/>
-                    </a14:imgEffect>
-                  </a14:imgLayer>
-                </a14:imgProps>
-              </a:ext>
-            </a:extLst>
-          </a:blip>
-          <a:srcRect/>
-          <a:stretch>
-            <a:fillRect/>
-          </a:stretch>
-        </a:blipFill>
-        <a:effectLst/>
-      </p:bgPr>
-    </p:bg>
     <p:spTree>
       <p:nvGrpSpPr>
         <p:cNvPr id="1" name=""/>
@@ -8371,7 +8162,7 @@
           <a:lstStyle/>
           <a:p>
             <a:r>
-              <a:rPr lang="en-US" altLang="zh-TW" b="1" cap="all" dirty="0" smtClean="0">
+              <a:rPr lang="en-US" altLang="zh-TW" b="1" cap="all" dirty="0">
                 <a:ln w="9000" cmpd="sng">
                   <a:solidFill>
                     <a:schemeClr val="accent4">
@@ -8414,51 +8205,6 @@
                 </a:effectLst>
               </a:rPr>
               <a:t>JavaScript</a:t>
-            </a:r>
-            <a:r>
-              <a:rPr lang="zh-TW" altLang="en-US" b="1" cap="all" dirty="0">
-                <a:ln w="9000" cmpd="sng">
-                  <a:solidFill>
-                    <a:schemeClr val="accent4">
-                      <a:shade val="50000"/>
-                      <a:satMod val="120000"/>
-                    </a:schemeClr>
-                  </a:solidFill>
-                  <a:prstDash val="solid"/>
-                </a:ln>
-                <a:gradFill>
-                  <a:gsLst>
-                    <a:gs pos="0">
-                      <a:schemeClr val="accent4">
-                        <a:shade val="20000"/>
-                        <a:satMod val="245000"/>
-                      </a:schemeClr>
-                    </a:gs>
-                    <a:gs pos="43000">
-                      <a:schemeClr val="accent4">
-                        <a:satMod val="255000"/>
-                      </a:schemeClr>
-                    </a:gs>
-                    <a:gs pos="48000">
-                      <a:schemeClr val="accent4">
-                        <a:shade val="85000"/>
-                        <a:satMod val="255000"/>
-                      </a:schemeClr>
-                    </a:gs>
-                    <a:gs pos="100000">
-                      <a:schemeClr val="accent4">
-                        <a:shade val="20000"/>
-                        <a:satMod val="245000"/>
-                      </a:schemeClr>
-                    </a:gs>
-                  </a:gsLst>
-                  <a:lin ang="5400000"/>
-                </a:gradFill>
-                <a:effectLst>
-                  <a:reflection blurRad="12700" stA="28000" endPos="45000" dist="1000" dir="5400000" sy="-100000" algn="bl" rotWithShape="0"/>
-                </a:effectLst>
-              </a:rPr>
-              <a:t>的註解</a:t>
             </a:r>
             <a:r>
               <a:rPr lang="zh-TW" altLang="en-US" b="1" cap="all" dirty="0" smtClean="0">
@@ -8503,7 +8249,7 @@
                   <a:reflection blurRad="12700" stA="28000" endPos="45000" dist="1000" dir="5400000" sy="-100000" algn="bl" rotWithShape="0"/>
                 </a:effectLst>
               </a:rPr>
-              <a:t>標記</a:t>
+              <a:t>的標記</a:t>
             </a:r>
             <a:endParaRPr lang="en-US" altLang="zh-TW" b="1" cap="all" dirty="0">
               <a:ln w="9000" cmpd="sng">
@@ -8563,12 +8309,12 @@
         <p:spPr>
           <a:xfrm>
             <a:off x="395536" y="1484784"/>
-            <a:ext cx="8229600" cy="5040560"/>
+            <a:ext cx="8229600" cy="4925144"/>
           </a:xfrm>
         </p:spPr>
         <p:txBody>
           <a:bodyPr>
-            <a:normAutofit/>
+            <a:normAutofit fontScale="77500" lnSpcReduction="20000"/>
           </a:bodyPr>
           <a:lstStyle/>
           <a:p>
@@ -8577,7 +8323,28 @@
             </a:pPr>
             <a:r>
               <a:rPr lang="en-US" altLang="zh-TW" dirty="0" smtClean="0"/>
+              <a:t>2.</a:t>
+            </a:r>
+            <a:r>
+              <a:rPr lang="en-US" altLang="zh-TW" b="1" dirty="0"/>
               <a:t> </a:t>
+            </a:r>
+            <a:r>
+              <a:rPr lang="en-US" altLang="zh-TW" b="1" dirty="0" err="1" smtClean="0"/>
+              <a:t>src</a:t>
+            </a:r>
+            <a:r>
+              <a:rPr lang="en-US" altLang="zh-TW" b="1" dirty="0" smtClean="0"/>
+              <a:t>:</a:t>
+            </a:r>
+          </a:p>
+          <a:p>
+            <a:pPr marL="0" indent="0">
+              <a:buNone/>
+            </a:pPr>
+            <a:r>
+              <a:rPr lang="zh-TW" altLang="en-US" dirty="0" smtClean="0"/>
+              <a:t>將 </a:t>
             </a:r>
             <a:r>
               <a:rPr lang="en-US" altLang="zh-TW" dirty="0"/>
@@ -8585,11 +8352,110 @@
             </a:r>
             <a:r>
               <a:rPr lang="zh-TW" altLang="en-US" dirty="0"/>
-              <a:t>的註解</a:t>
+              <a:t>放在另一個檔案，然後將 </a:t>
+            </a:r>
+            <a:r>
+              <a:rPr lang="en-US" altLang="zh-TW" dirty="0" err="1"/>
+              <a:t>src</a:t>
+            </a:r>
+            <a:r>
+              <a:rPr lang="en-US" altLang="zh-TW" dirty="0"/>
+              <a:t> </a:t>
+            </a:r>
+            <a:r>
+              <a:rPr lang="zh-TW" altLang="en-US" dirty="0"/>
+              <a:t>設定為該檔的 </a:t>
+            </a:r>
+            <a:r>
+              <a:rPr lang="en-US" altLang="zh-TW" dirty="0"/>
+              <a:t>URL</a:t>
             </a:r>
             <a:r>
               <a:rPr lang="zh-TW" altLang="en-US" dirty="0" smtClean="0"/>
-              <a:t>標記</a:t>
+              <a:t>。</a:t>
+            </a:r>
+            <a:endParaRPr lang="en-US" altLang="zh-TW" dirty="0" smtClean="0"/>
+          </a:p>
+          <a:p>
+            <a:pPr marL="0" indent="0">
+              <a:buNone/>
+            </a:pPr>
+            <a:endParaRPr lang="en-US" altLang="zh-TW" dirty="0" smtClean="0"/>
+          </a:p>
+          <a:p>
+            <a:pPr marL="0" indent="0">
+              <a:buNone/>
+            </a:pPr>
+            <a:r>
+              <a:rPr lang="en-US" altLang="zh-TW" dirty="0"/>
+              <a:t>&lt;script </a:t>
+            </a:r>
+            <a:r>
+              <a:rPr lang="en-US" altLang="zh-TW" dirty="0" err="1" smtClean="0"/>
+              <a:t>src</a:t>
+            </a:r>
+            <a:r>
+              <a:rPr lang="en-US" altLang="zh-TW" dirty="0" smtClean="0"/>
+              <a:t>="</a:t>
+            </a:r>
+            <a:r>
+              <a:rPr lang="en-US" altLang="zh-TW" sz="2800" dirty="0" smtClean="0"/>
+              <a:t>http</a:t>
+            </a:r>
+            <a:r>
+              <a:rPr lang="en-US" altLang="zh-TW" sz="2800" dirty="0"/>
+              <a:t>://</a:t>
+            </a:r>
+            <a:r>
+              <a:rPr lang="en-US" altLang="zh-TW" sz="2800" dirty="0" err="1" smtClean="0"/>
+              <a:t>www.somehost.com</a:t>
+            </a:r>
+            <a:r>
+              <a:rPr lang="en-US" altLang="zh-TW" sz="2800" dirty="0" smtClean="0"/>
+              <a:t>/directory/</a:t>
+            </a:r>
+            <a:r>
+              <a:rPr lang="en-US" altLang="zh-TW" sz="2800" dirty="0" err="1" smtClean="0"/>
+              <a:t>library.js</a:t>
+            </a:r>
+            <a:r>
+              <a:rPr lang="en-US" altLang="zh-TW" sz="2800" dirty="0" smtClean="0"/>
+              <a:t>"</a:t>
+            </a:r>
+            <a:r>
+              <a:rPr lang="en-US" altLang="zh-TW" dirty="0" smtClean="0"/>
+              <a:t>&gt;</a:t>
+            </a:r>
+            <a:r>
+              <a:rPr lang="en-US" altLang="zh-TW" dirty="0"/>
+              <a:t/>
+            </a:r>
+            <a:br>
+              <a:rPr lang="en-US" altLang="zh-TW" dirty="0"/>
+            </a:br>
+            <a:r>
+              <a:rPr lang="en-US" altLang="zh-TW" dirty="0"/>
+              <a:t>&lt;/script</a:t>
+            </a:r>
+            <a:r>
+              <a:rPr lang="en-US" altLang="zh-TW" dirty="0" smtClean="0"/>
+              <a:t>&gt;</a:t>
+            </a:r>
+          </a:p>
+          <a:p>
+            <a:pPr marL="0" indent="0">
+              <a:buNone/>
+            </a:pPr>
+            <a:r>
+              <a:rPr lang="zh-TW" altLang="en-US" dirty="0"/>
+              <a:t/>
+            </a:r>
+            <a:br>
+              <a:rPr lang="zh-TW" altLang="en-US" dirty="0"/>
+            </a:br>
+            <a:r>
+              <a:rPr lang="zh-TW" altLang="en-US" dirty="0" smtClean="0"/>
+              <a:t>優點</a:t>
             </a:r>
             <a:r>
               <a:rPr lang="en-US" altLang="zh-TW" dirty="0" smtClean="0"/>
@@ -8603,19 +8469,27 @@
             </a:pPr>
             <a:r>
               <a:rPr lang="en-US" altLang="zh-TW" dirty="0" smtClean="0"/>
-              <a:t>//:</a:t>
+              <a:t>HTML </a:t>
+            </a:r>
+            <a:r>
+              <a:rPr lang="zh-TW" altLang="en-US" dirty="0"/>
+              <a:t>檔只須加入這一句就可以享用 </a:t>
+            </a:r>
+            <a:r>
+              <a:rPr lang="en-US" altLang="zh-TW" dirty="0"/>
+              <a:t>library.js </a:t>
+            </a:r>
+            <a:r>
+              <a:rPr lang="zh-TW" altLang="en-US" dirty="0"/>
+              <a:t>內的 </a:t>
+            </a:r>
+            <a:r>
+              <a:rPr lang="en-US" altLang="zh-TW" dirty="0" smtClean="0"/>
+              <a:t>JavaScript</a:t>
             </a:r>
             <a:r>
               <a:rPr lang="zh-TW" altLang="en-US" dirty="0" smtClean="0"/>
-              <a:t>此符號右邊</a:t>
-            </a:r>
-            <a:r>
-              <a:rPr lang="zh-TW" altLang="en-US" dirty="0"/>
-              <a:t>的東西都是</a:t>
-            </a:r>
-            <a:r>
-              <a:rPr lang="zh-TW" altLang="en-US" dirty="0" smtClean="0"/>
-              <a:t>註解</a:t>
+              <a:t>。</a:t>
             </a:r>
             <a:endParaRPr lang="en-US" altLang="zh-TW" dirty="0" smtClean="0"/>
           </a:p>
@@ -8625,44 +8499,62 @@
               <a:buAutoNum type="circleNumWdWhitePlain"/>
             </a:pPr>
             <a:r>
+              <a:rPr lang="zh-TW" altLang="en-US" dirty="0"/>
+              <a:t>利於維護常用之 </a:t>
+            </a:r>
+            <a:r>
+              <a:rPr lang="en-US" altLang="zh-TW" dirty="0" err="1" smtClean="0"/>
+              <a:t>JS</a:t>
+            </a:r>
+            <a:r>
+              <a:rPr lang="en-US" altLang="zh-TW" dirty="0" smtClean="0"/>
+              <a:t>  </a:t>
+            </a:r>
+            <a:r>
+              <a:rPr lang="zh-TW" altLang="en-US" dirty="0"/>
+              <a:t>程式</a:t>
+            </a:r>
+          </a:p>
+          <a:p>
+            <a:pPr marL="514350" indent="-514350">
+              <a:buFont typeface="Wingdings" pitchFamily="2" charset="2"/>
+              <a:buAutoNum type="circleNumWdWhitePlain"/>
+            </a:pPr>
+            <a:r>
+              <a:rPr lang="zh-TW" altLang="en-US" dirty="0" smtClean="0"/>
+              <a:t>當</a:t>
+            </a:r>
+            <a:r>
+              <a:rPr lang="zh-TW" altLang="en-US" dirty="0"/>
+              <a:t>瀏覽器關閉或不支援 </a:t>
+            </a:r>
+            <a:r>
               <a:rPr lang="en-US" altLang="zh-TW" dirty="0"/>
-              <a:t>/* </a:t>
+              <a:t>JavaScript </a:t>
             </a:r>
             <a:r>
               <a:rPr lang="zh-TW" altLang="en-US" dirty="0"/>
-              <a:t>及 *</a:t>
-            </a:r>
-            <a:r>
-              <a:rPr lang="en-US" altLang="zh-TW" dirty="0" smtClean="0"/>
-              <a:t>/:</a:t>
+              <a:t>功能時，</a:t>
             </a:r>
             <a:r>
               <a:rPr lang="zh-TW" altLang="en-US" dirty="0" smtClean="0"/>
-              <a:t>所有</a:t>
+              <a:t>瀏覽器不用</a:t>
             </a:r>
             <a:r>
               <a:rPr lang="zh-TW" altLang="en-US" dirty="0"/>
-              <a:t>在 </a:t>
+              <a:t>下載 </a:t>
             </a:r>
             <a:r>
               <a:rPr lang="en-US" altLang="zh-TW" dirty="0"/>
-              <a:t>/* </a:t>
+              <a:t>JavaScript </a:t>
             </a:r>
             <a:r>
               <a:rPr lang="zh-TW" altLang="en-US" dirty="0"/>
-              <a:t>及 *</a:t>
-            </a:r>
-            <a:r>
-              <a:rPr lang="en-US" altLang="zh-TW" dirty="0"/>
-              <a:t>/</a:t>
-            </a:r>
-            <a:r>
-              <a:rPr lang="zh-TW" altLang="en-US" dirty="0"/>
-              <a:t>範圍內</a:t>
+              <a:t>的</a:t>
             </a:r>
             <a:r>
               <a:rPr lang="zh-TW" altLang="en-US" dirty="0" smtClean="0"/>
-              <a:t>的</a:t>
+              <a:t>檔案。</a:t>
             </a:r>
             <a:endParaRPr lang="en-US" altLang="zh-TW" dirty="0" smtClean="0"/>
           </a:p>
@@ -8670,23 +8562,11 @@
             <a:pPr marL="0" indent="0">
               <a:buNone/>
             </a:pPr>
-            <a:r>
-              <a:rPr lang="en-US" altLang="zh-TW" dirty="0"/>
-              <a:t>	</a:t>
-            </a:r>
-            <a:r>
-              <a:rPr lang="en-US" altLang="zh-TW" dirty="0" smtClean="0"/>
-              <a:t>	</a:t>
-            </a:r>
-            <a:r>
-              <a:rPr lang="zh-TW" altLang="en-US" dirty="0" smtClean="0"/>
-              <a:t> 東西</a:t>
-            </a:r>
-            <a:r>
-              <a:rPr lang="zh-TW" altLang="en-US" dirty="0"/>
-              <a:t>都是註解</a:t>
-            </a:r>
-            <a:endParaRPr lang="en-US" altLang="zh-TW" dirty="0"/>
+            <a:endParaRPr lang="en-US" altLang="zh-TW" dirty="0">
+              <a:solidFill>
+                <a:srgbClr val="FF0000"/>
+              </a:solidFill>
+            </a:endParaRPr>
           </a:p>
         </p:txBody>
       </p:sp>
@@ -8707,6 +8587,407 @@
           <a:p>
             <a:fld id="{FE09579F-7592-4C68-8E0D-304C8D093A2F}" type="slidenum">
               <a:rPr lang="zh-TW" altLang="en-US" smtClean="0"/>
+              <a:t>5</a:t>
+            </a:fld>
+            <a:endParaRPr lang="zh-TW" altLang="en-US"/>
+          </a:p>
+        </p:txBody>
+      </p:sp>
+    </p:spTree>
+    <p:extLst>
+      <p:ext uri="{BB962C8B-B14F-4D97-AF65-F5344CB8AC3E}">
+        <p14:creationId xmlns:p14="http://schemas.microsoft.com/office/powerpoint/2010/main" val="3728359422"/>
+      </p:ext>
+    </p:extLst>
+  </p:cSld>
+  <p:clrMapOvr>
+    <a:masterClrMapping/>
+  </p:clrMapOvr>
+  <p:timing>
+    <p:tnLst>
+      <p:par>
+        <p:cTn id="1" dur="indefinite" restart="never" nodeType="tmRoot"/>
+      </p:par>
+    </p:tnLst>
+  </p:timing>
+</p:sld>
+</file>
+
+<file path=ppt/slides/slide6.xml><?xml version="1.0" encoding="utf-8"?>
+<p:sld xmlns:a="http://schemas.openxmlformats.org/drawingml/2006/main" xmlns:r="http://schemas.openxmlformats.org/officeDocument/2006/relationships" xmlns:p="http://schemas.openxmlformats.org/presentationml/2006/main">
+  <p:cSld>
+    <p:spTree>
+      <p:nvGrpSpPr>
+        <p:cNvPr id="1" name=""/>
+        <p:cNvGrpSpPr/>
+        <p:nvPr/>
+      </p:nvGrpSpPr>
+      <p:grpSpPr>
+        <a:xfrm>
+          <a:off x="0" y="0"/>
+          <a:ext cx="0" cy="0"/>
+          <a:chOff x="0" y="0"/>
+          <a:chExt cx="0" cy="0"/>
+        </a:xfrm>
+      </p:grpSpPr>
+      <p:sp>
+        <p:nvSpPr>
+          <p:cNvPr id="4" name="標題 3"/>
+          <p:cNvSpPr>
+            <a:spLocks noGrp="1"/>
+          </p:cNvSpPr>
+          <p:nvPr>
+            <p:ph type="title"/>
+          </p:nvPr>
+        </p:nvSpPr>
+        <p:spPr/>
+        <p:txBody>
+          <a:bodyPr>
+            <a:normAutofit/>
+          </a:bodyPr>
+          <a:lstStyle/>
+          <a:p>
+            <a:r>
+              <a:rPr lang="en-US" altLang="zh-TW" b="1" cap="all" dirty="0" smtClean="0">
+                <a:ln w="9000" cmpd="sng">
+                  <a:solidFill>
+                    <a:schemeClr val="accent4">
+                      <a:shade val="50000"/>
+                      <a:satMod val="120000"/>
+                    </a:schemeClr>
+                  </a:solidFill>
+                  <a:prstDash val="solid"/>
+                </a:ln>
+                <a:gradFill>
+                  <a:gsLst>
+                    <a:gs pos="0">
+                      <a:schemeClr val="accent4">
+                        <a:shade val="20000"/>
+                        <a:satMod val="245000"/>
+                      </a:schemeClr>
+                    </a:gs>
+                    <a:gs pos="43000">
+                      <a:schemeClr val="accent4">
+                        <a:satMod val="255000"/>
+                      </a:schemeClr>
+                    </a:gs>
+                    <a:gs pos="48000">
+                      <a:schemeClr val="accent4">
+                        <a:shade val="85000"/>
+                        <a:satMod val="255000"/>
+                      </a:schemeClr>
+                    </a:gs>
+                    <a:gs pos="100000">
+                      <a:schemeClr val="accent4">
+                        <a:shade val="20000"/>
+                        <a:satMod val="245000"/>
+                      </a:schemeClr>
+                    </a:gs>
+                  </a:gsLst>
+                  <a:lin ang="5400000"/>
+                </a:gradFill>
+                <a:effectLst>
+                  <a:reflection blurRad="12700" stA="28000" endPos="45000" dist="1000" dir="5400000" sy="-100000" algn="bl" rotWithShape="0"/>
+                </a:effectLst>
+              </a:rPr>
+              <a:t>JavaScript</a:t>
+            </a:r>
+            <a:r>
+              <a:rPr lang="zh-TW" altLang="en-US" b="1" cap="all" dirty="0">
+                <a:ln w="9000" cmpd="sng">
+                  <a:solidFill>
+                    <a:schemeClr val="accent4">
+                      <a:shade val="50000"/>
+                      <a:satMod val="120000"/>
+                    </a:schemeClr>
+                  </a:solidFill>
+                  <a:prstDash val="solid"/>
+                </a:ln>
+                <a:gradFill>
+                  <a:gsLst>
+                    <a:gs pos="0">
+                      <a:schemeClr val="accent4">
+                        <a:shade val="20000"/>
+                        <a:satMod val="245000"/>
+                      </a:schemeClr>
+                    </a:gs>
+                    <a:gs pos="43000">
+                      <a:schemeClr val="accent4">
+                        <a:satMod val="255000"/>
+                      </a:schemeClr>
+                    </a:gs>
+                    <a:gs pos="48000">
+                      <a:schemeClr val="accent4">
+                        <a:shade val="85000"/>
+                        <a:satMod val="255000"/>
+                      </a:schemeClr>
+                    </a:gs>
+                    <a:gs pos="100000">
+                      <a:schemeClr val="accent4">
+                        <a:shade val="20000"/>
+                        <a:satMod val="245000"/>
+                      </a:schemeClr>
+                    </a:gs>
+                  </a:gsLst>
+                  <a:lin ang="5400000"/>
+                </a:gradFill>
+                <a:effectLst>
+                  <a:reflection blurRad="12700" stA="28000" endPos="45000" dist="1000" dir="5400000" sy="-100000" algn="bl" rotWithShape="0"/>
+                </a:effectLst>
+              </a:rPr>
+              <a:t>的註解</a:t>
+            </a:r>
+            <a:r>
+              <a:rPr lang="zh-TW" altLang="en-US" b="1" cap="all" dirty="0" smtClean="0">
+                <a:ln w="9000" cmpd="sng">
+                  <a:solidFill>
+                    <a:schemeClr val="accent4">
+                      <a:shade val="50000"/>
+                      <a:satMod val="120000"/>
+                    </a:schemeClr>
+                  </a:solidFill>
+                  <a:prstDash val="solid"/>
+                </a:ln>
+                <a:gradFill>
+                  <a:gsLst>
+                    <a:gs pos="0">
+                      <a:schemeClr val="accent4">
+                        <a:shade val="20000"/>
+                        <a:satMod val="245000"/>
+                      </a:schemeClr>
+                    </a:gs>
+                    <a:gs pos="43000">
+                      <a:schemeClr val="accent4">
+                        <a:satMod val="255000"/>
+                      </a:schemeClr>
+                    </a:gs>
+                    <a:gs pos="48000">
+                      <a:schemeClr val="accent4">
+                        <a:shade val="85000"/>
+                        <a:satMod val="255000"/>
+                      </a:schemeClr>
+                    </a:gs>
+                    <a:gs pos="100000">
+                      <a:schemeClr val="accent4">
+                        <a:shade val="20000"/>
+                        <a:satMod val="245000"/>
+                      </a:schemeClr>
+                    </a:gs>
+                  </a:gsLst>
+                  <a:lin ang="5400000"/>
+                </a:gradFill>
+                <a:effectLst>
+                  <a:reflection blurRad="12700" stA="28000" endPos="45000" dist="1000" dir="5400000" sy="-100000" algn="bl" rotWithShape="0"/>
+                </a:effectLst>
+              </a:rPr>
+              <a:t>標記</a:t>
+            </a:r>
+            <a:endParaRPr lang="en-US" altLang="zh-TW" b="1" cap="all" dirty="0">
+              <a:ln w="9000" cmpd="sng">
+                <a:solidFill>
+                  <a:schemeClr val="accent4">
+                    <a:shade val="50000"/>
+                    <a:satMod val="120000"/>
+                  </a:schemeClr>
+                </a:solidFill>
+                <a:prstDash val="solid"/>
+              </a:ln>
+              <a:gradFill>
+                <a:gsLst>
+                  <a:gs pos="0">
+                    <a:schemeClr val="accent4">
+                      <a:shade val="20000"/>
+                      <a:satMod val="245000"/>
+                    </a:schemeClr>
+                  </a:gs>
+                  <a:gs pos="43000">
+                    <a:schemeClr val="accent4">
+                      <a:satMod val="255000"/>
+                    </a:schemeClr>
+                  </a:gs>
+                  <a:gs pos="48000">
+                    <a:schemeClr val="accent4">
+                      <a:shade val="85000"/>
+                      <a:satMod val="255000"/>
+                    </a:schemeClr>
+                  </a:gs>
+                  <a:gs pos="100000">
+                    <a:schemeClr val="accent4">
+                      <a:shade val="20000"/>
+                      <a:satMod val="245000"/>
+                    </a:schemeClr>
+                  </a:gs>
+                </a:gsLst>
+                <a:lin ang="5400000"/>
+              </a:gradFill>
+              <a:effectLst>
+                <a:reflection blurRad="12700" stA="28000" endPos="45000" dist="1000" dir="5400000" sy="-100000" algn="bl" rotWithShape="0"/>
+              </a:effectLst>
+            </a:endParaRPr>
+          </a:p>
+        </p:txBody>
+      </p:sp>
+      <p:sp>
+        <p:nvSpPr>
+          <p:cNvPr id="5" name="內容版面配置區 4"/>
+          <p:cNvSpPr>
+            <a:spLocks noGrp="1"/>
+          </p:cNvSpPr>
+          <p:nvPr>
+            <p:ph idx="1"/>
+          </p:nvPr>
+        </p:nvSpPr>
+        <p:spPr>
+          <a:xfrm>
+            <a:off x="395536" y="1484784"/>
+            <a:ext cx="8229600" cy="5040560"/>
+          </a:xfrm>
+        </p:spPr>
+        <p:txBody>
+          <a:bodyPr>
+            <a:normAutofit/>
+          </a:bodyPr>
+          <a:lstStyle/>
+          <a:p>
+            <a:pPr marL="0" indent="0">
+              <a:buNone/>
+            </a:pPr>
+            <a:r>
+              <a:rPr lang="en-US" altLang="zh-TW" dirty="0" smtClean="0"/>
+              <a:t> </a:t>
+            </a:r>
+            <a:r>
+              <a:rPr lang="en-US" altLang="zh-TW" dirty="0"/>
+              <a:t>JavaScript </a:t>
+            </a:r>
+            <a:r>
+              <a:rPr lang="zh-TW" altLang="en-US" dirty="0"/>
+              <a:t>的註解</a:t>
+            </a:r>
+            <a:r>
+              <a:rPr lang="zh-TW" altLang="en-US" dirty="0" smtClean="0"/>
+              <a:t>標記</a:t>
+            </a:r>
+            <a:r>
+              <a:rPr lang="en-US" altLang="zh-TW" dirty="0" smtClean="0"/>
+              <a:t>:</a:t>
+            </a:r>
+          </a:p>
+          <a:p>
+            <a:pPr marL="514350" indent="-514350">
+              <a:buFont typeface="Wingdings" pitchFamily="2" charset="2"/>
+              <a:buAutoNum type="circleNumWdWhitePlain"/>
+            </a:pPr>
+            <a:r>
+              <a:rPr lang="en-US" altLang="zh-TW" dirty="0" smtClean="0"/>
+              <a:t>//:</a:t>
+            </a:r>
+            <a:r>
+              <a:rPr lang="zh-TW" altLang="en-US" dirty="0" smtClean="0"/>
+              <a:t>此符號右邊</a:t>
+            </a:r>
+            <a:r>
+              <a:rPr lang="zh-TW" altLang="en-US" dirty="0"/>
+              <a:t>的東西都是</a:t>
+            </a:r>
+            <a:r>
+              <a:rPr lang="zh-TW" altLang="en-US" dirty="0" smtClean="0"/>
+              <a:t>註解</a:t>
+            </a:r>
+            <a:endParaRPr lang="en-US" altLang="zh-TW" dirty="0" smtClean="0"/>
+          </a:p>
+          <a:p>
+            <a:pPr marL="514350" indent="-514350">
+              <a:buFont typeface="Wingdings" pitchFamily="2" charset="2"/>
+              <a:buAutoNum type="circleNumWdWhitePlain"/>
+            </a:pPr>
+            <a:r>
+              <a:rPr lang="en-US" altLang="zh-TW" dirty="0"/>
+              <a:t>/* </a:t>
+            </a:r>
+            <a:r>
+              <a:rPr lang="zh-TW" altLang="en-US" dirty="0" smtClean="0"/>
+              <a:t>及</a:t>
+            </a:r>
+            <a:r>
+              <a:rPr lang="zh-TW" altLang="en-US" dirty="0"/>
+              <a:t> *</a:t>
+            </a:r>
+            <a:r>
+              <a:rPr lang="en-US" altLang="zh-TW" dirty="0" smtClean="0"/>
+              <a:t>/:</a:t>
+            </a:r>
+            <a:r>
+              <a:rPr lang="zh-TW" altLang="en-US" dirty="0" smtClean="0"/>
+              <a:t>所有</a:t>
+            </a:r>
+            <a:r>
+              <a:rPr lang="zh-TW" altLang="en-US" dirty="0"/>
+              <a:t>在 </a:t>
+            </a:r>
+            <a:r>
+              <a:rPr lang="en-US" altLang="zh-TW" dirty="0"/>
+              <a:t>/* </a:t>
+            </a:r>
+            <a:r>
+              <a:rPr lang="zh-TW" altLang="en-US" dirty="0"/>
+              <a:t>及 *</a:t>
+            </a:r>
+            <a:r>
+              <a:rPr lang="en-US" altLang="zh-TW" dirty="0"/>
+              <a:t>/</a:t>
+            </a:r>
+            <a:r>
+              <a:rPr lang="zh-TW" altLang="en-US" dirty="0"/>
+              <a:t>範圍內</a:t>
+            </a:r>
+            <a:r>
+              <a:rPr lang="zh-TW" altLang="en-US" dirty="0" smtClean="0"/>
+              <a:t>的</a:t>
+            </a:r>
+            <a:endParaRPr lang="en-US" altLang="zh-TW" dirty="0" smtClean="0"/>
+          </a:p>
+          <a:p>
+            <a:pPr marL="0" indent="0">
+              <a:buNone/>
+            </a:pPr>
+            <a:r>
+              <a:rPr lang="en-US" altLang="zh-TW" dirty="0"/>
+              <a:t>	</a:t>
+            </a:r>
+            <a:r>
+              <a:rPr lang="en-US" altLang="zh-TW" dirty="0" smtClean="0"/>
+              <a:t>	</a:t>
+            </a:r>
+            <a:r>
+              <a:rPr lang="zh-TW" altLang="en-US" dirty="0" smtClean="0"/>
+              <a:t> 東西</a:t>
+            </a:r>
+            <a:r>
+              <a:rPr lang="zh-TW" altLang="en-US" dirty="0"/>
+              <a:t>都是註解</a:t>
+            </a:r>
+            <a:endParaRPr lang="en-US" altLang="zh-TW" dirty="0"/>
+          </a:p>
+        </p:txBody>
+      </p:sp>
+      <p:sp>
+        <p:nvSpPr>
+          <p:cNvPr id="3" name="投影片編號版面配置區 2"/>
+          <p:cNvSpPr>
+            <a:spLocks noGrp="1"/>
+          </p:cNvSpPr>
+          <p:nvPr>
+            <p:ph type="sldNum" sz="quarter" idx="12"/>
+          </p:nvPr>
+        </p:nvSpPr>
+        <p:spPr/>
+        <p:txBody>
+          <a:bodyPr/>
+          <a:lstStyle/>
+          <a:p>
+            <a:fld id="{FE09579F-7592-4C68-8E0D-304C8D093A2F}" type="slidenum">
+              <a:rPr lang="zh-TW" altLang="en-US" smtClean="0"/>
               <a:t>6</a:t>
             </a:fld>
             <a:endParaRPr lang="zh-TW" altLang="en-US"/>
@@ -8716,7 +8997,7 @@
     </p:spTree>
     <p:extLst>
       <p:ext uri="{BB962C8B-B14F-4D97-AF65-F5344CB8AC3E}">
-        <p14:creationId xmlns:p14="http://schemas.microsoft.com/office/powerpoint/2010/main" val="2905051815"/>
+        <p14:creationId xmlns:p14="http://schemas.microsoft.com/office/powerpoint/2010/main" val="1651994693"/>
       </p:ext>
     </p:extLst>
   </p:cSld>
@@ -8736,31 +9017,6 @@
 <file path=ppt/slides/slide7.xml><?xml version="1.0" encoding="utf-8"?>
 <p:sld xmlns:a="http://schemas.openxmlformats.org/drawingml/2006/main" xmlns:r="http://schemas.openxmlformats.org/officeDocument/2006/relationships" xmlns:p="http://schemas.openxmlformats.org/presentationml/2006/main">
   <p:cSld>
-    <p:bg>
-      <p:bgPr>
-        <a:blipFill dpi="0" rotWithShape="1">
-          <a:blip r:embed="rId2">
-            <a:lum/>
-            <a:extLst>
-              <a:ext uri="{BEBA8EAE-BF5A-486C-A8C5-ECC9F3942E4B}">
-                <a14:imgProps xmlns:a14="http://schemas.microsoft.com/office/drawing/2010/main">
-                  <a14:imgLayer r:embed="rId3">
-                    <a14:imgEffect>
-                      <a14:artisticCrisscrossEtching/>
-                    </a14:imgEffect>
-                  </a14:imgLayer>
-                </a14:imgProps>
-              </a:ext>
-            </a:extLst>
-          </a:blip>
-          <a:srcRect/>
-          <a:stretch>
-            <a:fillRect/>
-          </a:stretch>
-        </a:blipFill>
-        <a:effectLst/>
-      </p:bgPr>
-    </p:bg>
     <p:spTree>
       <p:nvGrpSpPr>
         <p:cNvPr id="1" name=""/>
@@ -9176,7 +9432,7 @@
           <p:nvPr/>
         </p:nvPicPr>
         <p:blipFill>
-          <a:blip r:embed="rId4">
+          <a:blip r:embed="rId2">
             <a:extLst>
               <a:ext uri="{28A0092B-C50C-407E-A947-70E740481C1C}">
                 <a14:useLocalDpi xmlns:a14="http://schemas.microsoft.com/office/drawing/2010/main" val="0"/>
@@ -9189,8 +9445,8 @@
         </p:blipFill>
         <p:spPr>
           <a:xfrm>
-            <a:off x="3131840" y="2243136"/>
-            <a:ext cx="5991263" cy="3994175"/>
+            <a:off x="4572000" y="2243136"/>
+            <a:ext cx="4551103" cy="3994175"/>
           </a:xfrm>
           <a:prstGeom prst="rect">
             <a:avLst/>
@@ -9205,8 +9461,8 @@
         </p:nvSpPr>
         <p:spPr>
           <a:xfrm>
-            <a:off x="3275856" y="2924944"/>
-            <a:ext cx="4536504" cy="1315279"/>
+            <a:off x="4716016" y="2924944"/>
+            <a:ext cx="3096344" cy="1315279"/>
           </a:xfrm>
           <a:prstGeom prst="rect">
             <a:avLst/>
@@ -9247,7 +9503,7 @@
     </p:spTree>
     <p:extLst>
       <p:ext uri="{BB962C8B-B14F-4D97-AF65-F5344CB8AC3E}">
-        <p14:creationId xmlns:p14="http://schemas.microsoft.com/office/powerpoint/2010/main" val="371292973"/>
+        <p14:creationId xmlns:p14="http://schemas.microsoft.com/office/powerpoint/2010/main" val="4187769333"/>
       </p:ext>
     </p:extLst>
   </p:cSld>
@@ -9399,31 +9655,6 @@
 <file path=ppt/slides/slide8.xml><?xml version="1.0" encoding="utf-8"?>
 <p:sld xmlns:a="http://schemas.openxmlformats.org/drawingml/2006/main" xmlns:r="http://schemas.openxmlformats.org/officeDocument/2006/relationships" xmlns:p="http://schemas.openxmlformats.org/presentationml/2006/main">
   <p:cSld>
-    <p:bg>
-      <p:bgPr>
-        <a:blipFill dpi="0" rotWithShape="1">
-          <a:blip r:embed="rId2">
-            <a:lum/>
-            <a:extLst>
-              <a:ext uri="{BEBA8EAE-BF5A-486C-A8C5-ECC9F3942E4B}">
-                <a14:imgProps xmlns:a14="http://schemas.microsoft.com/office/drawing/2010/main">
-                  <a14:imgLayer r:embed="rId3">
-                    <a14:imgEffect>
-                      <a14:artisticCrisscrossEtching/>
-                    </a14:imgEffect>
-                  </a14:imgLayer>
-                </a14:imgProps>
-              </a:ext>
-            </a:extLst>
-          </a:blip>
-          <a:srcRect/>
-          <a:stretch>
-            <a:fillRect/>
-          </a:stretch>
-        </a:blipFill>
-        <a:effectLst/>
-      </p:bgPr>
-    </p:bg>
     <p:spTree>
       <p:nvGrpSpPr>
         <p:cNvPr id="1" name=""/>
@@ -10012,11 +10243,7 @@
             </a:pPr>
             <a:r>
               <a:rPr lang="en-US" altLang="zh-TW" sz="2400" dirty="0" smtClean="0"/>
-              <a:t>&lt;/</a:t>
-            </a:r>
-            <a:r>
-              <a:rPr lang="en-US" altLang="zh-TW" sz="2400" dirty="0" smtClean="0"/>
-              <a:t>body&gt;</a:t>
+              <a:t>&lt;/body&gt;</a:t>
             </a:r>
             <a:endParaRPr lang="en-US" altLang="zh-TW" sz="2400" dirty="0"/>
           </a:p>
@@ -10064,7 +10291,7 @@
     </p:spTree>
     <p:extLst>
       <p:ext uri="{BB962C8B-B14F-4D97-AF65-F5344CB8AC3E}">
-        <p14:creationId xmlns:p14="http://schemas.microsoft.com/office/powerpoint/2010/main" val="596979382"/>
+        <p14:creationId xmlns:p14="http://schemas.microsoft.com/office/powerpoint/2010/main" val="2421393856"/>
       </p:ext>
     </p:extLst>
   </p:cSld>
@@ -10084,31 +10311,6 @@
 <file path=ppt/slides/slide9.xml><?xml version="1.0" encoding="utf-8"?>
 <p:sld xmlns:a="http://schemas.openxmlformats.org/drawingml/2006/main" xmlns:r="http://schemas.openxmlformats.org/officeDocument/2006/relationships" xmlns:p="http://schemas.openxmlformats.org/presentationml/2006/main">
   <p:cSld>
-    <p:bg>
-      <p:bgPr>
-        <a:blipFill dpi="0" rotWithShape="1">
-          <a:blip r:embed="rId2">
-            <a:lum/>
-            <a:extLst>
-              <a:ext uri="{BEBA8EAE-BF5A-486C-A8C5-ECC9F3942E4B}">
-                <a14:imgProps xmlns:a14="http://schemas.microsoft.com/office/drawing/2010/main">
-                  <a14:imgLayer r:embed="rId3">
-                    <a14:imgEffect>
-                      <a14:artisticCrisscrossEtching/>
-                    </a14:imgEffect>
-                  </a14:imgLayer>
-                </a14:imgProps>
-              </a:ext>
-            </a:extLst>
-          </a:blip>
-          <a:srcRect/>
-          <a:stretch>
-            <a:fillRect/>
-          </a:stretch>
-        </a:blipFill>
-        <a:effectLst/>
-      </p:bgPr>
-    </p:bg>
     <p:spTree>
       <p:nvGrpSpPr>
         <p:cNvPr id="1" name=""/>
@@ -10443,7 +10645,7 @@
           <p:nvPr/>
         </p:nvPicPr>
         <p:blipFill>
-          <a:blip r:embed="rId4">
+          <a:blip r:embed="rId2">
             <a:extLst>
               <a:ext uri="{28A0092B-C50C-407E-A947-70E740481C1C}">
                 <a14:useLocalDpi xmlns:a14="http://schemas.microsoft.com/office/drawing/2010/main" val="0"/>
@@ -10514,7 +10716,7 @@
     </p:spTree>
     <p:extLst>
       <p:ext uri="{BB962C8B-B14F-4D97-AF65-F5344CB8AC3E}">
-        <p14:creationId xmlns:p14="http://schemas.microsoft.com/office/powerpoint/2010/main" val="2831056146"/>
+        <p14:creationId xmlns:p14="http://schemas.microsoft.com/office/powerpoint/2010/main" val="1017463195"/>
       </p:ext>
     </p:extLst>
   </p:cSld>

--- a/JS_Introduction/whereToWriteJS.pptx
+++ b/JS_Introduction/whereToWriteJS.pptx
@@ -205,7 +205,7 @@
           <a:p>
             <a:fld id="{73139663-B41A-4322-9FA5-32D776E297AB}" type="datetimeFigureOut">
               <a:rPr lang="zh-TW" altLang="en-US" smtClean="0"/>
-              <a:t>2019/3/13</a:t>
+              <a:t>2019/3/14</a:t>
             </a:fld>
             <a:endParaRPr lang="zh-TW" altLang="en-US"/>
           </a:p>
@@ -738,7 +738,7 @@
           <a:p>
             <a:fld id="{93FCF5C9-79AB-40FF-B23B-4ADA07998EAC}" type="datetime1">
               <a:rPr lang="zh-TW" altLang="en-US" smtClean="0"/>
-              <a:t>2019/3/13</a:t>
+              <a:t>2019/3/14</a:t>
             </a:fld>
             <a:endParaRPr lang="zh-TW" altLang="en-US"/>
           </a:p>
@@ -908,7 +908,7 @@
           <a:p>
             <a:fld id="{C15356CC-59C4-4A29-9700-F1B01FE0BDA6}" type="datetime1">
               <a:rPr lang="zh-TW" altLang="en-US" smtClean="0"/>
-              <a:t>2019/3/13</a:t>
+              <a:t>2019/3/14</a:t>
             </a:fld>
             <a:endParaRPr lang="zh-TW" altLang="en-US"/>
           </a:p>
@@ -1088,7 +1088,7 @@
           <a:p>
             <a:fld id="{9AE594C7-993D-4438-AA6F-CBE23DFB4270}" type="datetime1">
               <a:rPr lang="zh-TW" altLang="en-US" smtClean="0"/>
-              <a:t>2019/3/13</a:t>
+              <a:t>2019/3/14</a:t>
             </a:fld>
             <a:endParaRPr lang="zh-TW" altLang="en-US"/>
           </a:p>
@@ -1258,7 +1258,7 @@
           <a:p>
             <a:fld id="{D450D2CF-1167-43D6-909A-0C28B0F59C72}" type="datetime1">
               <a:rPr lang="zh-TW" altLang="en-US" smtClean="0"/>
-              <a:t>2019/3/13</a:t>
+              <a:t>2019/3/14</a:t>
             </a:fld>
             <a:endParaRPr lang="zh-TW" altLang="en-US"/>
           </a:p>
@@ -1511,7 +1511,7 @@
           <a:p>
             <a:fld id="{1C9A7FD2-AB59-4151-946A-CC608882B58E}" type="datetime1">
               <a:rPr lang="zh-TW" altLang="en-US" smtClean="0"/>
-              <a:t>2019/3/13</a:t>
+              <a:t>2019/3/14</a:t>
             </a:fld>
             <a:endParaRPr lang="zh-TW" altLang="en-US"/>
           </a:p>
@@ -1799,7 +1799,7 @@
           <a:p>
             <a:fld id="{D40BB12C-FF78-4F61-8FE6-616AC9AC73A7}" type="datetime1">
               <a:rPr lang="zh-TW" altLang="en-US" smtClean="0"/>
-              <a:t>2019/3/13</a:t>
+              <a:t>2019/3/14</a:t>
             </a:fld>
             <a:endParaRPr lang="zh-TW" altLang="en-US"/>
           </a:p>
@@ -2221,7 +2221,7 @@
           <a:p>
             <a:fld id="{AF7468AE-CE6D-47B8-9ACB-739E99C0A9C7}" type="datetime1">
               <a:rPr lang="zh-TW" altLang="en-US" smtClean="0"/>
-              <a:t>2019/3/13</a:t>
+              <a:t>2019/3/14</a:t>
             </a:fld>
             <a:endParaRPr lang="zh-TW" altLang="en-US"/>
           </a:p>
@@ -2339,7 +2339,7 @@
           <a:p>
             <a:fld id="{AD744EAB-4D85-41E6-9F62-245800E68770}" type="datetime1">
               <a:rPr lang="zh-TW" altLang="en-US" smtClean="0"/>
-              <a:t>2019/3/13</a:t>
+              <a:t>2019/3/14</a:t>
             </a:fld>
             <a:endParaRPr lang="zh-TW" altLang="en-US"/>
           </a:p>
@@ -2434,7 +2434,7 @@
           <a:p>
             <a:fld id="{CA6C9E1E-774D-4EAC-9D99-BE8865244E73}" type="datetime1">
               <a:rPr lang="zh-TW" altLang="en-US" smtClean="0"/>
-              <a:t>2019/3/13</a:t>
+              <a:t>2019/3/14</a:t>
             </a:fld>
             <a:endParaRPr lang="zh-TW" altLang="en-US"/>
           </a:p>
@@ -2711,7 +2711,7 @@
           <a:p>
             <a:fld id="{A6222D0A-CEA4-40AB-A293-7F7490CFFD26}" type="datetime1">
               <a:rPr lang="zh-TW" altLang="en-US" smtClean="0"/>
-              <a:t>2019/3/13</a:t>
+              <a:t>2019/3/14</a:t>
             </a:fld>
             <a:endParaRPr lang="zh-TW" altLang="en-US"/>
           </a:p>
@@ -2964,7 +2964,7 @@
           <a:p>
             <a:fld id="{633AEC37-E449-4919-BB29-FECB6FC261E4}" type="datetime1">
               <a:rPr lang="zh-TW" altLang="en-US" smtClean="0"/>
-              <a:t>2019/3/13</a:t>
+              <a:t>2019/3/14</a:t>
             </a:fld>
             <a:endParaRPr lang="zh-TW" altLang="en-US"/>
           </a:p>
@@ -3177,7 +3177,7 @@
           <a:p>
             <a:fld id="{D833F157-DD56-4172-ACB5-7841F7A4BD76}" type="datetime1">
               <a:rPr lang="zh-TW" altLang="en-US" smtClean="0"/>
-              <a:t>2019/3/13</a:t>
+              <a:t>2019/3/14</a:t>
             </a:fld>
             <a:endParaRPr lang="zh-TW" altLang="en-US"/>
           </a:p>
@@ -3781,12 +3781,16 @@
               <a:buChar char="Ø"/>
             </a:pPr>
             <a:r>
-              <a:rPr lang="en-US" altLang="zh-TW" b="1" dirty="0"/>
+              <a:rPr lang="en-US" altLang="zh-TW" b="1" dirty="0" smtClean="0"/>
               <a:t>HTML</a:t>
             </a:r>
             <a:r>
+              <a:rPr lang="zh-TW" altLang="en-US" b="1" smtClean="0"/>
+              <a:t> 語法</a:t>
+            </a:r>
+            <a:r>
               <a:rPr lang="zh-TW" altLang="en-US" b="1" dirty="0"/>
-              <a:t>語法基本架構</a:t>
+              <a:t>基本架構</a:t>
             </a:r>
             <a:endParaRPr lang="en-US" altLang="zh-TW" b="1" dirty="0"/>
           </a:p>
@@ -6668,13 +6672,7 @@
               <a:rPr lang="zh-TW" altLang="en-US" dirty="0" smtClean="0">
                 <a:latin typeface="+mn-ea"/>
               </a:rPr>
-              <a:t>觸發函式</a:t>
-            </a:r>
-            <a:r>
-              <a:rPr lang="zh-TW" altLang="en-US" dirty="0" smtClean="0">
-                <a:latin typeface="+mn-ea"/>
-              </a:rPr>
-              <a:t>，改變 </a:t>
+              <a:t>觸發函式，改變 </a:t>
             </a:r>
             <a:r>
               <a:rPr lang="en-US" altLang="zh-TW" dirty="0" smtClean="0">

--- a/JS_Introduction/whereToWriteJS.pptx
+++ b/JS_Introduction/whereToWriteJS.pptx
@@ -5,7 +5,7 @@
     <p:sldMasterId id="2147483648" r:id="rId1"/>
   </p:sldMasterIdLst>
   <p:notesMasterIdLst>
-    <p:notesMasterId r:id="rId16"/>
+    <p:notesMasterId r:id="rId15"/>
   </p:notesMasterIdLst>
   <p:sldIdLst>
     <p:sldId id="273" r:id="rId2"/>
@@ -13,15 +13,14 @@
     <p:sldId id="275" r:id="rId4"/>
     <p:sldId id="276" r:id="rId5"/>
     <p:sldId id="277" r:id="rId6"/>
-    <p:sldId id="278" r:id="rId7"/>
-    <p:sldId id="279" r:id="rId8"/>
-    <p:sldId id="280" r:id="rId9"/>
-    <p:sldId id="281" r:id="rId10"/>
-    <p:sldId id="282" r:id="rId11"/>
-    <p:sldId id="283" r:id="rId12"/>
-    <p:sldId id="284" r:id="rId13"/>
-    <p:sldId id="285" r:id="rId14"/>
-    <p:sldId id="287" r:id="rId15"/>
+    <p:sldId id="279" r:id="rId7"/>
+    <p:sldId id="280" r:id="rId8"/>
+    <p:sldId id="281" r:id="rId9"/>
+    <p:sldId id="282" r:id="rId10"/>
+    <p:sldId id="283" r:id="rId11"/>
+    <p:sldId id="284" r:id="rId12"/>
+    <p:sldId id="285" r:id="rId13"/>
+    <p:sldId id="287" r:id="rId14"/>
   </p:sldIdLst>
   <p:sldSz cx="9144000" cy="6858000" type="screen4x3"/>
   <p:notesSz cx="6858000" cy="9144000"/>
@@ -3916,12 +3915,7 @@
             <p:ph type="title"/>
           </p:nvPr>
         </p:nvSpPr>
-        <p:spPr>
-          <a:xfrm>
-            <a:off x="467544" y="260648"/>
-            <a:ext cx="8229600" cy="1143000"/>
-          </a:xfrm>
-        </p:spPr>
+        <p:spPr/>
         <p:txBody>
           <a:bodyPr>
             <a:normAutofit/>
@@ -3929,7 +3923,7 @@
           <a:lstStyle/>
           <a:p>
             <a:r>
-              <a:rPr lang="zh-TW" altLang="en-US" b="1" cap="all" dirty="0" smtClean="0">
+              <a:rPr lang="zh-TW" altLang="en-US" b="1" cap="all" dirty="0">
                 <a:ln w="9000" cmpd="sng">
                   <a:solidFill>
                     <a:schemeClr val="accent4">
@@ -3971,142 +3965,7 @@
                   <a:reflection blurRad="12700" stA="28000" endPos="45000" dist="1000" dir="5400000" sy="-100000" algn="bl" rotWithShape="0"/>
                 </a:effectLst>
               </a:rPr>
-              <a:t>範例</a:t>
-            </a:r>
-            <a:r>
-              <a:rPr lang="en-US" altLang="zh-TW" b="1" cap="all" dirty="0" smtClean="0">
-                <a:ln w="9000" cmpd="sng">
-                  <a:solidFill>
-                    <a:schemeClr val="accent4">
-                      <a:shade val="50000"/>
-                      <a:satMod val="120000"/>
-                    </a:schemeClr>
-                  </a:solidFill>
-                  <a:prstDash val="solid"/>
-                </a:ln>
-                <a:gradFill>
-                  <a:gsLst>
-                    <a:gs pos="0">
-                      <a:schemeClr val="accent4">
-                        <a:shade val="20000"/>
-                        <a:satMod val="245000"/>
-                      </a:schemeClr>
-                    </a:gs>
-                    <a:gs pos="43000">
-                      <a:schemeClr val="accent4">
-                        <a:satMod val="255000"/>
-                      </a:schemeClr>
-                    </a:gs>
-                    <a:gs pos="48000">
-                      <a:schemeClr val="accent4">
-                        <a:shade val="85000"/>
-                        <a:satMod val="255000"/>
-                      </a:schemeClr>
-                    </a:gs>
-                    <a:gs pos="100000">
-                      <a:schemeClr val="accent4">
-                        <a:shade val="20000"/>
-                        <a:satMod val="245000"/>
-                      </a:schemeClr>
-                    </a:gs>
-                  </a:gsLst>
-                  <a:lin ang="5400000"/>
-                </a:gradFill>
-                <a:effectLst>
-                  <a:reflection blurRad="12700" stA="28000" endPos="45000" dist="1000" dir="5400000" sy="-100000" algn="bl" rotWithShape="0"/>
-                </a:effectLst>
-              </a:rPr>
-              <a:t>(</a:t>
-            </a:r>
-            <a:r>
-              <a:rPr lang="zh-TW" altLang="en-US" b="1" cap="all" dirty="0" smtClean="0">
-                <a:ln w="9000" cmpd="sng">
-                  <a:solidFill>
-                    <a:schemeClr val="accent4">
-                      <a:shade val="50000"/>
-                      <a:satMod val="120000"/>
-                    </a:schemeClr>
-                  </a:solidFill>
-                  <a:prstDash val="solid"/>
-                </a:ln>
-                <a:gradFill>
-                  <a:gsLst>
-                    <a:gs pos="0">
-                      <a:schemeClr val="accent4">
-                        <a:shade val="20000"/>
-                        <a:satMod val="245000"/>
-                      </a:schemeClr>
-                    </a:gs>
-                    <a:gs pos="43000">
-                      <a:schemeClr val="accent4">
-                        <a:satMod val="255000"/>
-                      </a:schemeClr>
-                    </a:gs>
-                    <a:gs pos="48000">
-                      <a:schemeClr val="accent4">
-                        <a:shade val="85000"/>
-                        <a:satMod val="255000"/>
-                      </a:schemeClr>
-                    </a:gs>
-                    <a:gs pos="100000">
-                      <a:schemeClr val="accent4">
-                        <a:shade val="20000"/>
-                        <a:satMod val="245000"/>
-                      </a:schemeClr>
-                    </a:gs>
-                  </a:gsLst>
-                  <a:lin ang="5400000"/>
-                </a:gradFill>
-                <a:effectLst>
-                  <a:reflection blurRad="12700" stA="28000" endPos="45000" dist="1000" dir="5400000" sy="-100000" algn="bl" rotWithShape="0"/>
-                </a:effectLst>
-              </a:rPr>
-              <a:t>二</a:t>
-            </a:r>
-            <a:r>
-              <a:rPr lang="en-US" altLang="zh-TW" b="1" cap="all" dirty="0" smtClean="0">
-                <a:ln w="9000" cmpd="sng">
-                  <a:solidFill>
-                    <a:schemeClr val="accent4">
-                      <a:shade val="50000"/>
-                      <a:satMod val="120000"/>
-                    </a:schemeClr>
-                  </a:solidFill>
-                  <a:prstDash val="solid"/>
-                </a:ln>
-                <a:gradFill>
-                  <a:gsLst>
-                    <a:gs pos="0">
-                      <a:schemeClr val="accent4">
-                        <a:shade val="20000"/>
-                        <a:satMod val="245000"/>
-                      </a:schemeClr>
-                    </a:gs>
-                    <a:gs pos="43000">
-                      <a:schemeClr val="accent4">
-                        <a:satMod val="255000"/>
-                      </a:schemeClr>
-                    </a:gs>
-                    <a:gs pos="48000">
-                      <a:schemeClr val="accent4">
-                        <a:shade val="85000"/>
-                        <a:satMod val="255000"/>
-                      </a:schemeClr>
-                    </a:gs>
-                    <a:gs pos="100000">
-                      <a:schemeClr val="accent4">
-                        <a:shade val="20000"/>
-                        <a:satMod val="245000"/>
-                      </a:schemeClr>
-                    </a:gs>
-                  </a:gsLst>
-                  <a:lin ang="5400000"/>
-                </a:gradFill>
-                <a:effectLst>
-                  <a:reflection blurRad="12700" stA="28000" endPos="45000" dist="1000" dir="5400000" sy="-100000" algn="bl" rotWithShape="0"/>
-                </a:effectLst>
-              </a:rPr>
-              <a:t>):</a:t>
+              <a:t>放</a:t>
             </a:r>
             <a:r>
               <a:rPr lang="en-US" altLang="zh-TW" b="1" cap="all" dirty="0">
@@ -4154,7 +4013,7 @@
               <a:t>JavaScript</a:t>
             </a:r>
             <a:r>
-              <a:rPr lang="zh-TW" altLang="en-US" b="1" cap="all" dirty="0" smtClean="0">
+              <a:rPr lang="zh-TW" altLang="en-US" b="1" cap="all" dirty="0">
                 <a:ln w="9000" cmpd="sng">
                   <a:solidFill>
                     <a:schemeClr val="accent4">
@@ -4196,52 +4055,7 @@
                   <a:reflection blurRad="12700" stA="28000" endPos="45000" dist="1000" dir="5400000" sy="-100000" algn="bl" rotWithShape="0"/>
                 </a:effectLst>
               </a:rPr>
-              <a:t>放在</a:t>
-            </a:r>
-            <a:r>
-              <a:rPr lang="en-US" altLang="zh-TW" b="1" cap="all" dirty="0" smtClean="0">
-                <a:ln w="9000" cmpd="sng">
-                  <a:solidFill>
-                    <a:schemeClr val="accent4">
-                      <a:shade val="50000"/>
-                      <a:satMod val="120000"/>
-                    </a:schemeClr>
-                  </a:solidFill>
-                  <a:prstDash val="solid"/>
-                </a:ln>
-                <a:gradFill>
-                  <a:gsLst>
-                    <a:gs pos="0">
-                      <a:schemeClr val="accent4">
-                        <a:shade val="20000"/>
-                        <a:satMod val="245000"/>
-                      </a:schemeClr>
-                    </a:gs>
-                    <a:gs pos="43000">
-                      <a:schemeClr val="accent4">
-                        <a:satMod val="255000"/>
-                      </a:schemeClr>
-                    </a:gs>
-                    <a:gs pos="48000">
-                      <a:schemeClr val="accent4">
-                        <a:shade val="85000"/>
-                        <a:satMod val="255000"/>
-                      </a:schemeClr>
-                    </a:gs>
-                    <a:gs pos="100000">
-                      <a:schemeClr val="accent4">
-                        <a:shade val="20000"/>
-                        <a:satMod val="245000"/>
-                      </a:schemeClr>
-                    </a:gs>
-                  </a:gsLst>
-                  <a:lin ang="5400000"/>
-                </a:gradFill>
-                <a:effectLst>
-                  <a:reflection blurRad="12700" stA="28000" endPos="45000" dist="1000" dir="5400000" sy="-100000" algn="bl" rotWithShape="0"/>
-                </a:effectLst>
-              </a:rPr>
-              <a:t>body</a:t>
+              <a:t>的位置</a:t>
             </a:r>
             <a:endParaRPr lang="en-US" altLang="zh-TW" b="1" cap="all" dirty="0">
               <a:ln w="9000" cmpd="sng">
@@ -4300,13 +4114,13 @@
         </p:nvSpPr>
         <p:spPr>
           <a:xfrm>
-            <a:off x="457200" y="1196752"/>
-            <a:ext cx="8229600" cy="5661248"/>
+            <a:off x="457200" y="1600200"/>
+            <a:ext cx="8229600" cy="4925144"/>
           </a:xfrm>
         </p:spPr>
         <p:txBody>
           <a:bodyPr>
-            <a:normAutofit fontScale="92500" lnSpcReduction="20000"/>
+            <a:normAutofit/>
           </a:bodyPr>
           <a:lstStyle/>
           <a:p>
@@ -4314,274 +4128,77 @@
               <a:buNone/>
             </a:pPr>
             <a:r>
-              <a:rPr lang="en-US" altLang="zh-TW" dirty="0"/>
+              <a:rPr lang="en-US" altLang="zh-TW" dirty="0" smtClean="0"/>
+              <a:t>3.</a:t>
+            </a:r>
+            <a:r>
+              <a:rPr lang="zh-TW" altLang="en-US" dirty="0" smtClean="0"/>
+              <a:t>在</a:t>
+            </a:r>
+            <a:r>
+              <a:rPr lang="zh-TW" altLang="en-US" dirty="0"/>
+              <a:t> </a:t>
+            </a:r>
+            <a:r>
+              <a:rPr lang="en-US" altLang="zh-TW" b="1" dirty="0"/>
+              <a:t>&lt;/html&gt;</a:t>
+            </a:r>
+            <a:r>
+              <a:rPr lang="zh-TW" altLang="en-US" dirty="0" smtClean="0"/>
+              <a:t>之後</a:t>
+            </a:r>
+            <a:r>
+              <a:rPr lang="en-US" altLang="zh-TW" dirty="0" smtClean="0"/>
+              <a:t>:</a:t>
+            </a:r>
+          </a:p>
+          <a:p>
+            <a:r>
+              <a:rPr lang="zh-TW" altLang="en-US" dirty="0" smtClean="0"/>
+              <a:t>不會</a:t>
+            </a:r>
+            <a:r>
+              <a:rPr lang="zh-TW" altLang="en-US" dirty="0"/>
+              <a:t>影響 </a:t>
+            </a:r>
+            <a:r>
+              <a:rPr lang="en-US" altLang="zh-TW" b="1" dirty="0"/>
               <a:t>&lt;html&gt;</a:t>
             </a:r>
+            <a:r>
+              <a:rPr lang="zh-TW" altLang="en-US" dirty="0"/>
+              <a:t> 範圍的</a:t>
+            </a:r>
+            <a:r>
+              <a:rPr lang="zh-TW" altLang="en-US" dirty="0" smtClean="0"/>
+              <a:t>內容。</a:t>
+            </a:r>
+            <a:endParaRPr lang="en-US" altLang="zh-TW" dirty="0" smtClean="0"/>
+          </a:p>
+          <a:p>
+            <a:r>
+              <a:rPr lang="zh-TW" altLang="en-US" dirty="0" smtClean="0"/>
+              <a:t>確保程式可找到 </a:t>
+            </a:r>
+            <a:r>
+              <a:rPr lang="en-US" altLang="zh-TW" dirty="0" smtClean="0"/>
+              <a:t>HTML</a:t>
+            </a:r>
+            <a:r>
+              <a:rPr lang="zh-TW" altLang="en-US" dirty="0" smtClean="0"/>
+              <a:t> 標籤</a:t>
+            </a:r>
+            <a:endParaRPr lang="zh-TW" altLang="en-US" dirty="0"/>
           </a:p>
           <a:p>
             <a:pPr marL="0" indent="0">
               <a:buNone/>
             </a:pPr>
-            <a:r>
-              <a:rPr lang="en-US" altLang="zh-TW" dirty="0"/>
-              <a:t>&lt;head&gt;</a:t>
-            </a:r>
-          </a:p>
-          <a:p>
-            <a:pPr marL="0" indent="0">
-              <a:buNone/>
-            </a:pPr>
-            <a:r>
-              <a:rPr lang="en-US" altLang="zh-TW" dirty="0"/>
-              <a:t>&lt;title&gt;JavaScript</a:t>
-            </a:r>
-            <a:r>
-              <a:rPr lang="zh-TW" altLang="en-US" dirty="0"/>
-              <a:t>的第一個範例</a:t>
-            </a:r>
-            <a:r>
-              <a:rPr lang="en-US" altLang="zh-TW" dirty="0"/>
-              <a:t>&lt;/title</a:t>
-            </a:r>
-            <a:r>
-              <a:rPr lang="en-US" altLang="zh-TW" dirty="0" smtClean="0"/>
-              <a:t>&gt;</a:t>
-            </a:r>
-          </a:p>
-          <a:p>
-            <a:pPr marL="0" indent="0">
-              <a:buNone/>
-            </a:pPr>
-            <a:r>
-              <a:rPr lang="en-US" altLang="zh-TW" dirty="0" smtClean="0"/>
-              <a:t>&lt;</a:t>
-            </a:r>
-            <a:r>
-              <a:rPr lang="en-US" altLang="zh-TW" dirty="0"/>
-              <a:t>body&gt;</a:t>
-            </a:r>
-          </a:p>
-          <a:p>
-            <a:pPr marL="0" indent="0">
-              <a:buNone/>
-            </a:pPr>
-            <a:r>
-              <a:rPr lang="en-US" altLang="zh-TW" dirty="0">
-                <a:solidFill>
-                  <a:srgbClr val="FF0000"/>
-                </a:solidFill>
-              </a:rPr>
-              <a:t>&lt;script language="JavaScript"&gt;</a:t>
-            </a:r>
-          </a:p>
-          <a:p>
-            <a:pPr marL="0" indent="0">
-              <a:buNone/>
-            </a:pPr>
-            <a:r>
-              <a:rPr lang="en-US" altLang="zh-TW" dirty="0">
-                <a:solidFill>
-                  <a:srgbClr val="FF0000"/>
-                </a:solidFill>
-              </a:rPr>
-              <a:t>&lt;!--</a:t>
-            </a:r>
-          </a:p>
-          <a:p>
-            <a:pPr marL="0" indent="0">
-              <a:buNone/>
-            </a:pPr>
-            <a:r>
-              <a:rPr lang="en-US" altLang="zh-TW" dirty="0" err="1">
-                <a:solidFill>
-                  <a:srgbClr val="FF0000"/>
-                </a:solidFill>
-              </a:rPr>
-              <a:t>document.write</a:t>
-            </a:r>
-            <a:r>
-              <a:rPr lang="en-US" altLang="zh-TW" dirty="0">
-                <a:solidFill>
-                  <a:srgbClr val="FF0000"/>
-                </a:solidFill>
-              </a:rPr>
-              <a:t>("</a:t>
-            </a:r>
-            <a:r>
-              <a:rPr lang="en-US" altLang="zh-TW" dirty="0" err="1">
-                <a:solidFill>
-                  <a:srgbClr val="FF0000"/>
-                </a:solidFill>
-              </a:rPr>
-              <a:t>Hello!JavaScript</a:t>
-            </a:r>
-            <a:r>
-              <a:rPr lang="en-US" altLang="zh-TW" dirty="0">
-                <a:solidFill>
-                  <a:srgbClr val="FF0000"/>
-                </a:solidFill>
-              </a:rPr>
-              <a:t>!");</a:t>
-            </a:r>
-          </a:p>
-          <a:p>
-            <a:pPr marL="0" indent="0">
-              <a:buNone/>
-            </a:pPr>
-            <a:r>
-              <a:rPr lang="en-US" altLang="zh-TW" dirty="0" err="1">
-                <a:solidFill>
-                  <a:srgbClr val="FF0000"/>
-                </a:solidFill>
-              </a:rPr>
-              <a:t>document.write</a:t>
-            </a:r>
-            <a:r>
-              <a:rPr lang="en-US" altLang="zh-TW" dirty="0">
-                <a:solidFill>
-                  <a:srgbClr val="FF0000"/>
-                </a:solidFill>
-              </a:rPr>
-              <a:t>("(</a:t>
-            </a:r>
-            <a:r>
-              <a:rPr lang="zh-TW" altLang="en-US" dirty="0">
-                <a:solidFill>
-                  <a:srgbClr val="FF0000"/>
-                </a:solidFill>
-              </a:rPr>
-              <a:t>這個是放在</a:t>
-            </a:r>
-            <a:r>
-              <a:rPr lang="en-US" altLang="zh-TW" dirty="0">
-                <a:solidFill>
-                  <a:srgbClr val="FF0000"/>
-                </a:solidFill>
-              </a:rPr>
-              <a:t>head</a:t>
-            </a:r>
-            <a:r>
-              <a:rPr lang="zh-TW" altLang="en-US" dirty="0">
-                <a:solidFill>
-                  <a:srgbClr val="FF0000"/>
-                </a:solidFill>
-              </a:rPr>
-              <a:t>的</a:t>
-            </a:r>
-            <a:r>
-              <a:rPr lang="en-US" altLang="zh-TW" dirty="0" err="1">
-                <a:solidFill>
-                  <a:srgbClr val="FF0000"/>
-                </a:solidFill>
-              </a:rPr>
-              <a:t>javascript</a:t>
-            </a:r>
-            <a:r>
-              <a:rPr lang="en-US" altLang="zh-TW" dirty="0">
-                <a:solidFill>
-                  <a:srgbClr val="FF0000"/>
-                </a:solidFill>
-              </a:rPr>
-              <a:t>)");</a:t>
-            </a:r>
-          </a:p>
-          <a:p>
-            <a:pPr marL="0" indent="0">
-              <a:buNone/>
-            </a:pPr>
-            <a:r>
-              <a:rPr lang="en-US" altLang="zh-TW" dirty="0" err="1">
-                <a:solidFill>
-                  <a:srgbClr val="FF0000"/>
-                </a:solidFill>
-              </a:rPr>
-              <a:t>document.write</a:t>
-            </a:r>
-            <a:r>
-              <a:rPr lang="en-US" altLang="zh-TW" dirty="0">
-                <a:solidFill>
-                  <a:srgbClr val="FF0000"/>
-                </a:solidFill>
-              </a:rPr>
-              <a:t>("&lt;</a:t>
-            </a:r>
-            <a:r>
-              <a:rPr lang="en-US" altLang="zh-TW" dirty="0" err="1">
-                <a:solidFill>
-                  <a:srgbClr val="FF0000"/>
-                </a:solidFill>
-              </a:rPr>
-              <a:t>br</a:t>
-            </a:r>
-            <a:r>
-              <a:rPr lang="en-US" altLang="zh-TW" dirty="0">
-                <a:solidFill>
-                  <a:srgbClr val="FF0000"/>
-                </a:solidFill>
-              </a:rPr>
-              <a:t>/&gt;");//</a:t>
-            </a:r>
-            <a:r>
-              <a:rPr lang="zh-TW" altLang="en-US" dirty="0">
-                <a:solidFill>
-                  <a:srgbClr val="FF0000"/>
-                </a:solidFill>
-              </a:rPr>
-              <a:t>換行</a:t>
-            </a:r>
-            <a:r>
-              <a:rPr lang="en-US" altLang="zh-TW" dirty="0" smtClean="0">
-                <a:solidFill>
-                  <a:srgbClr val="FF0000"/>
-                </a:solidFill>
-              </a:rPr>
-              <a:t>//--&gt;</a:t>
-            </a:r>
             <a:endParaRPr lang="en-US" altLang="zh-TW" dirty="0">
               <a:solidFill>
                 <a:srgbClr val="FF0000"/>
               </a:solidFill>
             </a:endParaRPr>
-          </a:p>
-          <a:p>
-            <a:pPr marL="0" indent="0">
-              <a:buNone/>
-            </a:pPr>
-            <a:r>
-              <a:rPr lang="en-US" altLang="zh-TW" dirty="0">
-                <a:solidFill>
-                  <a:srgbClr val="FF0000"/>
-                </a:solidFill>
-              </a:rPr>
-              <a:t>&lt;/script&gt;</a:t>
-            </a:r>
-          </a:p>
-          <a:p>
-            <a:pPr marL="0" indent="0">
-              <a:buNone/>
-            </a:pPr>
-            <a:r>
-              <a:rPr lang="en-US" altLang="zh-TW" dirty="0" smtClean="0"/>
-              <a:t>&lt;/</a:t>
-            </a:r>
-            <a:r>
-              <a:rPr lang="en-US" altLang="zh-TW" dirty="0"/>
-              <a:t>body&gt;</a:t>
-            </a:r>
-          </a:p>
-          <a:p>
-            <a:pPr marL="0" indent="0">
-              <a:buNone/>
-            </a:pPr>
-            <a:r>
-              <a:rPr lang="en-US" altLang="zh-TW" dirty="0"/>
-              <a:t>&lt;/html</a:t>
-            </a:r>
-            <a:r>
-              <a:rPr lang="en-US" altLang="zh-TW" dirty="0" smtClean="0"/>
-              <a:t>&gt;</a:t>
-            </a:r>
-            <a:endParaRPr lang="en-US" altLang="zh-TW" dirty="0"/>
           </a:p>
         </p:txBody>
       </p:sp>
@@ -4611,7 +4228,7 @@
     </p:spTree>
     <p:extLst>
       <p:ext uri="{BB962C8B-B14F-4D97-AF65-F5344CB8AC3E}">
-        <p14:creationId xmlns:p14="http://schemas.microsoft.com/office/powerpoint/2010/main" val="2228347040"/>
+        <p14:creationId xmlns:p14="http://schemas.microsoft.com/office/powerpoint/2010/main" val="3243416117"/>
       </p:ext>
     </p:extLst>
   </p:cSld>
@@ -4655,15 +4272,20 @@
             <p:ph type="title"/>
           </p:nvPr>
         </p:nvSpPr>
-        <p:spPr/>
+        <p:spPr>
+          <a:xfrm>
+            <a:off x="467544" y="260648"/>
+            <a:ext cx="8229600" cy="1143000"/>
+          </a:xfrm>
+        </p:spPr>
         <p:txBody>
           <a:bodyPr>
-            <a:normAutofit/>
+            <a:normAutofit fontScale="90000"/>
           </a:bodyPr>
           <a:lstStyle/>
           <a:p>
             <a:r>
-              <a:rPr lang="zh-TW" altLang="en-US" b="1" cap="all" dirty="0">
+              <a:rPr lang="zh-TW" altLang="en-US" b="1" cap="all" dirty="0" smtClean="0">
                 <a:ln w="9000" cmpd="sng">
                   <a:solidFill>
                     <a:schemeClr val="accent4">
@@ -4705,7 +4327,142 @@
                   <a:reflection blurRad="12700" stA="28000" endPos="45000" dist="1000" dir="5400000" sy="-100000" algn="bl" rotWithShape="0"/>
                 </a:effectLst>
               </a:rPr>
-              <a:t>放</a:t>
+              <a:t>範例</a:t>
+            </a:r>
+            <a:r>
+              <a:rPr lang="en-US" altLang="zh-TW" b="1" cap="all" dirty="0" smtClean="0">
+                <a:ln w="9000" cmpd="sng">
+                  <a:solidFill>
+                    <a:schemeClr val="accent4">
+                      <a:shade val="50000"/>
+                      <a:satMod val="120000"/>
+                    </a:schemeClr>
+                  </a:solidFill>
+                  <a:prstDash val="solid"/>
+                </a:ln>
+                <a:gradFill>
+                  <a:gsLst>
+                    <a:gs pos="0">
+                      <a:schemeClr val="accent4">
+                        <a:shade val="20000"/>
+                        <a:satMod val="245000"/>
+                      </a:schemeClr>
+                    </a:gs>
+                    <a:gs pos="43000">
+                      <a:schemeClr val="accent4">
+                        <a:satMod val="255000"/>
+                      </a:schemeClr>
+                    </a:gs>
+                    <a:gs pos="48000">
+                      <a:schemeClr val="accent4">
+                        <a:shade val="85000"/>
+                        <a:satMod val="255000"/>
+                      </a:schemeClr>
+                    </a:gs>
+                    <a:gs pos="100000">
+                      <a:schemeClr val="accent4">
+                        <a:shade val="20000"/>
+                        <a:satMod val="245000"/>
+                      </a:schemeClr>
+                    </a:gs>
+                  </a:gsLst>
+                  <a:lin ang="5400000"/>
+                </a:gradFill>
+                <a:effectLst>
+                  <a:reflection blurRad="12700" stA="28000" endPos="45000" dist="1000" dir="5400000" sy="-100000" algn="bl" rotWithShape="0"/>
+                </a:effectLst>
+              </a:rPr>
+              <a:t>(</a:t>
+            </a:r>
+            <a:r>
+              <a:rPr lang="zh-TW" altLang="en-US" b="1" cap="all" dirty="0" smtClean="0">
+                <a:ln w="9000" cmpd="sng">
+                  <a:solidFill>
+                    <a:schemeClr val="accent4">
+                      <a:shade val="50000"/>
+                      <a:satMod val="120000"/>
+                    </a:schemeClr>
+                  </a:solidFill>
+                  <a:prstDash val="solid"/>
+                </a:ln>
+                <a:gradFill>
+                  <a:gsLst>
+                    <a:gs pos="0">
+                      <a:schemeClr val="accent4">
+                        <a:shade val="20000"/>
+                        <a:satMod val="245000"/>
+                      </a:schemeClr>
+                    </a:gs>
+                    <a:gs pos="43000">
+                      <a:schemeClr val="accent4">
+                        <a:satMod val="255000"/>
+                      </a:schemeClr>
+                    </a:gs>
+                    <a:gs pos="48000">
+                      <a:schemeClr val="accent4">
+                        <a:shade val="85000"/>
+                        <a:satMod val="255000"/>
+                      </a:schemeClr>
+                    </a:gs>
+                    <a:gs pos="100000">
+                      <a:schemeClr val="accent4">
+                        <a:shade val="20000"/>
+                        <a:satMod val="245000"/>
+                      </a:schemeClr>
+                    </a:gs>
+                  </a:gsLst>
+                  <a:lin ang="5400000"/>
+                </a:gradFill>
+                <a:effectLst>
+                  <a:reflection blurRad="12700" stA="28000" endPos="45000" dist="1000" dir="5400000" sy="-100000" algn="bl" rotWithShape="0"/>
+                </a:effectLst>
+              </a:rPr>
+              <a:t>三</a:t>
+            </a:r>
+            <a:r>
+              <a:rPr lang="en-US" altLang="zh-TW" b="1" cap="all" dirty="0" smtClean="0">
+                <a:ln w="9000" cmpd="sng">
+                  <a:solidFill>
+                    <a:schemeClr val="accent4">
+                      <a:shade val="50000"/>
+                      <a:satMod val="120000"/>
+                    </a:schemeClr>
+                  </a:solidFill>
+                  <a:prstDash val="solid"/>
+                </a:ln>
+                <a:gradFill>
+                  <a:gsLst>
+                    <a:gs pos="0">
+                      <a:schemeClr val="accent4">
+                        <a:shade val="20000"/>
+                        <a:satMod val="245000"/>
+                      </a:schemeClr>
+                    </a:gs>
+                    <a:gs pos="43000">
+                      <a:schemeClr val="accent4">
+                        <a:satMod val="255000"/>
+                      </a:schemeClr>
+                    </a:gs>
+                    <a:gs pos="48000">
+                      <a:schemeClr val="accent4">
+                        <a:shade val="85000"/>
+                        <a:satMod val="255000"/>
+                      </a:schemeClr>
+                    </a:gs>
+                    <a:gs pos="100000">
+                      <a:schemeClr val="accent4">
+                        <a:shade val="20000"/>
+                        <a:satMod val="245000"/>
+                      </a:schemeClr>
+                    </a:gs>
+                  </a:gsLst>
+                  <a:lin ang="5400000"/>
+                </a:gradFill>
+                <a:effectLst>
+                  <a:reflection blurRad="12700" stA="28000" endPos="45000" dist="1000" dir="5400000" sy="-100000" algn="bl" rotWithShape="0"/>
+                </a:effectLst>
+              </a:rPr>
+              <a:t>):</a:t>
             </a:r>
             <a:r>
               <a:rPr lang="en-US" altLang="zh-TW" b="1" cap="all" dirty="0">
@@ -4753,7 +4510,7 @@
               <a:t>JavaScript</a:t>
             </a:r>
             <a:r>
-              <a:rPr lang="zh-TW" altLang="en-US" b="1" cap="all" dirty="0">
+              <a:rPr lang="zh-TW" altLang="en-US" b="1" cap="all" dirty="0" smtClean="0">
                 <a:ln w="9000" cmpd="sng">
                   <a:solidFill>
                     <a:schemeClr val="accent4">
@@ -4795,7 +4552,97 @@
                   <a:reflection blurRad="12700" stA="28000" endPos="45000" dist="1000" dir="5400000" sy="-100000" algn="bl" rotWithShape="0"/>
                 </a:effectLst>
               </a:rPr>
-              <a:t>的位置</a:t>
+              <a:t>放在</a:t>
+            </a:r>
+            <a:r>
+              <a:rPr lang="en-US" altLang="zh-TW" b="1" cap="all" dirty="0" smtClean="0">
+                <a:ln w="9000" cmpd="sng">
+                  <a:solidFill>
+                    <a:schemeClr val="accent4">
+                      <a:shade val="50000"/>
+                      <a:satMod val="120000"/>
+                    </a:schemeClr>
+                  </a:solidFill>
+                  <a:prstDash val="solid"/>
+                </a:ln>
+                <a:gradFill>
+                  <a:gsLst>
+                    <a:gs pos="0">
+                      <a:schemeClr val="accent4">
+                        <a:shade val="20000"/>
+                        <a:satMod val="245000"/>
+                      </a:schemeClr>
+                    </a:gs>
+                    <a:gs pos="43000">
+                      <a:schemeClr val="accent4">
+                        <a:satMod val="255000"/>
+                      </a:schemeClr>
+                    </a:gs>
+                    <a:gs pos="48000">
+                      <a:schemeClr val="accent4">
+                        <a:shade val="85000"/>
+                        <a:satMod val="255000"/>
+                      </a:schemeClr>
+                    </a:gs>
+                    <a:gs pos="100000">
+                      <a:schemeClr val="accent4">
+                        <a:shade val="20000"/>
+                        <a:satMod val="245000"/>
+                      </a:schemeClr>
+                    </a:gs>
+                  </a:gsLst>
+                  <a:lin ang="5400000"/>
+                </a:gradFill>
+                <a:effectLst>
+                  <a:reflection blurRad="12700" stA="28000" endPos="45000" dist="1000" dir="5400000" sy="-100000" algn="bl" rotWithShape="0"/>
+                </a:effectLst>
+              </a:rPr>
+              <a:t>&lt;/html&gt;</a:t>
+            </a:r>
+            <a:r>
+              <a:rPr lang="zh-TW" altLang="en-US" b="1" cap="all" dirty="0" smtClean="0">
+                <a:ln w="9000" cmpd="sng">
+                  <a:solidFill>
+                    <a:schemeClr val="accent4">
+                      <a:shade val="50000"/>
+                      <a:satMod val="120000"/>
+                    </a:schemeClr>
+                  </a:solidFill>
+                  <a:prstDash val="solid"/>
+                </a:ln>
+                <a:gradFill>
+                  <a:gsLst>
+                    <a:gs pos="0">
+                      <a:schemeClr val="accent4">
+                        <a:shade val="20000"/>
+                        <a:satMod val="245000"/>
+                      </a:schemeClr>
+                    </a:gs>
+                    <a:gs pos="43000">
+                      <a:schemeClr val="accent4">
+                        <a:satMod val="255000"/>
+                      </a:schemeClr>
+                    </a:gs>
+                    <a:gs pos="48000">
+                      <a:schemeClr val="accent4">
+                        <a:shade val="85000"/>
+                        <a:satMod val="255000"/>
+                      </a:schemeClr>
+                    </a:gs>
+                    <a:gs pos="100000">
+                      <a:schemeClr val="accent4">
+                        <a:shade val="20000"/>
+                        <a:satMod val="245000"/>
+                      </a:schemeClr>
+                    </a:gs>
+                  </a:gsLst>
+                  <a:lin ang="5400000"/>
+                </a:gradFill>
+                <a:effectLst>
+                  <a:reflection blurRad="12700" stA="28000" endPos="45000" dist="1000" dir="5400000" sy="-100000" algn="bl" rotWithShape="0"/>
+                </a:effectLst>
+              </a:rPr>
+              <a:t>後</a:t>
             </a:r>
             <a:endParaRPr lang="en-US" altLang="zh-TW" b="1" cap="all" dirty="0">
               <a:ln w="9000" cmpd="sng">
@@ -4854,13 +4701,13 @@
         </p:nvSpPr>
         <p:spPr>
           <a:xfrm>
-            <a:off x="457200" y="1600200"/>
-            <a:ext cx="8229600" cy="4925144"/>
+            <a:off x="457200" y="1196752"/>
+            <a:ext cx="8229600" cy="5661248"/>
           </a:xfrm>
         </p:spPr>
         <p:txBody>
           <a:bodyPr>
-            <a:normAutofit/>
+            <a:normAutofit fontScale="85000" lnSpcReduction="20000"/>
           </a:bodyPr>
           <a:lstStyle/>
           <a:p>
@@ -4868,77 +4715,282 @@
               <a:buNone/>
             </a:pPr>
             <a:r>
+              <a:rPr lang="en-US" altLang="zh-TW" dirty="0"/>
+              <a:t>&lt;html&gt;</a:t>
+            </a:r>
+          </a:p>
+          <a:p>
+            <a:pPr marL="0" indent="0">
+              <a:buNone/>
+            </a:pPr>
+            <a:r>
+              <a:rPr lang="en-US" altLang="zh-TW" dirty="0"/>
+              <a:t>&lt;head&gt;</a:t>
+            </a:r>
+          </a:p>
+          <a:p>
+            <a:pPr marL="0" indent="0">
+              <a:buNone/>
+            </a:pPr>
+            <a:r>
+              <a:rPr lang="en-US" altLang="zh-TW" dirty="0"/>
+              <a:t>&lt;title&gt;JavaScript</a:t>
+            </a:r>
+            <a:r>
+              <a:rPr lang="zh-TW" altLang="en-US" dirty="0"/>
+              <a:t>的第一個範例</a:t>
+            </a:r>
+            <a:r>
+              <a:rPr lang="en-US" altLang="zh-TW" dirty="0"/>
+              <a:t>&lt;/title</a:t>
+            </a:r>
+            <a:r>
               <a:rPr lang="en-US" altLang="zh-TW" dirty="0" smtClean="0"/>
-              <a:t>3.</a:t>
-            </a:r>
-            <a:r>
-              <a:rPr lang="zh-TW" altLang="en-US" dirty="0" smtClean="0"/>
-              <a:t>在</a:t>
-            </a:r>
-            <a:r>
-              <a:rPr lang="zh-TW" altLang="en-US" dirty="0"/>
-              <a:t> </a:t>
-            </a:r>
-            <a:r>
-              <a:rPr lang="en-US" altLang="zh-TW" b="1" dirty="0"/>
+              <a:t>&gt;</a:t>
+            </a:r>
+          </a:p>
+          <a:p>
+            <a:pPr marL="0" indent="0">
+              <a:buNone/>
+            </a:pPr>
+            <a:r>
+              <a:rPr lang="en-US" altLang="zh-TW" dirty="0" smtClean="0"/>
+              <a:t>&lt;</a:t>
+            </a:r>
+            <a:r>
+              <a:rPr lang="en-US" altLang="zh-TW" dirty="0"/>
+              <a:t>body&gt;</a:t>
+            </a:r>
+          </a:p>
+          <a:p>
+            <a:pPr marL="0" indent="0">
+              <a:buNone/>
+            </a:pPr>
+            <a:r>
+              <a:rPr lang="en-US" altLang="zh-TW" dirty="0" smtClean="0"/>
+              <a:t>&lt;/</a:t>
+            </a:r>
+            <a:r>
+              <a:rPr lang="en-US" altLang="zh-TW" dirty="0"/>
+              <a:t>body&gt;</a:t>
+            </a:r>
+          </a:p>
+          <a:p>
+            <a:pPr marL="0" indent="0">
+              <a:buNone/>
+            </a:pPr>
+            <a:r>
+              <a:rPr lang="en-US" altLang="zh-TW" dirty="0"/>
               <a:t>&lt;/html&gt;</a:t>
             </a:r>
-            <a:r>
-              <a:rPr lang="zh-TW" altLang="en-US" dirty="0" smtClean="0"/>
-              <a:t>之後</a:t>
-            </a:r>
-            <a:r>
-              <a:rPr lang="en-US" altLang="zh-TW" dirty="0" smtClean="0"/>
-              <a:t>:</a:t>
-            </a:r>
-          </a:p>
-          <a:p>
-            <a:r>
-              <a:rPr lang="zh-TW" altLang="en-US" dirty="0" smtClean="0"/>
-              <a:t>不會</a:t>
-            </a:r>
-            <a:r>
-              <a:rPr lang="zh-TW" altLang="en-US" dirty="0"/>
-              <a:t>影響 </a:t>
-            </a:r>
-            <a:r>
-              <a:rPr lang="en-US" altLang="zh-TW" b="1" dirty="0"/>
-              <a:t>&lt;html&gt;</a:t>
-            </a:r>
-            <a:r>
-              <a:rPr lang="zh-TW" altLang="en-US" dirty="0"/>
-              <a:t> 範圍的</a:t>
-            </a:r>
-            <a:r>
-              <a:rPr lang="zh-TW" altLang="en-US" dirty="0" smtClean="0"/>
-              <a:t>內容。</a:t>
-            </a:r>
-            <a:endParaRPr lang="en-US" altLang="zh-TW" dirty="0" smtClean="0"/>
-          </a:p>
-          <a:p>
-            <a:r>
-              <a:rPr lang="zh-TW" altLang="en-US" dirty="0" smtClean="0"/>
-              <a:t>確保程式可找到 </a:t>
-            </a:r>
-            <a:r>
-              <a:rPr lang="en-US" altLang="zh-TW" dirty="0" smtClean="0"/>
-              <a:t>HTML</a:t>
-            </a:r>
-            <a:r>
-              <a:rPr lang="zh-TW" altLang="en-US" dirty="0" smtClean="0"/>
-              <a:t> 標籤</a:t>
-            </a:r>
-            <a:endParaRPr lang="zh-TW" altLang="en-US" dirty="0"/>
           </a:p>
           <a:p>
             <a:pPr marL="0" indent="0">
               <a:buNone/>
             </a:pPr>
+            <a:r>
+              <a:rPr lang="en-US" altLang="zh-TW" dirty="0">
+                <a:solidFill>
+                  <a:srgbClr val="FF0000"/>
+                </a:solidFill>
+              </a:rPr>
+              <a:t>&lt;script language="JavaScript"&gt;</a:t>
+            </a:r>
+          </a:p>
+          <a:p>
+            <a:pPr marL="0" indent="0">
+              <a:buNone/>
+            </a:pPr>
+            <a:r>
+              <a:rPr lang="en-US" altLang="zh-TW" dirty="0">
+                <a:solidFill>
+                  <a:srgbClr val="FF0000"/>
+                </a:solidFill>
+              </a:rPr>
+              <a:t>&lt;!--</a:t>
+            </a:r>
+          </a:p>
+          <a:p>
+            <a:pPr marL="0" indent="0">
+              <a:buNone/>
+            </a:pPr>
+            <a:r>
+              <a:rPr lang="en-US" altLang="zh-TW" dirty="0" err="1">
+                <a:solidFill>
+                  <a:srgbClr val="FF0000"/>
+                </a:solidFill>
+              </a:rPr>
+              <a:t>document.write</a:t>
+            </a:r>
+            <a:r>
+              <a:rPr lang="en-US" altLang="zh-TW" dirty="0">
+                <a:solidFill>
+                  <a:srgbClr val="FF0000"/>
+                </a:solidFill>
+              </a:rPr>
+              <a:t>("</a:t>
+            </a:r>
+            <a:r>
+              <a:rPr lang="en-US" altLang="zh-TW" dirty="0" err="1">
+                <a:solidFill>
+                  <a:srgbClr val="FF0000"/>
+                </a:solidFill>
+              </a:rPr>
+              <a:t>Hello!JavaScript</a:t>
+            </a:r>
+            <a:r>
+              <a:rPr lang="en-US" altLang="zh-TW" dirty="0">
+                <a:solidFill>
+                  <a:srgbClr val="FF0000"/>
+                </a:solidFill>
+              </a:rPr>
+              <a:t>!");</a:t>
+            </a:r>
+          </a:p>
+          <a:p>
+            <a:pPr marL="0" indent="0">
+              <a:buNone/>
+            </a:pPr>
+            <a:r>
+              <a:rPr lang="en-US" altLang="zh-TW" dirty="0" err="1">
+                <a:solidFill>
+                  <a:srgbClr val="FF0000"/>
+                </a:solidFill>
+              </a:rPr>
+              <a:t>document.write</a:t>
+            </a:r>
+            <a:r>
+              <a:rPr lang="en-US" altLang="zh-TW" dirty="0">
+                <a:solidFill>
+                  <a:srgbClr val="FF0000"/>
+                </a:solidFill>
+              </a:rPr>
+              <a:t>("(</a:t>
+            </a:r>
+            <a:r>
+              <a:rPr lang="zh-TW" altLang="en-US" dirty="0">
+                <a:solidFill>
+                  <a:srgbClr val="FF0000"/>
+                </a:solidFill>
+              </a:rPr>
+              <a:t>這個是放在</a:t>
+            </a:r>
+            <a:r>
+              <a:rPr lang="en-US" altLang="zh-TW" dirty="0">
+                <a:solidFill>
+                  <a:srgbClr val="FF0000"/>
+                </a:solidFill>
+              </a:rPr>
+              <a:t>head</a:t>
+            </a:r>
+            <a:r>
+              <a:rPr lang="zh-TW" altLang="en-US" dirty="0">
+                <a:solidFill>
+                  <a:srgbClr val="FF0000"/>
+                </a:solidFill>
+              </a:rPr>
+              <a:t>的</a:t>
+            </a:r>
+            <a:r>
+              <a:rPr lang="en-US" altLang="zh-TW" dirty="0" err="1">
+                <a:solidFill>
+                  <a:srgbClr val="FF0000"/>
+                </a:solidFill>
+              </a:rPr>
+              <a:t>javascript</a:t>
+            </a:r>
+            <a:r>
+              <a:rPr lang="en-US" altLang="zh-TW" dirty="0">
+                <a:solidFill>
+                  <a:srgbClr val="FF0000"/>
+                </a:solidFill>
+              </a:rPr>
+              <a:t>)");</a:t>
+            </a:r>
+          </a:p>
+          <a:p>
+            <a:pPr marL="0" indent="0">
+              <a:buNone/>
+            </a:pPr>
+            <a:r>
+              <a:rPr lang="en-US" altLang="zh-TW" dirty="0" err="1">
+                <a:solidFill>
+                  <a:srgbClr val="FF0000"/>
+                </a:solidFill>
+              </a:rPr>
+              <a:t>document.write</a:t>
+            </a:r>
+            <a:r>
+              <a:rPr lang="en-US" altLang="zh-TW" dirty="0">
+                <a:solidFill>
+                  <a:srgbClr val="FF0000"/>
+                </a:solidFill>
+              </a:rPr>
+              <a:t>("&lt;</a:t>
+            </a:r>
+            <a:r>
+              <a:rPr lang="en-US" altLang="zh-TW" dirty="0" err="1">
+                <a:solidFill>
+                  <a:srgbClr val="FF0000"/>
+                </a:solidFill>
+              </a:rPr>
+              <a:t>br</a:t>
+            </a:r>
+            <a:r>
+              <a:rPr lang="en-US" altLang="zh-TW" dirty="0">
+                <a:solidFill>
+                  <a:srgbClr val="FF0000"/>
+                </a:solidFill>
+              </a:rPr>
+              <a:t>/&gt;");//</a:t>
+            </a:r>
+            <a:r>
+              <a:rPr lang="zh-TW" altLang="en-US" dirty="0">
+                <a:solidFill>
+                  <a:srgbClr val="FF0000"/>
+                </a:solidFill>
+              </a:rPr>
+              <a:t>換行</a:t>
+            </a:r>
+            <a:r>
+              <a:rPr lang="en-US" altLang="zh-TW" dirty="0">
+                <a:solidFill>
+                  <a:srgbClr val="FF0000"/>
+                </a:solidFill>
+              </a:rPr>
+              <a:t>//--&gt;</a:t>
+            </a:r>
+          </a:p>
+          <a:p>
+            <a:pPr marL="0" indent="0">
+              <a:buNone/>
+            </a:pPr>
+            <a:r>
+              <a:rPr lang="en-US" altLang="zh-TW" dirty="0" smtClean="0">
+                <a:solidFill>
+                  <a:srgbClr val="FF0000"/>
+                </a:solidFill>
+              </a:rPr>
+              <a:t>//--&gt;</a:t>
+            </a:r>
             <a:endParaRPr lang="en-US" altLang="zh-TW" dirty="0">
               <a:solidFill>
                 <a:srgbClr val="FF0000"/>
               </a:solidFill>
             </a:endParaRPr>
+          </a:p>
+          <a:p>
+            <a:pPr marL="0" indent="0">
+              <a:buNone/>
+            </a:pPr>
+            <a:r>
+              <a:rPr lang="en-US" altLang="zh-TW" dirty="0">
+                <a:solidFill>
+                  <a:srgbClr val="FF0000"/>
+                </a:solidFill>
+              </a:rPr>
+              <a:t>&lt;/script&gt;</a:t>
+            </a:r>
           </a:p>
         </p:txBody>
       </p:sp>
@@ -4968,7 +5020,7 @@
     </p:spTree>
     <p:extLst>
       <p:ext uri="{BB962C8B-B14F-4D97-AF65-F5344CB8AC3E}">
-        <p14:creationId xmlns:p14="http://schemas.microsoft.com/office/powerpoint/2010/main" val="3243416117"/>
+        <p14:creationId xmlns:p14="http://schemas.microsoft.com/office/powerpoint/2010/main" val="3083143412"/>
       </p:ext>
     </p:extLst>
   </p:cSld>
@@ -5020,7 +5072,7 @@
         </p:spPr>
         <p:txBody>
           <a:bodyPr>
-            <a:normAutofit fontScale="90000"/>
+            <a:normAutofit/>
           </a:bodyPr>
           <a:lstStyle/>
           <a:p>
@@ -5157,7 +5209,7 @@
                   <a:reflection blurRad="12700" stA="28000" endPos="45000" dist="1000" dir="5400000" sy="-100000" algn="bl" rotWithShape="0"/>
                 </a:effectLst>
               </a:rPr>
-              <a:t>三</a:t>
+              <a:t>四</a:t>
             </a:r>
             <a:r>
               <a:rPr lang="en-US" altLang="zh-TW" b="1" cap="all" dirty="0" smtClean="0">
@@ -5202,52 +5254,7 @@
                   <a:reflection blurRad="12700" stA="28000" endPos="45000" dist="1000" dir="5400000" sy="-100000" algn="bl" rotWithShape="0"/>
                 </a:effectLst>
               </a:rPr>
-              <a:t>):</a:t>
-            </a:r>
-            <a:r>
-              <a:rPr lang="en-US" altLang="zh-TW" b="1" cap="all" dirty="0">
-                <a:ln w="9000" cmpd="sng">
-                  <a:solidFill>
-                    <a:schemeClr val="accent4">
-                      <a:shade val="50000"/>
-                      <a:satMod val="120000"/>
-                    </a:schemeClr>
-                  </a:solidFill>
-                  <a:prstDash val="solid"/>
-                </a:ln>
-                <a:gradFill>
-                  <a:gsLst>
-                    <a:gs pos="0">
-                      <a:schemeClr val="accent4">
-                        <a:shade val="20000"/>
-                        <a:satMod val="245000"/>
-                      </a:schemeClr>
-                    </a:gs>
-                    <a:gs pos="43000">
-                      <a:schemeClr val="accent4">
-                        <a:satMod val="255000"/>
-                      </a:schemeClr>
-                    </a:gs>
-                    <a:gs pos="48000">
-                      <a:schemeClr val="accent4">
-                        <a:shade val="85000"/>
-                        <a:satMod val="255000"/>
-                      </a:schemeClr>
-                    </a:gs>
-                    <a:gs pos="100000">
-                      <a:schemeClr val="accent4">
-                        <a:shade val="20000"/>
-                        <a:satMod val="245000"/>
-                      </a:schemeClr>
-                    </a:gs>
-                  </a:gsLst>
-                  <a:lin ang="5400000"/>
-                </a:gradFill>
-                <a:effectLst>
-                  <a:reflection blurRad="12700" stA="28000" endPos="45000" dist="1000" dir="5400000" sy="-100000" algn="bl" rotWithShape="0"/>
-                </a:effectLst>
-              </a:rPr>
-              <a:t>JavaScript</a:t>
+              <a:t>): </a:t>
             </a:r>
             <a:r>
               <a:rPr lang="zh-TW" altLang="en-US" b="1" cap="all" dirty="0" smtClean="0">
@@ -5292,7 +5299,7 @@
                   <a:reflection blurRad="12700" stA="28000" endPos="45000" dist="1000" dir="5400000" sy="-100000" algn="bl" rotWithShape="0"/>
                 </a:effectLst>
               </a:rPr>
-              <a:t>放在</a:t>
+              <a:t>使用外部 </a:t>
             </a:r>
             <a:r>
               <a:rPr lang="en-US" altLang="zh-TW" b="1" cap="all" dirty="0" smtClean="0">
@@ -5337,7 +5344,7 @@
                   <a:reflection blurRad="12700" stA="28000" endPos="45000" dist="1000" dir="5400000" sy="-100000" algn="bl" rotWithShape="0"/>
                 </a:effectLst>
               </a:rPr>
-              <a:t>&lt;/html&gt;</a:t>
+              <a:t>JS </a:t>
             </a:r>
             <a:r>
               <a:rPr lang="zh-TW" altLang="en-US" b="1" cap="all" dirty="0" smtClean="0">
@@ -5382,7 +5389,7 @@
                   <a:reflection blurRad="12700" stA="28000" endPos="45000" dist="1000" dir="5400000" sy="-100000" algn="bl" rotWithShape="0"/>
                 </a:effectLst>
               </a:rPr>
-              <a:t>後</a:t>
+              <a:t>檔</a:t>
             </a:r>
             <a:endParaRPr lang="en-US" altLang="zh-TW" b="1" cap="all" dirty="0">
               <a:ln w="9000" cmpd="sng">
@@ -5447,7 +5454,7 @@
         </p:spPr>
         <p:txBody>
           <a:bodyPr>
-            <a:normAutofit fontScale="85000" lnSpcReduction="20000"/>
+            <a:normAutofit/>
           </a:bodyPr>
           <a:lstStyle/>
           <a:p>
@@ -5455,282 +5462,54 @@
               <a:buNone/>
             </a:pPr>
             <a:r>
-              <a:rPr lang="en-US" altLang="zh-TW" dirty="0"/>
-              <a:t>&lt;html&gt;</a:t>
-            </a:r>
+              <a:rPr lang="zh-TW" altLang="en-US" dirty="0" smtClean="0"/>
+              <a:t>語法說明</a:t>
+            </a:r>
+            <a:r>
+              <a:rPr lang="en-US" altLang="zh-TW" dirty="0" smtClean="0"/>
+              <a:t>:</a:t>
+            </a:r>
+            <a:r>
+              <a:rPr lang="zh-TW" altLang="en-US" dirty="0" smtClean="0"/>
+              <a:t> </a:t>
+            </a:r>
+            <a:endParaRPr lang="en-US" altLang="zh-TW" dirty="0" smtClean="0"/>
           </a:p>
           <a:p>
             <a:pPr marL="0" indent="0">
               <a:buNone/>
             </a:pPr>
             <a:r>
-              <a:rPr lang="en-US" altLang="zh-TW" dirty="0"/>
-              <a:t>&lt;head&gt;</a:t>
-            </a:r>
+              <a:rPr lang="en-US" altLang="zh-TW" dirty="0" smtClean="0">
+                <a:hlinkClick r:id="rId2"/>
+              </a:rPr>
+              <a:t>https</a:t>
+            </a:r>
+            <a:r>
+              <a:rPr lang="en-US" altLang="zh-TW" dirty="0">
+                <a:hlinkClick r:id="rId2"/>
+              </a:rPr>
+              <a:t>://</a:t>
+            </a:r>
+            <a:r>
+              <a:rPr lang="en-US" altLang="zh-TW" dirty="0" smtClean="0">
+                <a:hlinkClick r:id="rId2"/>
+              </a:rPr>
+              <a:t>www.w3schools.com/tags/att_script_src.asp</a:t>
+            </a:r>
+            <a:endParaRPr lang="en-US" altLang="zh-TW" dirty="0" smtClean="0"/>
           </a:p>
           <a:p>
             <a:pPr marL="0" indent="0">
               <a:buNone/>
             </a:pPr>
-            <a:r>
-              <a:rPr lang="en-US" altLang="zh-TW" dirty="0"/>
-              <a:t>&lt;title&gt;JavaScript</a:t>
-            </a:r>
-            <a:r>
-              <a:rPr lang="zh-TW" altLang="en-US" dirty="0"/>
-              <a:t>的第一個範例</a:t>
-            </a:r>
-            <a:r>
-              <a:rPr lang="en-US" altLang="zh-TW" dirty="0"/>
-              <a:t>&lt;/title</a:t>
-            </a:r>
-            <a:r>
-              <a:rPr lang="en-US" altLang="zh-TW" dirty="0" smtClean="0"/>
-              <a:t>&gt;</a:t>
-            </a:r>
+            <a:endParaRPr lang="en-US" altLang="zh-TW" dirty="0" smtClean="0"/>
           </a:p>
           <a:p>
             <a:pPr marL="0" indent="0">
               <a:buNone/>
             </a:pPr>
-            <a:r>
-              <a:rPr lang="en-US" altLang="zh-TW" dirty="0" smtClean="0"/>
-              <a:t>&lt;</a:t>
-            </a:r>
-            <a:r>
-              <a:rPr lang="en-US" altLang="zh-TW" dirty="0"/>
-              <a:t>body&gt;</a:t>
-            </a:r>
-          </a:p>
-          <a:p>
-            <a:pPr marL="0" indent="0">
-              <a:buNone/>
-            </a:pPr>
-            <a:r>
-              <a:rPr lang="en-US" altLang="zh-TW" dirty="0" smtClean="0"/>
-              <a:t>&lt;/</a:t>
-            </a:r>
-            <a:r>
-              <a:rPr lang="en-US" altLang="zh-TW" dirty="0"/>
-              <a:t>body&gt;</a:t>
-            </a:r>
-          </a:p>
-          <a:p>
-            <a:pPr marL="0" indent="0">
-              <a:buNone/>
-            </a:pPr>
-            <a:r>
-              <a:rPr lang="en-US" altLang="zh-TW" dirty="0"/>
-              <a:t>&lt;/html&gt;</a:t>
-            </a:r>
-          </a:p>
-          <a:p>
-            <a:pPr marL="0" indent="0">
-              <a:buNone/>
-            </a:pPr>
-            <a:r>
-              <a:rPr lang="en-US" altLang="zh-TW" dirty="0">
-                <a:solidFill>
-                  <a:srgbClr val="FF0000"/>
-                </a:solidFill>
-              </a:rPr>
-              <a:t>&lt;script language="JavaScript"&gt;</a:t>
-            </a:r>
-          </a:p>
-          <a:p>
-            <a:pPr marL="0" indent="0">
-              <a:buNone/>
-            </a:pPr>
-            <a:r>
-              <a:rPr lang="en-US" altLang="zh-TW" dirty="0">
-                <a:solidFill>
-                  <a:srgbClr val="FF0000"/>
-                </a:solidFill>
-              </a:rPr>
-              <a:t>&lt;!--</a:t>
-            </a:r>
-          </a:p>
-          <a:p>
-            <a:pPr marL="0" indent="0">
-              <a:buNone/>
-            </a:pPr>
-            <a:r>
-              <a:rPr lang="en-US" altLang="zh-TW" dirty="0" err="1">
-                <a:solidFill>
-                  <a:srgbClr val="FF0000"/>
-                </a:solidFill>
-              </a:rPr>
-              <a:t>document.write</a:t>
-            </a:r>
-            <a:r>
-              <a:rPr lang="en-US" altLang="zh-TW" dirty="0">
-                <a:solidFill>
-                  <a:srgbClr val="FF0000"/>
-                </a:solidFill>
-              </a:rPr>
-              <a:t>("</a:t>
-            </a:r>
-            <a:r>
-              <a:rPr lang="en-US" altLang="zh-TW" dirty="0" err="1">
-                <a:solidFill>
-                  <a:srgbClr val="FF0000"/>
-                </a:solidFill>
-              </a:rPr>
-              <a:t>Hello!JavaScript</a:t>
-            </a:r>
-            <a:r>
-              <a:rPr lang="en-US" altLang="zh-TW" dirty="0">
-                <a:solidFill>
-                  <a:srgbClr val="FF0000"/>
-                </a:solidFill>
-              </a:rPr>
-              <a:t>!");</a:t>
-            </a:r>
-          </a:p>
-          <a:p>
-            <a:pPr marL="0" indent="0">
-              <a:buNone/>
-            </a:pPr>
-            <a:r>
-              <a:rPr lang="en-US" altLang="zh-TW" dirty="0" err="1">
-                <a:solidFill>
-                  <a:srgbClr val="FF0000"/>
-                </a:solidFill>
-              </a:rPr>
-              <a:t>document.write</a:t>
-            </a:r>
-            <a:r>
-              <a:rPr lang="en-US" altLang="zh-TW" dirty="0">
-                <a:solidFill>
-                  <a:srgbClr val="FF0000"/>
-                </a:solidFill>
-              </a:rPr>
-              <a:t>("(</a:t>
-            </a:r>
-            <a:r>
-              <a:rPr lang="zh-TW" altLang="en-US" dirty="0">
-                <a:solidFill>
-                  <a:srgbClr val="FF0000"/>
-                </a:solidFill>
-              </a:rPr>
-              <a:t>這個是放在</a:t>
-            </a:r>
-            <a:r>
-              <a:rPr lang="en-US" altLang="zh-TW" dirty="0">
-                <a:solidFill>
-                  <a:srgbClr val="FF0000"/>
-                </a:solidFill>
-              </a:rPr>
-              <a:t>head</a:t>
-            </a:r>
-            <a:r>
-              <a:rPr lang="zh-TW" altLang="en-US" dirty="0">
-                <a:solidFill>
-                  <a:srgbClr val="FF0000"/>
-                </a:solidFill>
-              </a:rPr>
-              <a:t>的</a:t>
-            </a:r>
-            <a:r>
-              <a:rPr lang="en-US" altLang="zh-TW" dirty="0" err="1">
-                <a:solidFill>
-                  <a:srgbClr val="FF0000"/>
-                </a:solidFill>
-              </a:rPr>
-              <a:t>javascript</a:t>
-            </a:r>
-            <a:r>
-              <a:rPr lang="en-US" altLang="zh-TW" dirty="0">
-                <a:solidFill>
-                  <a:srgbClr val="FF0000"/>
-                </a:solidFill>
-              </a:rPr>
-              <a:t>)");</a:t>
-            </a:r>
-          </a:p>
-          <a:p>
-            <a:pPr marL="0" indent="0">
-              <a:buNone/>
-            </a:pPr>
-            <a:r>
-              <a:rPr lang="en-US" altLang="zh-TW" dirty="0" err="1">
-                <a:solidFill>
-                  <a:srgbClr val="FF0000"/>
-                </a:solidFill>
-              </a:rPr>
-              <a:t>document.write</a:t>
-            </a:r>
-            <a:r>
-              <a:rPr lang="en-US" altLang="zh-TW" dirty="0">
-                <a:solidFill>
-                  <a:srgbClr val="FF0000"/>
-                </a:solidFill>
-              </a:rPr>
-              <a:t>("&lt;</a:t>
-            </a:r>
-            <a:r>
-              <a:rPr lang="en-US" altLang="zh-TW" dirty="0" err="1">
-                <a:solidFill>
-                  <a:srgbClr val="FF0000"/>
-                </a:solidFill>
-              </a:rPr>
-              <a:t>br</a:t>
-            </a:r>
-            <a:r>
-              <a:rPr lang="en-US" altLang="zh-TW" dirty="0">
-                <a:solidFill>
-                  <a:srgbClr val="FF0000"/>
-                </a:solidFill>
-              </a:rPr>
-              <a:t>/&gt;");//</a:t>
-            </a:r>
-            <a:r>
-              <a:rPr lang="zh-TW" altLang="en-US" dirty="0">
-                <a:solidFill>
-                  <a:srgbClr val="FF0000"/>
-                </a:solidFill>
-              </a:rPr>
-              <a:t>換行</a:t>
-            </a:r>
-            <a:r>
-              <a:rPr lang="en-US" altLang="zh-TW" dirty="0">
-                <a:solidFill>
-                  <a:srgbClr val="FF0000"/>
-                </a:solidFill>
-              </a:rPr>
-              <a:t>//--&gt;</a:t>
-            </a:r>
-          </a:p>
-          <a:p>
-            <a:pPr marL="0" indent="0">
-              <a:buNone/>
-            </a:pPr>
-            <a:r>
-              <a:rPr lang="en-US" altLang="zh-TW" dirty="0" smtClean="0">
-                <a:solidFill>
-                  <a:srgbClr val="FF0000"/>
-                </a:solidFill>
-              </a:rPr>
-              <a:t>//--&gt;</a:t>
-            </a:r>
-            <a:endParaRPr lang="en-US" altLang="zh-TW" dirty="0">
-              <a:solidFill>
-                <a:srgbClr val="FF0000"/>
-              </a:solidFill>
-            </a:endParaRPr>
-          </a:p>
-          <a:p>
-            <a:pPr marL="0" indent="0">
-              <a:buNone/>
-            </a:pPr>
-            <a:r>
-              <a:rPr lang="en-US" altLang="zh-TW" dirty="0">
-                <a:solidFill>
-                  <a:srgbClr val="FF0000"/>
-                </a:solidFill>
-              </a:rPr>
-              <a:t>&lt;/script&gt;</a:t>
-            </a:r>
+            <a:endParaRPr lang="en-US" altLang="zh-TW" dirty="0" smtClean="0"/>
           </a:p>
         </p:txBody>
       </p:sp>
@@ -5760,7 +5539,7 @@
     </p:spTree>
     <p:extLst>
       <p:ext uri="{BB962C8B-B14F-4D97-AF65-F5344CB8AC3E}">
-        <p14:creationId xmlns:p14="http://schemas.microsoft.com/office/powerpoint/2010/main" val="3083143412"/>
+        <p14:creationId xmlns:p14="http://schemas.microsoft.com/office/powerpoint/2010/main" val="2692066158"/>
       </p:ext>
     </p:extLst>
   </p:cSld>
@@ -5817,6 +5596,96 @@
           <a:lstStyle/>
           <a:p>
             <a:r>
+              <a:rPr lang="en-US" altLang="zh-TW" b="1" cap="all" dirty="0" err="1" smtClean="0">
+                <a:ln w="9000" cmpd="sng">
+                  <a:solidFill>
+                    <a:schemeClr val="accent4">
+                      <a:shade val="50000"/>
+                      <a:satMod val="120000"/>
+                    </a:schemeClr>
+                  </a:solidFill>
+                  <a:prstDash val="solid"/>
+                </a:ln>
+                <a:gradFill>
+                  <a:gsLst>
+                    <a:gs pos="0">
+                      <a:schemeClr val="accent4">
+                        <a:shade val="20000"/>
+                        <a:satMod val="245000"/>
+                      </a:schemeClr>
+                    </a:gs>
+                    <a:gs pos="43000">
+                      <a:schemeClr val="accent4">
+                        <a:satMod val="255000"/>
+                      </a:schemeClr>
+                    </a:gs>
+                    <a:gs pos="48000">
+                      <a:schemeClr val="accent4">
+                        <a:shade val="85000"/>
+                        <a:satMod val="255000"/>
+                      </a:schemeClr>
+                    </a:gs>
+                    <a:gs pos="100000">
+                      <a:schemeClr val="accent4">
+                        <a:shade val="20000"/>
+                        <a:satMod val="245000"/>
+                      </a:schemeClr>
+                    </a:gs>
+                  </a:gsLst>
+                  <a:lin ang="5400000"/>
+                </a:gradFill>
+                <a:effectLst>
+                  <a:reflection blurRad="12700" stA="28000" endPos="45000" dist="1000" dir="5400000" sy="-100000" algn="bl" rotWithShape="0"/>
+                </a:effectLst>
+              </a:rPr>
+              <a:t>JS</a:t>
+            </a:r>
+            <a:r>
+              <a:rPr lang="en-US" altLang="zh-TW" b="1" cap="all" dirty="0" smtClean="0">
+                <a:ln w="9000" cmpd="sng">
+                  <a:solidFill>
+                    <a:schemeClr val="accent4">
+                      <a:shade val="50000"/>
+                      <a:satMod val="120000"/>
+                    </a:schemeClr>
+                  </a:solidFill>
+                  <a:prstDash val="solid"/>
+                </a:ln>
+                <a:gradFill>
+                  <a:gsLst>
+                    <a:gs pos="0">
+                      <a:schemeClr val="accent4">
+                        <a:shade val="20000"/>
+                        <a:satMod val="245000"/>
+                      </a:schemeClr>
+                    </a:gs>
+                    <a:gs pos="43000">
+                      <a:schemeClr val="accent4">
+                        <a:satMod val="255000"/>
+                      </a:schemeClr>
+                    </a:gs>
+                    <a:gs pos="48000">
+                      <a:schemeClr val="accent4">
+                        <a:shade val="85000"/>
+                        <a:satMod val="255000"/>
+                      </a:schemeClr>
+                    </a:gs>
+                    <a:gs pos="100000">
+                      <a:schemeClr val="accent4">
+                        <a:shade val="20000"/>
+                        <a:satMod val="245000"/>
+                      </a:schemeClr>
+                    </a:gs>
+                  </a:gsLst>
+                  <a:lin ang="5400000"/>
+                </a:gradFill>
+                <a:effectLst>
+                  <a:reflection blurRad="12700" stA="28000" endPos="45000" dist="1000" dir="5400000" sy="-100000" algn="bl" rotWithShape="0"/>
+                </a:effectLst>
+              </a:rPr>
+              <a:t> </a:t>
+            </a:r>
+            <a:r>
               <a:rPr lang="zh-TW" altLang="en-US" b="1" cap="all" dirty="0" smtClean="0">
                 <a:ln w="9000" cmpd="sng">
                   <a:solidFill>
@@ -5859,277 +5728,7 @@
                   <a:reflection blurRad="12700" stA="28000" endPos="45000" dist="1000" dir="5400000" sy="-100000" algn="bl" rotWithShape="0"/>
                 </a:effectLst>
               </a:rPr>
-              <a:t>範例</a:t>
-            </a:r>
-            <a:r>
-              <a:rPr lang="en-US" altLang="zh-TW" b="1" cap="all" dirty="0" smtClean="0">
-                <a:ln w="9000" cmpd="sng">
-                  <a:solidFill>
-                    <a:schemeClr val="accent4">
-                      <a:shade val="50000"/>
-                      <a:satMod val="120000"/>
-                    </a:schemeClr>
-                  </a:solidFill>
-                  <a:prstDash val="solid"/>
-                </a:ln>
-                <a:gradFill>
-                  <a:gsLst>
-                    <a:gs pos="0">
-                      <a:schemeClr val="accent4">
-                        <a:shade val="20000"/>
-                        <a:satMod val="245000"/>
-                      </a:schemeClr>
-                    </a:gs>
-                    <a:gs pos="43000">
-                      <a:schemeClr val="accent4">
-                        <a:satMod val="255000"/>
-                      </a:schemeClr>
-                    </a:gs>
-                    <a:gs pos="48000">
-                      <a:schemeClr val="accent4">
-                        <a:shade val="85000"/>
-                        <a:satMod val="255000"/>
-                      </a:schemeClr>
-                    </a:gs>
-                    <a:gs pos="100000">
-                      <a:schemeClr val="accent4">
-                        <a:shade val="20000"/>
-                        <a:satMod val="245000"/>
-                      </a:schemeClr>
-                    </a:gs>
-                  </a:gsLst>
-                  <a:lin ang="5400000"/>
-                </a:gradFill>
-                <a:effectLst>
-                  <a:reflection blurRad="12700" stA="28000" endPos="45000" dist="1000" dir="5400000" sy="-100000" algn="bl" rotWithShape="0"/>
-                </a:effectLst>
-              </a:rPr>
-              <a:t>(</a:t>
-            </a:r>
-            <a:r>
-              <a:rPr lang="zh-TW" altLang="en-US" b="1" cap="all" dirty="0" smtClean="0">
-                <a:ln w="9000" cmpd="sng">
-                  <a:solidFill>
-                    <a:schemeClr val="accent4">
-                      <a:shade val="50000"/>
-                      <a:satMod val="120000"/>
-                    </a:schemeClr>
-                  </a:solidFill>
-                  <a:prstDash val="solid"/>
-                </a:ln>
-                <a:gradFill>
-                  <a:gsLst>
-                    <a:gs pos="0">
-                      <a:schemeClr val="accent4">
-                        <a:shade val="20000"/>
-                        <a:satMod val="245000"/>
-                      </a:schemeClr>
-                    </a:gs>
-                    <a:gs pos="43000">
-                      <a:schemeClr val="accent4">
-                        <a:satMod val="255000"/>
-                      </a:schemeClr>
-                    </a:gs>
-                    <a:gs pos="48000">
-                      <a:schemeClr val="accent4">
-                        <a:shade val="85000"/>
-                        <a:satMod val="255000"/>
-                      </a:schemeClr>
-                    </a:gs>
-                    <a:gs pos="100000">
-                      <a:schemeClr val="accent4">
-                        <a:shade val="20000"/>
-                        <a:satMod val="245000"/>
-                      </a:schemeClr>
-                    </a:gs>
-                  </a:gsLst>
-                  <a:lin ang="5400000"/>
-                </a:gradFill>
-                <a:effectLst>
-                  <a:reflection blurRad="12700" stA="28000" endPos="45000" dist="1000" dir="5400000" sy="-100000" algn="bl" rotWithShape="0"/>
-                </a:effectLst>
-              </a:rPr>
-              <a:t>四</a:t>
-            </a:r>
-            <a:r>
-              <a:rPr lang="en-US" altLang="zh-TW" b="1" cap="all" dirty="0" smtClean="0">
-                <a:ln w="9000" cmpd="sng">
-                  <a:solidFill>
-                    <a:schemeClr val="accent4">
-                      <a:shade val="50000"/>
-                      <a:satMod val="120000"/>
-                    </a:schemeClr>
-                  </a:solidFill>
-                  <a:prstDash val="solid"/>
-                </a:ln>
-                <a:gradFill>
-                  <a:gsLst>
-                    <a:gs pos="0">
-                      <a:schemeClr val="accent4">
-                        <a:shade val="20000"/>
-                        <a:satMod val="245000"/>
-                      </a:schemeClr>
-                    </a:gs>
-                    <a:gs pos="43000">
-                      <a:schemeClr val="accent4">
-                        <a:satMod val="255000"/>
-                      </a:schemeClr>
-                    </a:gs>
-                    <a:gs pos="48000">
-                      <a:schemeClr val="accent4">
-                        <a:shade val="85000"/>
-                        <a:satMod val="255000"/>
-                      </a:schemeClr>
-                    </a:gs>
-                    <a:gs pos="100000">
-                      <a:schemeClr val="accent4">
-                        <a:shade val="20000"/>
-                        <a:satMod val="245000"/>
-                      </a:schemeClr>
-                    </a:gs>
-                  </a:gsLst>
-                  <a:lin ang="5400000"/>
-                </a:gradFill>
-                <a:effectLst>
-                  <a:reflection blurRad="12700" stA="28000" endPos="45000" dist="1000" dir="5400000" sy="-100000" algn="bl" rotWithShape="0"/>
-                </a:effectLst>
-              </a:rPr>
-              <a:t>): </a:t>
-            </a:r>
-            <a:r>
-              <a:rPr lang="zh-TW" altLang="en-US" b="1" cap="all" dirty="0" smtClean="0">
-                <a:ln w="9000" cmpd="sng">
-                  <a:solidFill>
-                    <a:schemeClr val="accent4">
-                      <a:shade val="50000"/>
-                      <a:satMod val="120000"/>
-                    </a:schemeClr>
-                  </a:solidFill>
-                  <a:prstDash val="solid"/>
-                </a:ln>
-                <a:gradFill>
-                  <a:gsLst>
-                    <a:gs pos="0">
-                      <a:schemeClr val="accent4">
-                        <a:shade val="20000"/>
-                        <a:satMod val="245000"/>
-                      </a:schemeClr>
-                    </a:gs>
-                    <a:gs pos="43000">
-                      <a:schemeClr val="accent4">
-                        <a:satMod val="255000"/>
-                      </a:schemeClr>
-                    </a:gs>
-                    <a:gs pos="48000">
-                      <a:schemeClr val="accent4">
-                        <a:shade val="85000"/>
-                        <a:satMod val="255000"/>
-                      </a:schemeClr>
-                    </a:gs>
-                    <a:gs pos="100000">
-                      <a:schemeClr val="accent4">
-                        <a:shade val="20000"/>
-                        <a:satMod val="245000"/>
-                      </a:schemeClr>
-                    </a:gs>
-                  </a:gsLst>
-                  <a:lin ang="5400000"/>
-                </a:gradFill>
-                <a:effectLst>
-                  <a:reflection blurRad="12700" stA="28000" endPos="45000" dist="1000" dir="5400000" sy="-100000" algn="bl" rotWithShape="0"/>
-                </a:effectLst>
-              </a:rPr>
-              <a:t>使用外部 </a:t>
-            </a:r>
-            <a:r>
-              <a:rPr lang="en-US" altLang="zh-TW" b="1" cap="all" dirty="0" smtClean="0">
-                <a:ln w="9000" cmpd="sng">
-                  <a:solidFill>
-                    <a:schemeClr val="accent4">
-                      <a:shade val="50000"/>
-                      <a:satMod val="120000"/>
-                    </a:schemeClr>
-                  </a:solidFill>
-                  <a:prstDash val="solid"/>
-                </a:ln>
-                <a:gradFill>
-                  <a:gsLst>
-                    <a:gs pos="0">
-                      <a:schemeClr val="accent4">
-                        <a:shade val="20000"/>
-                        <a:satMod val="245000"/>
-                      </a:schemeClr>
-                    </a:gs>
-                    <a:gs pos="43000">
-                      <a:schemeClr val="accent4">
-                        <a:satMod val="255000"/>
-                      </a:schemeClr>
-                    </a:gs>
-                    <a:gs pos="48000">
-                      <a:schemeClr val="accent4">
-                        <a:shade val="85000"/>
-                        <a:satMod val="255000"/>
-                      </a:schemeClr>
-                    </a:gs>
-                    <a:gs pos="100000">
-                      <a:schemeClr val="accent4">
-                        <a:shade val="20000"/>
-                        <a:satMod val="245000"/>
-                      </a:schemeClr>
-                    </a:gs>
-                  </a:gsLst>
-                  <a:lin ang="5400000"/>
-                </a:gradFill>
-                <a:effectLst>
-                  <a:reflection blurRad="12700" stA="28000" endPos="45000" dist="1000" dir="5400000" sy="-100000" algn="bl" rotWithShape="0"/>
-                </a:effectLst>
-              </a:rPr>
-              <a:t>JS </a:t>
-            </a:r>
-            <a:r>
-              <a:rPr lang="zh-TW" altLang="en-US" b="1" cap="all" dirty="0" smtClean="0">
-                <a:ln w="9000" cmpd="sng">
-                  <a:solidFill>
-                    <a:schemeClr val="accent4">
-                      <a:shade val="50000"/>
-                      <a:satMod val="120000"/>
-                    </a:schemeClr>
-                  </a:solidFill>
-                  <a:prstDash val="solid"/>
-                </a:ln>
-                <a:gradFill>
-                  <a:gsLst>
-                    <a:gs pos="0">
-                      <a:schemeClr val="accent4">
-                        <a:shade val="20000"/>
-                        <a:satMod val="245000"/>
-                      </a:schemeClr>
-                    </a:gs>
-                    <a:gs pos="43000">
-                      <a:schemeClr val="accent4">
-                        <a:satMod val="255000"/>
-                      </a:schemeClr>
-                    </a:gs>
-                    <a:gs pos="48000">
-                      <a:schemeClr val="accent4">
-                        <a:shade val="85000"/>
-                        <a:satMod val="255000"/>
-                      </a:schemeClr>
-                    </a:gs>
-                    <a:gs pos="100000">
-                      <a:schemeClr val="accent4">
-                        <a:shade val="20000"/>
-                        <a:satMod val="245000"/>
-                      </a:schemeClr>
-                    </a:gs>
-                  </a:gsLst>
-                  <a:lin ang="5400000"/>
-                </a:gradFill>
-                <a:effectLst>
-                  <a:reflection blurRad="12700" stA="28000" endPos="45000" dist="1000" dir="5400000" sy="-100000" algn="bl" rotWithShape="0"/>
-                </a:effectLst>
-              </a:rPr>
-              <a:t>檔</a:t>
+              <a:t>程式放置位置注意事項</a:t>
             </a:r>
             <a:endParaRPr lang="en-US" altLang="zh-TW" b="1" cap="all" dirty="0">
               <a:ln w="9000" cmpd="sng">
@@ -6188,68 +5787,225 @@
         </p:nvSpPr>
         <p:spPr>
           <a:xfrm>
-            <a:off x="457200" y="1196752"/>
-            <a:ext cx="8229600" cy="5661248"/>
+            <a:off x="457200" y="1700808"/>
+            <a:ext cx="8229600" cy="5157192"/>
           </a:xfrm>
         </p:spPr>
         <p:txBody>
           <a:bodyPr>
-            <a:normAutofit/>
+            <a:normAutofit fontScale="92500" lnSpcReduction="20000"/>
           </a:bodyPr>
           <a:lstStyle/>
           <a:p>
-            <a:pPr marL="0" indent="0">
-              <a:buNone/>
-            </a:pPr>
-            <a:r>
-              <a:rPr lang="zh-TW" altLang="en-US" dirty="0" smtClean="0"/>
-              <a:t>語法說明</a:t>
-            </a:r>
-            <a:r>
-              <a:rPr lang="en-US" altLang="zh-TW" dirty="0" smtClean="0"/>
-              <a:t>:</a:t>
-            </a:r>
-            <a:r>
-              <a:rPr lang="zh-TW" altLang="en-US" dirty="0" smtClean="0"/>
+            <a:r>
+              <a:rPr lang="zh-TW" altLang="en-US" dirty="0" smtClean="0">
+                <a:latin typeface="+mn-ea"/>
+              </a:rPr>
+              <a:t>載入時，循序解析與執行</a:t>
+            </a:r>
+            <a:endParaRPr lang="en-US" altLang="zh-TW" dirty="0" smtClean="0">
+              <a:latin typeface="+mn-ea"/>
+            </a:endParaRPr>
+          </a:p>
+          <a:p>
+            <a:pPr lvl="1"/>
+            <a:r>
+              <a:rPr lang="zh-TW" altLang="en-US" dirty="0" smtClean="0">
+                <a:latin typeface="+mn-ea"/>
+              </a:rPr>
+              <a:t>將 </a:t>
+            </a:r>
+            <a:r>
+              <a:rPr lang="en-US" altLang="zh-TW" dirty="0" err="1" smtClean="0">
+                <a:latin typeface="+mn-ea"/>
+              </a:rPr>
+              <a:t>document.write</a:t>
+            </a:r>
+            <a:r>
+              <a:rPr lang="en-US" altLang="zh-TW" dirty="0" smtClean="0">
+                <a:latin typeface="+mn-ea"/>
+              </a:rPr>
               <a:t> </a:t>
             </a:r>
-            <a:endParaRPr lang="en-US" altLang="zh-TW" dirty="0" smtClean="0"/>
-          </a:p>
-          <a:p>
-            <a:pPr marL="0" indent="0">
-              <a:buNone/>
-            </a:pPr>
+            <a:r>
+              <a:rPr lang="zh-TW" altLang="en-US" dirty="0" smtClean="0">
+                <a:latin typeface="+mn-ea"/>
+              </a:rPr>
+              <a:t>指令放在 </a:t>
+            </a:r>
             <a:r>
               <a:rPr lang="en-US" altLang="zh-TW" dirty="0" smtClean="0">
-                <a:hlinkClick r:id="rId2"/>
-              </a:rPr>
-              <a:t>https</a:t>
+                <a:latin typeface="+mn-ea"/>
+              </a:rPr>
+              <a:t>HTML</a:t>
+            </a:r>
+            <a:r>
+              <a:rPr lang="zh-TW" altLang="en-US" dirty="0" smtClean="0">
+                <a:latin typeface="+mn-ea"/>
+              </a:rPr>
+              <a:t> 網頁不同位置，看看其執行的效果</a:t>
+            </a:r>
+            <a:endParaRPr lang="en-US" altLang="zh-TW" dirty="0" smtClean="0">
+              <a:latin typeface="+mn-ea"/>
+            </a:endParaRPr>
+          </a:p>
+          <a:p>
+            <a:pPr lvl="1"/>
+            <a:r>
+              <a:rPr lang="en-US" altLang="zh-TW" dirty="0" smtClean="0">
+                <a:latin typeface="+mn-ea"/>
+              </a:rPr>
+              <a:t>HTML and </a:t>
+            </a:r>
+            <a:r>
+              <a:rPr lang="en-US" altLang="zh-TW" dirty="0" err="1" smtClean="0">
+                <a:latin typeface="+mn-ea"/>
+              </a:rPr>
+              <a:t>JS</a:t>
+            </a:r>
+            <a:r>
+              <a:rPr lang="en-US" altLang="zh-TW" dirty="0" smtClean="0">
+                <a:latin typeface="+mn-ea"/>
+              </a:rPr>
+              <a:t> </a:t>
+            </a:r>
+            <a:r>
+              <a:rPr lang="zh-TW" altLang="en-US" dirty="0" smtClean="0">
+                <a:latin typeface="+mn-ea"/>
+              </a:rPr>
+              <a:t>是循序讀取執行，瀏覽器開啟網頁時，若 </a:t>
+            </a:r>
+            <a:r>
+              <a:rPr lang="en-US" altLang="zh-TW" dirty="0" err="1" smtClean="0">
+                <a:latin typeface="+mn-ea"/>
+              </a:rPr>
+              <a:t>document.getelementbyid</a:t>
+            </a:r>
+            <a:r>
+              <a:rPr lang="en-US" altLang="zh-TW" dirty="0" smtClean="0">
+                <a:latin typeface="+mn-ea"/>
+              </a:rPr>
+              <a:t>(</a:t>
+            </a:r>
+            <a:r>
+              <a:rPr lang="en-US" altLang="zh-TW" dirty="0" err="1" smtClean="0">
+                <a:latin typeface="+mn-ea"/>
+              </a:rPr>
+              <a:t>tagID</a:t>
+            </a:r>
+            <a:r>
+              <a:rPr lang="en-US" altLang="zh-TW" dirty="0" smtClean="0">
+                <a:latin typeface="+mn-ea"/>
+              </a:rPr>
+              <a:t>)</a:t>
+            </a:r>
+            <a:r>
+              <a:rPr lang="zh-TW" altLang="en-US" dirty="0" smtClean="0">
+                <a:latin typeface="+mn-ea"/>
+              </a:rPr>
+              <a:t> 寫在 </a:t>
+            </a:r>
+            <a:r>
+              <a:rPr lang="en-US" altLang="zh-TW" dirty="0" smtClean="0">
+                <a:latin typeface="+mn-ea"/>
+              </a:rPr>
+              <a:t>HTML</a:t>
+            </a:r>
+            <a:r>
+              <a:rPr lang="zh-TW" altLang="en-US" dirty="0" smtClean="0">
+                <a:latin typeface="+mn-ea"/>
+              </a:rPr>
+              <a:t> 標籤之前，會發生找不到標籤的錯誤</a:t>
+            </a:r>
+            <a:endParaRPr lang="en-US" altLang="zh-TW" dirty="0" smtClean="0">
+              <a:latin typeface="+mn-ea"/>
+            </a:endParaRPr>
+          </a:p>
+          <a:p>
+            <a:r>
+              <a:rPr lang="zh-TW" altLang="en-US" dirty="0">
+                <a:latin typeface="+mn-ea"/>
+              </a:rPr>
+              <a:t>事件</a:t>
+            </a:r>
+            <a:r>
+              <a:rPr lang="zh-TW" altLang="en-US" dirty="0" smtClean="0">
+                <a:latin typeface="+mn-ea"/>
+              </a:rPr>
+              <a:t>觸發函式，改變 </a:t>
+            </a:r>
+            <a:r>
+              <a:rPr lang="en-US" altLang="zh-TW" dirty="0" smtClean="0">
+                <a:latin typeface="+mn-ea"/>
+              </a:rPr>
+              <a:t>HTML</a:t>
+            </a:r>
+            <a:r>
+              <a:rPr lang="zh-TW" altLang="en-US" dirty="0" smtClean="0">
+                <a:latin typeface="+mn-ea"/>
+              </a:rPr>
+              <a:t> 內容</a:t>
+            </a:r>
+            <a:endParaRPr lang="en-US" altLang="zh-TW" dirty="0" smtClean="0">
+              <a:latin typeface="+mn-ea"/>
+            </a:endParaRPr>
+          </a:p>
+          <a:p>
+            <a:pPr lvl="1"/>
+            <a:r>
+              <a:rPr lang="zh-TW" altLang="en-US" dirty="0" smtClean="0">
+                <a:latin typeface="+mn-ea"/>
+              </a:rPr>
+              <a:t>不要用 </a:t>
+            </a:r>
+            <a:r>
+              <a:rPr lang="en-US" altLang="zh-TW" dirty="0" err="1" smtClean="0">
+                <a:latin typeface="+mn-ea"/>
+              </a:rPr>
+              <a:t>document.write</a:t>
+            </a:r>
+            <a:r>
+              <a:rPr lang="en-US" altLang="zh-TW" dirty="0" smtClean="0">
+                <a:latin typeface="+mn-ea"/>
+              </a:rPr>
+              <a:t>!</a:t>
+            </a:r>
+          </a:p>
+          <a:p>
+            <a:pPr lvl="1"/>
+            <a:r>
+              <a:rPr lang="en-US" altLang="zh-TW" dirty="0" err="1">
+                <a:latin typeface="+mn-ea"/>
+              </a:rPr>
+              <a:t>document.getelementbyid</a:t>
             </a:r>
             <a:r>
               <a:rPr lang="en-US" altLang="zh-TW" dirty="0">
-                <a:hlinkClick r:id="rId2"/>
-              </a:rPr>
-              <a:t>://</a:t>
+                <a:latin typeface="+mn-ea"/>
+              </a:rPr>
+              <a:t>(</a:t>
+            </a:r>
+            <a:r>
+              <a:rPr lang="en-US" altLang="zh-TW" dirty="0" err="1">
+                <a:latin typeface="+mn-ea"/>
+              </a:rPr>
+              <a:t>tagID</a:t>
             </a:r>
             <a:r>
               <a:rPr lang="en-US" altLang="zh-TW" dirty="0" smtClean="0">
-                <a:hlinkClick r:id="rId2"/>
-              </a:rPr>
-              <a:t>www.w3schools.com/tags/att_script_src.asp</a:t>
-            </a:r>
-            <a:endParaRPr lang="en-US" altLang="zh-TW" dirty="0" smtClean="0"/>
-          </a:p>
-          <a:p>
-            <a:pPr marL="0" indent="0">
-              <a:buNone/>
-            </a:pPr>
-            <a:endParaRPr lang="en-US" altLang="zh-TW" dirty="0" smtClean="0"/>
-          </a:p>
-          <a:p>
-            <a:pPr marL="0" indent="0">
-              <a:buNone/>
-            </a:pPr>
-            <a:endParaRPr lang="en-US" altLang="zh-TW" dirty="0" smtClean="0"/>
+                <a:latin typeface="+mn-ea"/>
+              </a:rPr>
+              <a:t>).</a:t>
+            </a:r>
+            <a:r>
+              <a:rPr lang="en-US" altLang="zh-TW" dirty="0" err="1" smtClean="0">
+                <a:latin typeface="+mn-ea"/>
+              </a:rPr>
+              <a:t>innerHTML</a:t>
+            </a:r>
+            <a:endParaRPr lang="en-US" altLang="zh-TW" dirty="0">
+              <a:latin typeface="+mn-ea"/>
+            </a:endParaRPr>
           </a:p>
         </p:txBody>
       </p:sp>
@@ -6279,7 +6035,7 @@
     </p:spTree>
     <p:extLst>
       <p:ext uri="{BB962C8B-B14F-4D97-AF65-F5344CB8AC3E}">
-        <p14:creationId xmlns:p14="http://schemas.microsoft.com/office/powerpoint/2010/main" val="2692066158"/>
+        <p14:creationId xmlns:p14="http://schemas.microsoft.com/office/powerpoint/2010/main" val="3566938268"/>
       </p:ext>
     </p:extLst>
   </p:cSld>
@@ -6296,7 +6052,7 @@
 </p:sld>
 </file>
 
-<file path=ppt/slides/slide14.xml><?xml version="1.0" encoding="utf-8"?>
+<file path=ppt/slides/slide2.xml><?xml version="1.0" encoding="utf-8"?>
 <p:sld xmlns:a="http://schemas.openxmlformats.org/drawingml/2006/main" xmlns:r="http://schemas.openxmlformats.org/officeDocument/2006/relationships" xmlns:p="http://schemas.openxmlformats.org/presentationml/2006/main">
   <p:cSld>
     <p:spTree>
@@ -6323,12 +6079,7 @@
             <p:ph type="title"/>
           </p:nvPr>
         </p:nvSpPr>
-        <p:spPr>
-          <a:xfrm>
-            <a:off x="467544" y="260648"/>
-            <a:ext cx="8229600" cy="1143000"/>
-          </a:xfrm>
-        </p:spPr>
+        <p:spPr/>
         <p:txBody>
           <a:bodyPr>
             <a:normAutofit/>
@@ -6336,7 +6087,7 @@
           <a:lstStyle/>
           <a:p>
             <a:r>
-              <a:rPr lang="en-US" altLang="zh-TW" b="1" cap="all" dirty="0" err="1" smtClean="0">
+              <a:rPr lang="en-US" altLang="zh-TW" b="1" cap="all" dirty="0">
                 <a:ln w="9000" cmpd="sng">
                   <a:solidFill>
                     <a:schemeClr val="accent4">
@@ -6378,10 +6129,10 @@
                   <a:reflection blurRad="12700" stA="28000" endPos="45000" dist="1000" dir="5400000" sy="-100000" algn="bl" rotWithShape="0"/>
                 </a:effectLst>
               </a:rPr>
-              <a:t>JS</a:t>
-            </a:r>
-            <a:r>
-              <a:rPr lang="en-US" altLang="zh-TW" b="1" cap="all" dirty="0" smtClean="0">
+              <a:t>HTML</a:t>
+            </a:r>
+            <a:r>
+              <a:rPr lang="zh-TW" altLang="en-US" b="1" cap="all" dirty="0">
                 <a:ln w="9000" cmpd="sng">
                   <a:solidFill>
                     <a:schemeClr val="accent4">
@@ -6423,7 +6174,7 @@
                   <a:reflection blurRad="12700" stA="28000" endPos="45000" dist="1000" dir="5400000" sy="-100000" algn="bl" rotWithShape="0"/>
                 </a:effectLst>
               </a:rPr>
-              <a:t> </a:t>
+              <a:t>語法基本</a:t>
             </a:r>
             <a:r>
               <a:rPr lang="zh-TW" altLang="en-US" b="1" cap="all" dirty="0" smtClean="0">
@@ -6468,7 +6219,7 @@
                   <a:reflection blurRad="12700" stA="28000" endPos="45000" dist="1000" dir="5400000" sy="-100000" algn="bl" rotWithShape="0"/>
                 </a:effectLst>
               </a:rPr>
-              <a:t>程式放置位置注意事項</a:t>
+              <a:t>架構</a:t>
             </a:r>
             <a:endParaRPr lang="en-US" altLang="zh-TW" b="1" cap="all" dirty="0">
               <a:ln w="9000" cmpd="sng">
@@ -6527,224 +6278,178 @@
         </p:nvSpPr>
         <p:spPr>
           <a:xfrm>
-            <a:off x="457200" y="1700808"/>
-            <a:ext cx="8229600" cy="5157192"/>
+            <a:off x="457200" y="1600200"/>
+            <a:ext cx="8229600" cy="4925144"/>
           </a:xfrm>
         </p:spPr>
         <p:txBody>
           <a:bodyPr>
-            <a:normAutofit fontScale="92500" lnSpcReduction="20000"/>
+            <a:normAutofit fontScale="85000" lnSpcReduction="20000"/>
           </a:bodyPr>
           <a:lstStyle/>
           <a:p>
+            <a:pPr marL="0" indent="0">
+              <a:buNone/>
+            </a:pPr>
+            <a:r>
+              <a:rPr lang="en-US" altLang="zh-TW" sz="3800" dirty="0"/>
+              <a:t>&lt;html&gt;</a:t>
+            </a:r>
+            <a:br>
+              <a:rPr lang="en-US" altLang="zh-TW" sz="3800" dirty="0"/>
+            </a:br>
+            <a:r>
+              <a:rPr lang="en-US" altLang="zh-TW" sz="3800" dirty="0"/>
+              <a:t>&lt;head&gt;</a:t>
+            </a:r>
+            <a:br>
+              <a:rPr lang="en-US" altLang="zh-TW" sz="3800" dirty="0"/>
+            </a:br>
+            <a:r>
+              <a:rPr lang="en-US" altLang="zh-TW" sz="3800" dirty="0"/>
+              <a:t>&lt;title&gt;</a:t>
+            </a:r>
+            <a:r>
+              <a:rPr lang="zh-TW" altLang="en-US" sz="3800" dirty="0"/>
+              <a:t>網頁標題</a:t>
+            </a:r>
+            <a:r>
+              <a:rPr lang="en-US" altLang="zh-TW" sz="3800" dirty="0"/>
+              <a:t>&lt;/title&gt;</a:t>
+            </a:r>
+            <a:br>
+              <a:rPr lang="en-US" altLang="zh-TW" sz="3800" dirty="0"/>
+            </a:br>
+            <a:r>
+              <a:rPr lang="en-US" altLang="zh-TW" sz="3800" dirty="0"/>
+              <a:t>&lt;/head&gt;</a:t>
+            </a:r>
+            <a:br>
+              <a:rPr lang="en-US" altLang="zh-TW" sz="3800" dirty="0"/>
+            </a:br>
+            <a:r>
+              <a:rPr lang="en-US" altLang="zh-TW" sz="3800" dirty="0"/>
+              <a:t>&lt;body&gt;</a:t>
+            </a:r>
+            <a:br>
+              <a:rPr lang="en-US" altLang="zh-TW" sz="3800" dirty="0"/>
+            </a:br>
+            <a:r>
+              <a:rPr lang="zh-TW" altLang="en-US" sz="3800" dirty="0"/>
+              <a:t>您所要在瀏覽器顯示的內容</a:t>
+            </a:r>
+            <a:br>
+              <a:rPr lang="zh-TW" altLang="en-US" sz="3800" dirty="0"/>
+            </a:br>
+            <a:r>
+              <a:rPr lang="en-US" altLang="zh-TW" sz="3800" dirty="0"/>
+              <a:t>&lt;/body&gt;</a:t>
+            </a:r>
+            <a:br>
+              <a:rPr lang="en-US" altLang="zh-TW" sz="3800" dirty="0"/>
+            </a:br>
+            <a:r>
+              <a:rPr lang="en-US" altLang="zh-TW" sz="3800" dirty="0"/>
+              <a:t>&lt;/html</a:t>
+            </a:r>
+            <a:r>
+              <a:rPr lang="en-US" altLang="zh-TW" sz="3800" dirty="0" smtClean="0"/>
+              <a:t>&gt;</a:t>
+            </a:r>
+          </a:p>
+          <a:p>
+            <a:pPr marL="0" indent="0">
+              <a:buNone/>
+            </a:pPr>
+            <a:endParaRPr lang="en-US" altLang="zh-TW" dirty="0"/>
+          </a:p>
+          <a:p>
+            <a:pPr marL="0" indent="0">
+              <a:buNone/>
+            </a:pPr>
             <a:r>
               <a:rPr lang="zh-TW" altLang="en-US" dirty="0" smtClean="0">
-                <a:latin typeface="+mn-ea"/>
-              </a:rPr>
-              <a:t>載入時，循序解析與執行</a:t>
+                <a:solidFill>
+                  <a:srgbClr val="FF0000"/>
+                </a:solidFill>
+              </a:rPr>
+              <a:t>*注意</a:t>
+            </a:r>
+            <a:r>
+              <a:rPr lang="en-US" altLang="zh-TW" dirty="0" smtClean="0">
+                <a:solidFill>
+                  <a:srgbClr val="FF0000"/>
+                </a:solidFill>
+              </a:rPr>
+              <a:t>:</a:t>
+            </a:r>
+          </a:p>
+          <a:p>
+            <a:pPr marL="0" indent="0">
+              <a:buNone/>
+            </a:pPr>
+            <a:r>
+              <a:rPr lang="en-US" altLang="zh-TW" dirty="0" smtClean="0">
+                <a:solidFill>
+                  <a:srgbClr val="FF0000"/>
+                </a:solidFill>
+              </a:rPr>
+              <a:t>&lt;&gt;</a:t>
+            </a:r>
+            <a:r>
+              <a:rPr lang="zh-TW" altLang="en-US" dirty="0" smtClean="0">
+                <a:solidFill>
+                  <a:srgbClr val="FF0000"/>
+                </a:solidFill>
+              </a:rPr>
+              <a:t>代表開啟碼，</a:t>
+            </a:r>
+            <a:r>
+              <a:rPr lang="en-US" altLang="zh-TW" dirty="0" smtClean="0">
+                <a:solidFill>
+                  <a:srgbClr val="FF0000"/>
+                </a:solidFill>
+              </a:rPr>
+              <a:t>&lt;/&gt;</a:t>
+            </a:r>
+            <a:r>
+              <a:rPr lang="zh-TW" altLang="en-US" dirty="0" smtClean="0">
+                <a:solidFill>
+                  <a:srgbClr val="FF0000"/>
+                </a:solidFill>
+              </a:rPr>
+              <a:t>代表關閉碼，它們是</a:t>
             </a:r>
             <a:endParaRPr lang="en-US" altLang="zh-TW" dirty="0" smtClean="0">
-              <a:latin typeface="+mn-ea"/>
+              <a:solidFill>
+                <a:srgbClr val="FF0000"/>
+              </a:solidFill>
             </a:endParaRPr>
           </a:p>
           <a:p>
-            <a:pPr lvl="1"/>
+            <a:pPr marL="0" indent="0">
+              <a:buNone/>
+            </a:pPr>
             <a:r>
               <a:rPr lang="zh-TW" altLang="en-US" dirty="0" smtClean="0">
-                <a:latin typeface="+mn-ea"/>
-              </a:rPr>
-              <a:t>將 </a:t>
-            </a:r>
-            <a:r>
-              <a:rPr lang="en-US" altLang="zh-TW" dirty="0" err="1" smtClean="0">
-                <a:latin typeface="+mn-ea"/>
-              </a:rPr>
-              <a:t>document.write</a:t>
+                <a:solidFill>
+                  <a:srgbClr val="FF0000"/>
+                </a:solidFill>
+              </a:rPr>
+              <a:t>對應的，有開啟碼就有關閉碼</a:t>
             </a:r>
             <a:r>
               <a:rPr lang="en-US" altLang="zh-TW" dirty="0" smtClean="0">
-                <a:latin typeface="+mn-ea"/>
-              </a:rPr>
-              <a:t> </a:t>
-            </a:r>
-            <a:r>
-              <a:rPr lang="zh-TW" altLang="en-US" dirty="0" smtClean="0">
-                <a:latin typeface="+mn-ea"/>
-              </a:rPr>
-              <a:t>指令放在 </a:t>
-            </a:r>
-            <a:r>
-              <a:rPr lang="en-US" altLang="zh-TW" dirty="0" smtClean="0">
-                <a:latin typeface="+mn-ea"/>
-              </a:rPr>
-              <a:t>HTML</a:t>
-            </a:r>
-            <a:r>
-              <a:rPr lang="zh-TW" altLang="en-US" dirty="0" smtClean="0">
-                <a:latin typeface="+mn-ea"/>
-              </a:rPr>
-              <a:t> 網頁不同位置，看看其執行的效果</a:t>
-            </a:r>
-            <a:endParaRPr lang="en-US" altLang="zh-TW" dirty="0" smtClean="0">
-              <a:latin typeface="+mn-ea"/>
-            </a:endParaRPr>
-          </a:p>
-          <a:p>
-            <a:pPr lvl="1"/>
-            <a:r>
-              <a:rPr lang="en-US" altLang="zh-TW" dirty="0" smtClean="0">
-                <a:latin typeface="+mn-ea"/>
-              </a:rPr>
-              <a:t>HTML and </a:t>
-            </a:r>
-            <a:r>
-              <a:rPr lang="en-US" altLang="zh-TW" dirty="0" err="1" smtClean="0">
-                <a:latin typeface="+mn-ea"/>
-              </a:rPr>
-              <a:t>JS</a:t>
-            </a:r>
-            <a:r>
-              <a:rPr lang="en-US" altLang="zh-TW" dirty="0" smtClean="0">
-                <a:latin typeface="+mn-ea"/>
-              </a:rPr>
-              <a:t> </a:t>
-            </a:r>
-            <a:r>
-              <a:rPr lang="zh-TW" altLang="en-US" dirty="0" smtClean="0">
-                <a:latin typeface="+mn-ea"/>
-              </a:rPr>
-              <a:t>是循序讀取執行，瀏覽器開啟網頁時，若 </a:t>
-            </a:r>
-            <a:r>
-              <a:rPr lang="en-US" altLang="zh-TW" dirty="0" err="1" smtClean="0">
-                <a:latin typeface="+mn-ea"/>
-              </a:rPr>
-              <a:t>document.getelementbyid</a:t>
-            </a:r>
-            <a:r>
-              <a:rPr lang="en-US" altLang="zh-TW" dirty="0" smtClean="0">
-                <a:latin typeface="+mn-ea"/>
-              </a:rPr>
-              <a:t>(</a:t>
-            </a:r>
-            <a:r>
-              <a:rPr lang="en-US" altLang="zh-TW" dirty="0" err="1" smtClean="0">
-                <a:latin typeface="+mn-ea"/>
-              </a:rPr>
-              <a:t>tagID</a:t>
-            </a:r>
-            <a:r>
-              <a:rPr lang="en-US" altLang="zh-TW" dirty="0" smtClean="0">
-                <a:latin typeface="+mn-ea"/>
-              </a:rPr>
-              <a:t>)</a:t>
-            </a:r>
-            <a:r>
-              <a:rPr lang="zh-TW" altLang="en-US" dirty="0" smtClean="0">
-                <a:latin typeface="+mn-ea"/>
-              </a:rPr>
-              <a:t> 寫在 </a:t>
-            </a:r>
-            <a:r>
-              <a:rPr lang="en-US" altLang="zh-TW" dirty="0" smtClean="0">
-                <a:latin typeface="+mn-ea"/>
-              </a:rPr>
-              <a:t>HTML</a:t>
-            </a:r>
-            <a:r>
-              <a:rPr lang="zh-TW" altLang="en-US" dirty="0" smtClean="0">
-                <a:latin typeface="+mn-ea"/>
-              </a:rPr>
-              <a:t> 標籤之前，會發生找不到標籤的錯誤</a:t>
-            </a:r>
-            <a:endParaRPr lang="en-US" altLang="zh-TW" dirty="0" smtClean="0">
-              <a:latin typeface="+mn-ea"/>
-            </a:endParaRPr>
-          </a:p>
-          <a:p>
-            <a:r>
-              <a:rPr lang="zh-TW" altLang="en-US" dirty="0">
-                <a:latin typeface="+mn-ea"/>
-              </a:rPr>
-              <a:t>事件</a:t>
-            </a:r>
-            <a:r>
-              <a:rPr lang="zh-TW" altLang="en-US" dirty="0" smtClean="0">
-                <a:latin typeface="+mn-ea"/>
-              </a:rPr>
-              <a:t>觸發函式，改變 </a:t>
-            </a:r>
-            <a:r>
-              <a:rPr lang="en-US" altLang="zh-TW" dirty="0" smtClean="0">
-                <a:latin typeface="+mn-ea"/>
-              </a:rPr>
-              <a:t>HTML</a:t>
-            </a:r>
-            <a:r>
-              <a:rPr lang="zh-TW" altLang="en-US" dirty="0" smtClean="0">
-                <a:latin typeface="+mn-ea"/>
-              </a:rPr>
-              <a:t> 內容</a:t>
-            </a:r>
-            <a:endParaRPr lang="en-US" altLang="zh-TW" dirty="0" smtClean="0">
-              <a:latin typeface="+mn-ea"/>
-            </a:endParaRPr>
-          </a:p>
-          <a:p>
-            <a:pPr lvl="1"/>
-            <a:r>
-              <a:rPr lang="zh-TW" altLang="en-US" dirty="0" smtClean="0">
-                <a:latin typeface="+mn-ea"/>
-              </a:rPr>
-              <a:t>不要用 </a:t>
-            </a:r>
-            <a:r>
-              <a:rPr lang="en-US" altLang="zh-TW" dirty="0" err="1" smtClean="0">
-                <a:latin typeface="+mn-ea"/>
-              </a:rPr>
-              <a:t>document.write</a:t>
-            </a:r>
-            <a:r>
-              <a:rPr lang="en-US" altLang="zh-TW" dirty="0" smtClean="0">
-                <a:latin typeface="+mn-ea"/>
+                <a:solidFill>
+                  <a:srgbClr val="FF0000"/>
+                </a:solidFill>
               </a:rPr>
               <a:t>!</a:t>
             </a:r>
-          </a:p>
-          <a:p>
-            <a:pPr lvl="1"/>
-            <a:r>
-              <a:rPr lang="en-US" altLang="zh-TW" dirty="0" err="1">
-                <a:latin typeface="+mn-ea"/>
-              </a:rPr>
-              <a:t>document.getelementbyid</a:t>
-            </a:r>
-            <a:r>
-              <a:rPr lang="en-US" altLang="zh-TW" dirty="0">
-                <a:latin typeface="+mn-ea"/>
-              </a:rPr>
-              <a:t>(</a:t>
-            </a:r>
-            <a:r>
-              <a:rPr lang="en-US" altLang="zh-TW" dirty="0" err="1">
-                <a:latin typeface="+mn-ea"/>
-              </a:rPr>
-              <a:t>tagID</a:t>
-            </a:r>
-            <a:r>
-              <a:rPr lang="en-US" altLang="zh-TW" dirty="0" smtClean="0">
-                <a:latin typeface="+mn-ea"/>
-              </a:rPr>
-              <a:t>).</a:t>
-            </a:r>
-            <a:r>
-              <a:rPr lang="en-US" altLang="zh-TW" dirty="0" err="1" smtClean="0">
-                <a:latin typeface="+mn-ea"/>
-              </a:rPr>
-              <a:t>innerHTML</a:t>
-            </a:r>
             <a:endParaRPr lang="en-US" altLang="zh-TW" dirty="0">
-              <a:latin typeface="+mn-ea"/>
+              <a:solidFill>
+                <a:srgbClr val="FF0000"/>
+              </a:solidFill>
             </a:endParaRPr>
           </a:p>
         </p:txBody>
@@ -6766,7 +6471,7 @@
           <a:p>
             <a:fld id="{FE09579F-7592-4C68-8E0D-304C8D093A2F}" type="slidenum">
               <a:rPr lang="zh-TW" altLang="en-US" smtClean="0"/>
-              <a:t>14</a:t>
+              <a:t>2</a:t>
             </a:fld>
             <a:endParaRPr lang="zh-TW" altLang="en-US"/>
           </a:p>
@@ -6775,7 +6480,7 @@
     </p:spTree>
     <p:extLst>
       <p:ext uri="{BB962C8B-B14F-4D97-AF65-F5344CB8AC3E}">
-        <p14:creationId xmlns:p14="http://schemas.microsoft.com/office/powerpoint/2010/main" val="3566938268"/>
+        <p14:creationId xmlns:p14="http://schemas.microsoft.com/office/powerpoint/2010/main" val="621042899"/>
       </p:ext>
     </p:extLst>
   </p:cSld>
@@ -6792,7 +6497,7 @@
 </p:sld>
 </file>
 
-<file path=ppt/slides/slide2.xml><?xml version="1.0" encoding="utf-8"?>
+<file path=ppt/slides/slide3.xml><?xml version="1.0" encoding="utf-8"?>
 <p:sld xmlns:a="http://schemas.openxmlformats.org/drawingml/2006/main" xmlns:r="http://schemas.openxmlformats.org/officeDocument/2006/relationships" xmlns:p="http://schemas.openxmlformats.org/presentationml/2006/main">
   <p:cSld>
     <p:spTree>
@@ -6869,52 +6574,7 @@
                   <a:reflection blurRad="12700" stA="28000" endPos="45000" dist="1000" dir="5400000" sy="-100000" algn="bl" rotWithShape="0"/>
                 </a:effectLst>
               </a:rPr>
-              <a:t>HTML</a:t>
-            </a:r>
-            <a:r>
-              <a:rPr lang="zh-TW" altLang="en-US" b="1" cap="all" dirty="0">
-                <a:ln w="9000" cmpd="sng">
-                  <a:solidFill>
-                    <a:schemeClr val="accent4">
-                      <a:shade val="50000"/>
-                      <a:satMod val="120000"/>
-                    </a:schemeClr>
-                  </a:solidFill>
-                  <a:prstDash val="solid"/>
-                </a:ln>
-                <a:gradFill>
-                  <a:gsLst>
-                    <a:gs pos="0">
-                      <a:schemeClr val="accent4">
-                        <a:shade val="20000"/>
-                        <a:satMod val="245000"/>
-                      </a:schemeClr>
-                    </a:gs>
-                    <a:gs pos="43000">
-                      <a:schemeClr val="accent4">
-                        <a:satMod val="255000"/>
-                      </a:schemeClr>
-                    </a:gs>
-                    <a:gs pos="48000">
-                      <a:schemeClr val="accent4">
-                        <a:shade val="85000"/>
-                        <a:satMod val="255000"/>
-                      </a:schemeClr>
-                    </a:gs>
-                    <a:gs pos="100000">
-                      <a:schemeClr val="accent4">
-                        <a:shade val="20000"/>
-                        <a:satMod val="245000"/>
-                      </a:schemeClr>
-                    </a:gs>
-                  </a:gsLst>
-                  <a:lin ang="5400000"/>
-                </a:gradFill>
-                <a:effectLst>
-                  <a:reflection blurRad="12700" stA="28000" endPos="45000" dist="1000" dir="5400000" sy="-100000" algn="bl" rotWithShape="0"/>
-                </a:effectLst>
-              </a:rPr>
-              <a:t>語法基本</a:t>
+              <a:t>JavaScript</a:t>
             </a:r>
             <a:r>
               <a:rPr lang="zh-TW" altLang="en-US" b="1" cap="all" dirty="0" smtClean="0">
@@ -6959,7 +6619,7 @@
                   <a:reflection blurRad="12700" stA="28000" endPos="45000" dist="1000" dir="5400000" sy="-100000" algn="bl" rotWithShape="0"/>
                 </a:effectLst>
               </a:rPr>
-              <a:t>架構</a:t>
+              <a:t>的標記</a:t>
             </a:r>
             <a:endParaRPr lang="en-US" altLang="zh-TW" b="1" cap="all" dirty="0">
               <a:ln w="9000" cmpd="sng">
@@ -7024,168 +6684,167 @@
         </p:spPr>
         <p:txBody>
           <a:bodyPr>
-            <a:normAutofit fontScale="85000" lnSpcReduction="20000"/>
+            <a:normAutofit/>
           </a:bodyPr>
           <a:lstStyle/>
           <a:p>
-            <a:pPr marL="0" indent="0">
-              <a:buNone/>
+            <a:pPr>
+              <a:buFont typeface="Wingdings" pitchFamily="2" charset="2"/>
+              <a:buChar char="Ø"/>
             </a:pPr>
             <a:r>
-              <a:rPr lang="en-US" altLang="zh-TW" sz="3800" dirty="0"/>
-              <a:t>&lt;html&gt;</a:t>
-            </a:r>
-            <a:br>
-              <a:rPr lang="en-US" altLang="zh-TW" sz="3800" dirty="0"/>
-            </a:br>
-            <a:r>
-              <a:rPr lang="en-US" altLang="zh-TW" sz="3800" dirty="0"/>
-              <a:t>&lt;head&gt;</a:t>
-            </a:r>
-            <a:br>
-              <a:rPr lang="en-US" altLang="zh-TW" sz="3800" dirty="0"/>
-            </a:br>
-            <a:r>
-              <a:rPr lang="en-US" altLang="zh-TW" sz="3800" dirty="0"/>
-              <a:t>&lt;title&gt;</a:t>
-            </a:r>
-            <a:r>
-              <a:rPr lang="zh-TW" altLang="en-US" sz="3800" dirty="0"/>
-              <a:t>網頁標題</a:t>
-            </a:r>
-            <a:r>
-              <a:rPr lang="en-US" altLang="zh-TW" sz="3800" dirty="0"/>
-              <a:t>&lt;/title&gt;</a:t>
-            </a:r>
-            <a:br>
-              <a:rPr lang="en-US" altLang="zh-TW" sz="3800" dirty="0"/>
-            </a:br>
-            <a:r>
-              <a:rPr lang="en-US" altLang="zh-TW" sz="3800" dirty="0"/>
-              <a:t>&lt;/head&gt;</a:t>
-            </a:r>
-            <a:br>
-              <a:rPr lang="en-US" altLang="zh-TW" sz="3800" dirty="0"/>
-            </a:br>
-            <a:r>
-              <a:rPr lang="en-US" altLang="zh-TW" sz="3800" dirty="0"/>
-              <a:t>&lt;body&gt;</a:t>
-            </a:r>
-            <a:br>
-              <a:rPr lang="en-US" altLang="zh-TW" sz="3800" dirty="0"/>
-            </a:br>
-            <a:r>
-              <a:rPr lang="zh-TW" altLang="en-US" sz="3800" dirty="0"/>
-              <a:t>您所要在瀏覽器顯示的內容</a:t>
-            </a:r>
-            <a:br>
-              <a:rPr lang="zh-TW" altLang="en-US" sz="3800" dirty="0"/>
-            </a:br>
-            <a:r>
-              <a:rPr lang="en-US" altLang="zh-TW" sz="3800" dirty="0"/>
-              <a:t>&lt;/body&gt;</a:t>
-            </a:r>
-            <a:br>
-              <a:rPr lang="en-US" altLang="zh-TW" sz="3800" dirty="0"/>
-            </a:br>
-            <a:r>
-              <a:rPr lang="en-US" altLang="zh-TW" sz="3800" dirty="0"/>
-              <a:t>&lt;/html</a:t>
-            </a:r>
-            <a:r>
-              <a:rPr lang="en-US" altLang="zh-TW" sz="3800" dirty="0" smtClean="0"/>
-              <a:t>&gt;</a:t>
-            </a:r>
-          </a:p>
-          <a:p>
-            <a:pPr marL="0" indent="0">
-              <a:buNone/>
+              <a:rPr lang="en-US" altLang="zh-TW" dirty="0" smtClean="0"/>
+              <a:t>JavaScript </a:t>
+            </a:r>
+            <a:r>
+              <a:rPr lang="zh-TW" altLang="en-US" dirty="0" smtClean="0"/>
+              <a:t>通常包含在</a:t>
+            </a:r>
+            <a:r>
+              <a:rPr lang="zh-TW" altLang="en-US" dirty="0" smtClean="0"/>
+              <a:t> </a:t>
+            </a:r>
+            <a:r>
+              <a:rPr lang="en-US" altLang="zh-TW" dirty="0"/>
+              <a:t>HTML </a:t>
+            </a:r>
+            <a:r>
+              <a:rPr lang="zh-TW" altLang="en-US" dirty="0" smtClean="0"/>
+              <a:t>檔當中</a:t>
+            </a:r>
+            <a:endParaRPr lang="en-US" altLang="zh-TW" dirty="0" smtClean="0"/>
+          </a:p>
+          <a:p>
+            <a:pPr>
+              <a:buFont typeface="Wingdings" pitchFamily="2" charset="2"/>
+              <a:buChar char="Ø"/>
             </a:pPr>
-            <a:endParaRPr lang="en-US" altLang="zh-TW" dirty="0"/>
-          </a:p>
-          <a:p>
-            <a:pPr marL="0" indent="0">
-              <a:buNone/>
+            <a:endParaRPr lang="en-US" altLang="zh-TW" dirty="0" smtClean="0"/>
+          </a:p>
+          <a:p>
+            <a:pPr>
+              <a:buFont typeface="Wingdings" pitchFamily="2" charset="2"/>
+              <a:buChar char="Ø"/>
             </a:pPr>
             <a:r>
-              <a:rPr lang="zh-TW" altLang="en-US" dirty="0" smtClean="0">
+              <a:rPr lang="zh-TW" altLang="en-US" dirty="0" smtClean="0"/>
+              <a:t> </a:t>
+            </a:r>
+            <a:r>
+              <a:rPr lang="zh-TW" altLang="en-US" dirty="0"/>
+              <a:t>所以 </a:t>
+            </a:r>
+            <a:r>
+              <a:rPr lang="en-US" altLang="zh-TW" dirty="0"/>
+              <a:t>Netscape </a:t>
+            </a:r>
+            <a:r>
+              <a:rPr lang="zh-TW" altLang="en-US" dirty="0"/>
+              <a:t>定義了一個 </a:t>
+            </a:r>
+            <a:r>
+              <a:rPr lang="en-US" altLang="zh-TW" b="1" dirty="0"/>
+              <a:t>&lt;script&gt;</a:t>
+            </a:r>
+            <a:r>
+              <a:rPr lang="en-US" altLang="zh-TW" dirty="0"/>
+              <a:t> </a:t>
+            </a:r>
+            <a:r>
+              <a:rPr lang="zh-TW" altLang="en-US" dirty="0" smtClean="0"/>
+              <a:t>標籤</a:t>
+            </a:r>
+            <a:endParaRPr lang="en-US" altLang="zh-TW" dirty="0" smtClean="0"/>
+          </a:p>
+          <a:p>
+            <a:pPr>
+              <a:buFont typeface="Wingdings" pitchFamily="2" charset="2"/>
+              <a:buChar char="Ø"/>
+            </a:pPr>
+            <a:endParaRPr lang="en-US" altLang="zh-TW" dirty="0" smtClean="0"/>
+          </a:p>
+          <a:p>
+            <a:pPr>
+              <a:buFont typeface="Wingdings" pitchFamily="2" charset="2"/>
+              <a:buChar char="Ø"/>
+            </a:pPr>
+            <a:r>
+              <a:rPr lang="zh-TW" altLang="en-US" dirty="0" smtClean="0"/>
+              <a:t>瀏覽器</a:t>
+            </a:r>
+            <a:r>
+              <a:rPr lang="zh-TW" altLang="en-US" dirty="0"/>
+              <a:t>會將</a:t>
+            </a:r>
+            <a:r>
+              <a:rPr lang="zh-TW" altLang="en-US" dirty="0">
                 <a:solidFill>
                   <a:srgbClr val="FF0000"/>
                 </a:solidFill>
               </a:rPr>
-              <a:t>*注意</a:t>
-            </a:r>
-            <a:r>
-              <a:rPr lang="en-US" altLang="zh-TW" dirty="0" smtClean="0">
+              <a:t> </a:t>
+            </a:r>
+            <a:r>
+              <a:rPr lang="en-US" altLang="zh-TW" b="1" dirty="0">
                 <a:solidFill>
                   <a:srgbClr val="FF0000"/>
                 </a:solidFill>
               </a:rPr>
-              <a:t>:</a:t>
-            </a:r>
-          </a:p>
-          <a:p>
-            <a:pPr marL="0" indent="0">
-              <a:buNone/>
-            </a:pPr>
-            <a:r>
-              <a:rPr lang="en-US" altLang="zh-TW" dirty="0" smtClean="0">
+              <a:t>&lt;script&gt;</a:t>
+            </a:r>
+            <a:r>
+              <a:rPr lang="en-US" altLang="zh-TW" dirty="0">
                 <a:solidFill>
                   <a:srgbClr val="FF0000"/>
                 </a:solidFill>
               </a:rPr>
-              <a:t>&lt;&gt;</a:t>
-            </a:r>
-            <a:r>
-              <a:rPr lang="zh-TW" altLang="en-US" dirty="0" smtClean="0">
+              <a:t> </a:t>
+            </a:r>
+            <a:r>
+              <a:rPr lang="zh-TW" altLang="en-US" dirty="0"/>
+              <a:t>與 </a:t>
+            </a:r>
+            <a:r>
+              <a:rPr lang="en-US" altLang="zh-TW" b="1" dirty="0">
                 <a:solidFill>
                   <a:srgbClr val="FF0000"/>
                 </a:solidFill>
               </a:rPr>
-              <a:t>代表開啟碼，</a:t>
-            </a:r>
-            <a:r>
-              <a:rPr lang="en-US" altLang="zh-TW" dirty="0" smtClean="0">
+              <a:t>&lt;/script&gt;</a:t>
+            </a:r>
+            <a:r>
+              <a:rPr lang="en-US" altLang="zh-TW" dirty="0">
                 <a:solidFill>
                   <a:srgbClr val="FF0000"/>
                 </a:solidFill>
               </a:rPr>
-              <a:t>&lt;/&gt;</a:t>
-            </a:r>
-            <a:r>
-              <a:rPr lang="zh-TW" altLang="en-US" dirty="0" smtClean="0">
-                <a:solidFill>
-                  <a:srgbClr val="FF0000"/>
-                </a:solidFill>
-              </a:rPr>
-              <a:t>代表關閉碼，它們是</a:t>
-            </a:r>
-            <a:endParaRPr lang="en-US" altLang="zh-TW" dirty="0" smtClean="0">
-              <a:solidFill>
-                <a:srgbClr val="FF0000"/>
-              </a:solidFill>
-            </a:endParaRPr>
+              <a:t> </a:t>
+            </a:r>
+            <a:r>
+              <a:rPr lang="zh-TW" altLang="en-US" dirty="0"/>
+              <a:t>中間的東西視作要執行的 </a:t>
+            </a:r>
+            <a:r>
+              <a:rPr lang="en-US" altLang="zh-TW" dirty="0"/>
+              <a:t>JavaScript</a:t>
+            </a:r>
+            <a:r>
+              <a:rPr lang="zh-TW" altLang="en-US" dirty="0"/>
+              <a:t>， 而不是</a:t>
+            </a:r>
+            <a:r>
+              <a:rPr lang="en-US" altLang="zh-TW" dirty="0"/>
+              <a:t>HTML </a:t>
+            </a:r>
+            <a:r>
+              <a:rPr lang="zh-TW" altLang="en-US" dirty="0"/>
+              <a:t>。</a:t>
+            </a:r>
           </a:p>
           <a:p>
             <a:pPr marL="0" indent="0">
               <a:buNone/>
             </a:pPr>
-            <a:r>
-              <a:rPr lang="zh-TW" altLang="en-US" dirty="0" smtClean="0">
-                <a:solidFill>
-                  <a:srgbClr val="FF0000"/>
-                </a:solidFill>
-              </a:rPr>
-              <a:t>對應的，有開啟碼就有關閉碼</a:t>
-            </a:r>
-            <a:r>
-              <a:rPr lang="en-US" altLang="zh-TW" dirty="0" smtClean="0">
-                <a:solidFill>
-                  <a:srgbClr val="FF0000"/>
-                </a:solidFill>
-              </a:rPr>
-              <a:t>!</a:t>
-            </a:r>
             <a:endParaRPr lang="en-US" altLang="zh-TW" dirty="0">
               <a:solidFill>
                 <a:srgbClr val="FF0000"/>
@@ -7211,7 +6870,7 @@
           <a:p>
             <a:fld id="{FE09579F-7592-4C68-8E0D-304C8D093A2F}" type="slidenum">
               <a:rPr lang="zh-TW" altLang="en-US" smtClean="0"/>
-              <a:t>2</a:t>
+              <a:t>3</a:t>
             </a:fld>
             <a:endParaRPr lang="zh-TW" altLang="en-US"/>
           </a:p>
@@ -7220,7 +6879,7 @@
     </p:spTree>
     <p:extLst>
       <p:ext uri="{BB962C8B-B14F-4D97-AF65-F5344CB8AC3E}">
-        <p14:creationId xmlns:p14="http://schemas.microsoft.com/office/powerpoint/2010/main" val="621042899"/>
+        <p14:creationId xmlns:p14="http://schemas.microsoft.com/office/powerpoint/2010/main" val="1797076990"/>
       </p:ext>
     </p:extLst>
   </p:cSld>
@@ -7237,7 +6896,7 @@
 </p:sld>
 </file>
 
-<file path=ppt/slides/slide3.xml><?xml version="1.0" encoding="utf-8"?>
+<file path=ppt/slides/slide4.xml><?xml version="1.0" encoding="utf-8"?>
 <p:sld xmlns:a="http://schemas.openxmlformats.org/drawingml/2006/main" xmlns:r="http://schemas.openxmlformats.org/officeDocument/2006/relationships" xmlns:p="http://schemas.openxmlformats.org/presentationml/2006/main">
   <p:cSld>
     <p:spTree>
@@ -7359,7 +7018,52 @@
                   <a:reflection blurRad="12700" stA="28000" endPos="45000" dist="1000" dir="5400000" sy="-100000" algn="bl" rotWithShape="0"/>
                 </a:effectLst>
               </a:rPr>
-              <a:t>的標記</a:t>
+              <a:t>的</a:t>
+            </a:r>
+            <a:r>
+              <a:rPr lang="zh-TW" altLang="en-US" b="1" cap="all" dirty="0" smtClean="0">
+                <a:ln w="9000" cmpd="sng">
+                  <a:solidFill>
+                    <a:schemeClr val="accent4">
+                      <a:shade val="50000"/>
+                      <a:satMod val="120000"/>
+                    </a:schemeClr>
+                  </a:solidFill>
+                  <a:prstDash val="solid"/>
+                </a:ln>
+                <a:gradFill>
+                  <a:gsLst>
+                    <a:gs pos="0">
+                      <a:schemeClr val="accent4">
+                        <a:shade val="20000"/>
+                        <a:satMod val="245000"/>
+                      </a:schemeClr>
+                    </a:gs>
+                    <a:gs pos="43000">
+                      <a:schemeClr val="accent4">
+                        <a:satMod val="255000"/>
+                      </a:schemeClr>
+                    </a:gs>
+                    <a:gs pos="48000">
+                      <a:schemeClr val="accent4">
+                        <a:shade val="85000"/>
+                        <a:satMod val="255000"/>
+                      </a:schemeClr>
+                    </a:gs>
+                    <a:gs pos="100000">
+                      <a:schemeClr val="accent4">
+                        <a:shade val="20000"/>
+                        <a:satMod val="245000"/>
+                      </a:schemeClr>
+                    </a:gs>
+                  </a:gsLst>
+                  <a:lin ang="5400000"/>
+                </a:gradFill>
+                <a:effectLst>
+                  <a:reflection blurRad="12700" stA="28000" endPos="45000" dist="1000" dir="5400000" sy="-100000" algn="bl" rotWithShape="0"/>
+                </a:effectLst>
+              </a:rPr>
+              <a:t>標籤範例</a:t>
             </a:r>
             <a:endParaRPr lang="en-US" altLang="zh-TW" b="1" cap="all" dirty="0">
               <a:ln w="9000" cmpd="sng">
@@ -7418,13 +7122,13 @@
         </p:nvSpPr>
         <p:spPr>
           <a:xfrm>
-            <a:off x="457200" y="1600200"/>
-            <a:ext cx="8229600" cy="4925144"/>
+            <a:off x="395536" y="1340768"/>
+            <a:ext cx="8229600" cy="5400600"/>
           </a:xfrm>
         </p:spPr>
         <p:txBody>
           <a:bodyPr>
-            <a:normAutofit/>
+            <a:normAutofit fontScale="70000" lnSpcReduction="20000"/>
           </a:bodyPr>
           <a:lstStyle/>
           <a:p>
@@ -7434,48 +7138,199 @@
             </a:pPr>
             <a:r>
               <a:rPr lang="zh-TW" altLang="en-US" dirty="0"/>
-              <a:t>因為 </a:t>
+              <a:t> </a:t>
+            </a:r>
+            <a:endParaRPr lang="en-US" altLang="zh-TW" dirty="0" smtClean="0"/>
+          </a:p>
+          <a:p>
+            <a:pPr marL="0" indent="0">
+              <a:buNone/>
+            </a:pPr>
+            <a:r>
+              <a:rPr lang="zh-TW" altLang="en-US" dirty="0" smtClean="0"/>
+              <a:t>含</a:t>
+            </a:r>
+            <a:r>
+              <a:rPr lang="en-US" altLang="zh-TW" dirty="0" smtClean="0"/>
+              <a:t>Language</a:t>
+            </a:r>
+            <a:r>
+              <a:rPr lang="zh-TW" altLang="en-US" dirty="0" smtClean="0"/>
+              <a:t> 屬性</a:t>
+            </a:r>
+            <a:r>
+              <a:rPr lang="en-US" altLang="zh-TW" dirty="0" smtClean="0"/>
+              <a:t>(</a:t>
+            </a:r>
+            <a:r>
+              <a:rPr lang="zh-TW" altLang="en-US" dirty="0" smtClean="0"/>
+              <a:t>舊版</a:t>
+            </a:r>
+            <a:r>
+              <a:rPr lang="en-US" altLang="zh-TW" dirty="0" smtClean="0"/>
+              <a:t>):</a:t>
+            </a:r>
+            <a:endParaRPr lang="en-US" altLang="zh-TW" dirty="0" smtClean="0"/>
+          </a:p>
+          <a:p>
+            <a:pPr marL="0" indent="0">
+              <a:buNone/>
+            </a:pPr>
+            <a:endParaRPr lang="en-US" altLang="zh-TW" dirty="0"/>
+          </a:p>
+          <a:p>
+            <a:pPr marL="0" indent="0">
+              <a:buNone/>
+            </a:pPr>
+            <a:r>
+              <a:rPr lang="en-US" altLang="zh-TW" sz="3300" dirty="0" smtClean="0"/>
+              <a:t>&lt;</a:t>
+            </a:r>
+            <a:r>
+              <a:rPr lang="en-US" altLang="zh-TW" sz="3300" dirty="0"/>
+              <a:t>script language="JavaScript</a:t>
+            </a:r>
+            <a:r>
+              <a:rPr lang="en-US" altLang="zh-TW" sz="3300" dirty="0" smtClean="0"/>
+              <a:t>"&gt;</a:t>
+            </a:r>
+          </a:p>
+          <a:p>
+            <a:pPr marL="0" indent="0">
+              <a:buNone/>
+            </a:pPr>
+            <a:r>
+              <a:rPr lang="zh-TW" altLang="en-US" sz="3300" dirty="0" smtClean="0"/>
+              <a:t>要</a:t>
+            </a:r>
+            <a:r>
+              <a:rPr lang="zh-TW" altLang="en-US" sz="3300" dirty="0"/>
+              <a:t>執行</a:t>
+            </a:r>
+            <a:r>
+              <a:rPr lang="zh-TW" altLang="en-US" sz="3300" dirty="0" smtClean="0"/>
+              <a:t>的</a:t>
+            </a:r>
+            <a:r>
+              <a:rPr lang="en-US" altLang="zh-TW" sz="3300" dirty="0" smtClean="0"/>
+              <a:t>JavaScript</a:t>
+            </a:r>
+          </a:p>
+          <a:p>
+            <a:pPr marL="0" indent="0">
+              <a:buNone/>
+            </a:pPr>
+            <a:r>
+              <a:rPr lang="en-US" altLang="zh-TW" sz="3300" dirty="0" smtClean="0"/>
+              <a:t>&lt;/script&gt;</a:t>
+            </a:r>
+          </a:p>
+          <a:p>
+            <a:pPr marL="0" indent="0">
+              <a:buNone/>
+            </a:pPr>
+            <a:endParaRPr lang="en-US" altLang="zh-TW" sz="3300" dirty="0" smtClean="0"/>
+          </a:p>
+          <a:p>
+            <a:pPr marL="0" indent="0">
+              <a:buNone/>
+            </a:pPr>
+            <a:r>
+              <a:rPr lang="zh-TW" altLang="en-US" dirty="0" smtClean="0"/>
+              <a:t>當</a:t>
+            </a:r>
+            <a:r>
+              <a:rPr lang="zh-TW" altLang="en-US" dirty="0" smtClean="0"/>
+              <a:t>不</a:t>
+            </a:r>
+            <a:r>
+              <a:rPr lang="zh-TW" altLang="en-US" dirty="0"/>
+              <a:t>寫 </a:t>
             </a:r>
             <a:r>
               <a:rPr lang="en-US" altLang="zh-TW" dirty="0"/>
-              <a:t>JavaScript </a:t>
+              <a:t>language </a:t>
+            </a:r>
+            <a:r>
+              <a:rPr lang="zh-TW" altLang="en-US" dirty="0" smtClean="0"/>
+              <a:t>屬性</a:t>
+            </a:r>
+            <a:r>
+              <a:rPr lang="zh-TW" altLang="en-US" dirty="0" smtClean="0"/>
+              <a:t>時</a:t>
+            </a:r>
+            <a:r>
+              <a:rPr lang="en-US" altLang="zh-TW" dirty="0" smtClean="0"/>
+              <a:t>(</a:t>
+            </a:r>
+            <a:r>
+              <a:rPr lang="zh-TW" altLang="en-US" dirty="0" smtClean="0"/>
+              <a:t>預設，新版</a:t>
+            </a:r>
+            <a:r>
+              <a:rPr lang="en-US" altLang="zh-TW" dirty="0" smtClean="0"/>
+              <a:t>)</a:t>
+            </a:r>
+            <a:r>
+              <a:rPr lang="zh-TW" altLang="en-US" dirty="0" smtClean="0"/>
+              <a:t>， </a:t>
             </a:r>
             <a:r>
               <a:rPr lang="zh-TW" altLang="en-US" dirty="0"/>
-              <a:t>是寫在 </a:t>
+              <a:t>瀏覽器也會當它是 </a:t>
             </a:r>
             <a:r>
               <a:rPr lang="en-US" altLang="zh-TW" dirty="0"/>
-              <a:t>HTML </a:t>
-            </a:r>
-            <a:r>
-              <a:rPr lang="zh-TW" altLang="en-US" dirty="0"/>
-              <a:t>檔的， 所以 </a:t>
-            </a:r>
-            <a:r>
-              <a:rPr lang="en-US" altLang="zh-TW" dirty="0"/>
-              <a:t>Netscape </a:t>
-            </a:r>
-            <a:r>
-              <a:rPr lang="zh-TW" altLang="en-US" dirty="0"/>
-              <a:t>定義了一個 </a:t>
-            </a:r>
-            <a:r>
-              <a:rPr lang="en-US" altLang="zh-TW" b="1" dirty="0"/>
-              <a:t>&lt;script&gt;</a:t>
-            </a:r>
-            <a:r>
-              <a:rPr lang="en-US" altLang="zh-TW" dirty="0"/>
-              <a:t> </a:t>
-            </a:r>
-            <a:r>
-              <a:rPr lang="zh-TW" altLang="en-US" dirty="0"/>
-              <a:t>標記 </a:t>
-            </a:r>
-            <a:r>
-              <a:rPr lang="zh-TW" altLang="en-US" dirty="0" smtClean="0"/>
-              <a:t>。</a:t>
-            </a:r>
+              <a:t>JavaScript :</a:t>
+            </a:r>
+            <a:endParaRPr lang="en-US" altLang="zh-TW" dirty="0" smtClean="0"/>
+          </a:p>
+          <a:p>
+            <a:pPr marL="0" indent="0">
+              <a:buNone/>
+            </a:pPr>
+            <a:endParaRPr lang="en-US" altLang="zh-TW" sz="3600" dirty="0" smtClean="0"/>
+          </a:p>
+          <a:p>
+            <a:pPr marL="0" indent="0">
+              <a:buNone/>
+            </a:pPr>
+            <a:r>
+              <a:rPr lang="en-US" altLang="zh-TW" sz="3600" dirty="0"/>
+              <a:t>&lt;script </a:t>
+            </a:r>
+            <a:r>
+              <a:rPr lang="en-US" altLang="zh-TW" sz="3600" dirty="0" smtClean="0"/>
+              <a:t>&gt;</a:t>
+            </a:r>
+            <a:endParaRPr lang="en-US" altLang="zh-TW" sz="3600" dirty="0"/>
+          </a:p>
+          <a:p>
+            <a:pPr marL="0" indent="0">
+              <a:buNone/>
+            </a:pPr>
+            <a:r>
+              <a:rPr lang="zh-TW" altLang="en-US" sz="3600" dirty="0"/>
+              <a:t>要執行的</a:t>
+            </a:r>
+            <a:r>
+              <a:rPr lang="en-US" altLang="zh-TW" sz="3600" dirty="0"/>
+              <a:t>JavaScript</a:t>
+            </a:r>
+          </a:p>
+          <a:p>
+            <a:pPr marL="0" indent="0">
+              <a:buNone/>
+            </a:pPr>
+            <a:r>
+              <a:rPr lang="en-US" altLang="zh-TW" sz="3600" dirty="0"/>
+              <a:t>&lt;/script&gt;</a:t>
+            </a:r>
+          </a:p>
+          <a:p>
+            <a:pPr marL="0" indent="0">
+              <a:buNone/>
+            </a:pPr>
             <a:r>
               <a:rPr lang="zh-TW" altLang="en-US" dirty="0"/>
               <a:t/>
@@ -7483,74 +7338,7 @@
             <a:br>
               <a:rPr lang="zh-TW" altLang="en-US" dirty="0"/>
             </a:br>
-            <a:r>
-              <a:rPr lang="zh-TW" altLang="en-US" dirty="0"/>
-              <a:t>瀏覽器會將</a:t>
-            </a:r>
-            <a:r>
-              <a:rPr lang="zh-TW" altLang="en-US" dirty="0">
-                <a:solidFill>
-                  <a:srgbClr val="FF0000"/>
-                </a:solidFill>
-              </a:rPr>
-              <a:t> </a:t>
-            </a:r>
-            <a:r>
-              <a:rPr lang="en-US" altLang="zh-TW" b="1" dirty="0">
-                <a:solidFill>
-                  <a:srgbClr val="FF0000"/>
-                </a:solidFill>
-              </a:rPr>
-              <a:t>&lt;script&gt;</a:t>
-            </a:r>
-            <a:r>
-              <a:rPr lang="en-US" altLang="zh-TW" dirty="0">
-                <a:solidFill>
-                  <a:srgbClr val="FF0000"/>
-                </a:solidFill>
-              </a:rPr>
-              <a:t> </a:t>
-            </a:r>
-            <a:r>
-              <a:rPr lang="zh-TW" altLang="en-US" dirty="0"/>
-              <a:t>與 </a:t>
-            </a:r>
-            <a:r>
-              <a:rPr lang="en-US" altLang="zh-TW" b="1" dirty="0">
-                <a:solidFill>
-                  <a:srgbClr val="FF0000"/>
-                </a:solidFill>
-              </a:rPr>
-              <a:t>&lt;/script&gt;</a:t>
-            </a:r>
-            <a:r>
-              <a:rPr lang="en-US" altLang="zh-TW" dirty="0">
-                <a:solidFill>
-                  <a:srgbClr val="FF0000"/>
-                </a:solidFill>
-              </a:rPr>
-              <a:t> </a:t>
-            </a:r>
-            <a:r>
-              <a:rPr lang="zh-TW" altLang="en-US" dirty="0"/>
-              <a:t>中間的東西視作要執行的 </a:t>
-            </a:r>
-            <a:r>
-              <a:rPr lang="en-US" altLang="zh-TW" dirty="0"/>
-              <a:t>JavaScript</a:t>
-            </a:r>
-            <a:r>
-              <a:rPr lang="zh-TW" altLang="en-US" dirty="0"/>
-              <a:t>， 而不是</a:t>
-            </a:r>
-            <a:r>
-              <a:rPr lang="en-US" altLang="zh-TW" dirty="0"/>
-              <a:t>HTML </a:t>
-            </a:r>
-            <a:r>
-              <a:rPr lang="zh-TW" altLang="en-US" dirty="0"/>
-              <a:t>。</a:t>
-            </a:r>
+            <a:endParaRPr lang="zh-TW" altLang="en-US" dirty="0"/>
           </a:p>
           <a:p>
             <a:pPr marL="0" indent="0">
@@ -7581,8 +7369,90 @@
           <a:p>
             <a:fld id="{FE09579F-7592-4C68-8E0D-304C8D093A2F}" type="slidenum">
               <a:rPr lang="zh-TW" altLang="en-US" smtClean="0"/>
-              <a:t>3</a:t>
+              <a:t>4</a:t>
             </a:fld>
+            <a:endParaRPr lang="zh-TW" altLang="en-US"/>
+          </a:p>
+        </p:txBody>
+      </p:sp>
+      <p:sp>
+        <p:nvSpPr>
+          <p:cNvPr id="6" name="矩形 5"/>
+          <p:cNvSpPr/>
+          <p:nvPr/>
+        </p:nvSpPr>
+        <p:spPr>
+          <a:xfrm>
+            <a:off x="467544" y="2276872"/>
+            <a:ext cx="4625677" cy="1224136"/>
+          </a:xfrm>
+          <a:prstGeom prst="rect">
+            <a:avLst/>
+          </a:prstGeom>
+          <a:noFill/>
+        </p:spPr>
+        <p:style>
+          <a:lnRef idx="2">
+            <a:schemeClr val="accent1">
+              <a:shade val="50000"/>
+            </a:schemeClr>
+          </a:lnRef>
+          <a:fillRef idx="1">
+            <a:schemeClr val="accent1"/>
+          </a:fillRef>
+          <a:effectRef idx="0">
+            <a:schemeClr val="accent1"/>
+          </a:effectRef>
+          <a:fontRef idx="minor">
+            <a:schemeClr val="lt1"/>
+          </a:fontRef>
+        </p:style>
+        <p:txBody>
+          <a:bodyPr rtlCol="0" anchor="ctr"/>
+          <a:lstStyle/>
+          <a:p>
+            <a:pPr algn="ctr"/>
+            <a:endParaRPr lang="zh-TW" altLang="en-US"/>
+          </a:p>
+        </p:txBody>
+      </p:sp>
+      <p:sp>
+        <p:nvSpPr>
+          <p:cNvPr id="7" name="矩形 6"/>
+          <p:cNvSpPr/>
+          <p:nvPr/>
+        </p:nvSpPr>
+        <p:spPr>
+          <a:xfrm>
+            <a:off x="467544" y="4725144"/>
+            <a:ext cx="3888432" cy="1152128"/>
+          </a:xfrm>
+          <a:prstGeom prst="rect">
+            <a:avLst/>
+          </a:prstGeom>
+          <a:noFill/>
+        </p:spPr>
+        <p:style>
+          <a:lnRef idx="2">
+            <a:schemeClr val="accent1">
+              <a:shade val="50000"/>
+            </a:schemeClr>
+          </a:lnRef>
+          <a:fillRef idx="1">
+            <a:schemeClr val="accent1"/>
+          </a:fillRef>
+          <a:effectRef idx="0">
+            <a:schemeClr val="accent1"/>
+          </a:effectRef>
+          <a:fontRef idx="minor">
+            <a:schemeClr val="lt1"/>
+          </a:fontRef>
+        </p:style>
+        <p:txBody>
+          <a:bodyPr rtlCol="0" anchor="ctr"/>
+          <a:lstStyle/>
+          <a:p>
+            <a:pPr algn="ctr"/>
             <a:endParaRPr lang="zh-TW" altLang="en-US"/>
           </a:p>
         </p:txBody>
@@ -7590,7 +7460,7 @@
     </p:spTree>
     <p:extLst>
       <p:ext uri="{BB962C8B-B14F-4D97-AF65-F5344CB8AC3E}">
-        <p14:creationId xmlns:p14="http://schemas.microsoft.com/office/powerpoint/2010/main" val="1797076990"/>
+        <p14:creationId xmlns:p14="http://schemas.microsoft.com/office/powerpoint/2010/main" val="4038625601"/>
       </p:ext>
     </p:extLst>
   </p:cSld>
@@ -7607,7 +7477,7 @@
 </p:sld>
 </file>
 
-<file path=ppt/slides/slide4.xml><?xml version="1.0" encoding="utf-8"?>
+<file path=ppt/slides/slide5.xml><?xml version="1.0" encoding="utf-8"?>
 <p:sld xmlns:a="http://schemas.openxmlformats.org/drawingml/2006/main" xmlns:r="http://schemas.openxmlformats.org/officeDocument/2006/relationships" xmlns:p="http://schemas.openxmlformats.org/presentationml/2006/main">
   <p:cSld>
     <p:spTree>
@@ -7642,51 +7512,6 @@
           <a:lstStyle/>
           <a:p>
             <a:r>
-              <a:rPr lang="en-US" altLang="zh-TW" b="1" cap="all" dirty="0">
-                <a:ln w="9000" cmpd="sng">
-                  <a:solidFill>
-                    <a:schemeClr val="accent4">
-                      <a:shade val="50000"/>
-                      <a:satMod val="120000"/>
-                    </a:schemeClr>
-                  </a:solidFill>
-                  <a:prstDash val="solid"/>
-                </a:ln>
-                <a:gradFill>
-                  <a:gsLst>
-                    <a:gs pos="0">
-                      <a:schemeClr val="accent4">
-                        <a:shade val="20000"/>
-                        <a:satMod val="245000"/>
-                      </a:schemeClr>
-                    </a:gs>
-                    <a:gs pos="43000">
-                      <a:schemeClr val="accent4">
-                        <a:satMod val="255000"/>
-                      </a:schemeClr>
-                    </a:gs>
-                    <a:gs pos="48000">
-                      <a:schemeClr val="accent4">
-                        <a:shade val="85000"/>
-                        <a:satMod val="255000"/>
-                      </a:schemeClr>
-                    </a:gs>
-                    <a:gs pos="100000">
-                      <a:schemeClr val="accent4">
-                        <a:shade val="20000"/>
-                        <a:satMod val="245000"/>
-                      </a:schemeClr>
-                    </a:gs>
-                  </a:gsLst>
-                  <a:lin ang="5400000"/>
-                </a:gradFill>
-                <a:effectLst>
-                  <a:reflection blurRad="12700" stA="28000" endPos="45000" dist="1000" dir="5400000" sy="-100000" algn="bl" rotWithShape="0"/>
-                </a:effectLst>
-              </a:rPr>
-              <a:t>JavaScript</a:t>
-            </a:r>
-            <a:r>
               <a:rPr lang="zh-TW" altLang="en-US" b="1" cap="all" dirty="0" smtClean="0">
                 <a:ln w="9000" cmpd="sng">
                   <a:solidFill>
@@ -7729,7 +7554,142 @@
                   <a:reflection blurRad="12700" stA="28000" endPos="45000" dist="1000" dir="5400000" sy="-100000" algn="bl" rotWithShape="0"/>
                 </a:effectLst>
               </a:rPr>
-              <a:t>的標記</a:t>
+              <a:t>引用外部 </a:t>
+            </a:r>
+            <a:r>
+              <a:rPr lang="en-US" altLang="zh-TW" b="1" cap="all" dirty="0" smtClean="0">
+                <a:ln w="9000" cmpd="sng">
+                  <a:solidFill>
+                    <a:schemeClr val="accent4">
+                      <a:shade val="50000"/>
+                      <a:satMod val="120000"/>
+                    </a:schemeClr>
+                  </a:solidFill>
+                  <a:prstDash val="solid"/>
+                </a:ln>
+                <a:gradFill>
+                  <a:gsLst>
+                    <a:gs pos="0">
+                      <a:schemeClr val="accent4">
+                        <a:shade val="20000"/>
+                        <a:satMod val="245000"/>
+                      </a:schemeClr>
+                    </a:gs>
+                    <a:gs pos="43000">
+                      <a:schemeClr val="accent4">
+                        <a:satMod val="255000"/>
+                      </a:schemeClr>
+                    </a:gs>
+                    <a:gs pos="48000">
+                      <a:schemeClr val="accent4">
+                        <a:shade val="85000"/>
+                        <a:satMod val="255000"/>
+                      </a:schemeClr>
+                    </a:gs>
+                    <a:gs pos="100000">
+                      <a:schemeClr val="accent4">
+                        <a:shade val="20000"/>
+                        <a:satMod val="245000"/>
+                      </a:schemeClr>
+                    </a:gs>
+                  </a:gsLst>
+                  <a:lin ang="5400000"/>
+                </a:gradFill>
+                <a:effectLst>
+                  <a:reflection blurRad="12700" stA="28000" endPos="45000" dist="1000" dir="5400000" sy="-100000" algn="bl" rotWithShape="0"/>
+                </a:effectLst>
+              </a:rPr>
+              <a:t>JavaScript</a:t>
+            </a:r>
+            <a:r>
+              <a:rPr lang="zh-TW" altLang="en-US" b="1" cap="all" dirty="0">
+                <a:ln w="9000" cmpd="sng">
+                  <a:solidFill>
+                    <a:schemeClr val="accent4">
+                      <a:shade val="50000"/>
+                      <a:satMod val="120000"/>
+                    </a:schemeClr>
+                  </a:solidFill>
+                  <a:prstDash val="solid"/>
+                </a:ln>
+                <a:gradFill>
+                  <a:gsLst>
+                    <a:gs pos="0">
+                      <a:schemeClr val="accent4">
+                        <a:shade val="20000"/>
+                        <a:satMod val="245000"/>
+                      </a:schemeClr>
+                    </a:gs>
+                    <a:gs pos="43000">
+                      <a:schemeClr val="accent4">
+                        <a:satMod val="255000"/>
+                      </a:schemeClr>
+                    </a:gs>
+                    <a:gs pos="48000">
+                      <a:schemeClr val="accent4">
+                        <a:shade val="85000"/>
+                        <a:satMod val="255000"/>
+                      </a:schemeClr>
+                    </a:gs>
+                    <a:gs pos="100000">
+                      <a:schemeClr val="accent4">
+                        <a:shade val="20000"/>
+                        <a:satMod val="245000"/>
+                      </a:schemeClr>
+                    </a:gs>
+                  </a:gsLst>
+                  <a:lin ang="5400000"/>
+                </a:gradFill>
+                <a:effectLst>
+                  <a:reflection blurRad="12700" stA="28000" endPos="45000" dist="1000" dir="5400000" sy="-100000" algn="bl" rotWithShape="0"/>
+                </a:effectLst>
+              </a:rPr>
+              <a:t> </a:t>
+            </a:r>
+            <a:r>
+              <a:rPr lang="zh-TW" altLang="en-US" b="1" cap="all" dirty="0" smtClean="0">
+                <a:ln w="9000" cmpd="sng">
+                  <a:solidFill>
+                    <a:schemeClr val="accent4">
+                      <a:shade val="50000"/>
+                      <a:satMod val="120000"/>
+                    </a:schemeClr>
+                  </a:solidFill>
+                  <a:prstDash val="solid"/>
+                </a:ln>
+                <a:gradFill>
+                  <a:gsLst>
+                    <a:gs pos="0">
+                      <a:schemeClr val="accent4">
+                        <a:shade val="20000"/>
+                        <a:satMod val="245000"/>
+                      </a:schemeClr>
+                    </a:gs>
+                    <a:gs pos="43000">
+                      <a:schemeClr val="accent4">
+                        <a:satMod val="255000"/>
+                      </a:schemeClr>
+                    </a:gs>
+                    <a:gs pos="48000">
+                      <a:schemeClr val="accent4">
+                        <a:shade val="85000"/>
+                        <a:satMod val="255000"/>
+                      </a:schemeClr>
+                    </a:gs>
+                    <a:gs pos="100000">
+                      <a:schemeClr val="accent4">
+                        <a:shade val="20000"/>
+                        <a:satMod val="245000"/>
+                      </a:schemeClr>
+                    </a:gs>
+                  </a:gsLst>
+                  <a:lin ang="5400000"/>
+                </a:gradFill>
+                <a:effectLst>
+                  <a:reflection blurRad="12700" stA="28000" endPos="45000" dist="1000" dir="5400000" sy="-100000" algn="bl" rotWithShape="0"/>
+                </a:effectLst>
+              </a:rPr>
+              <a:t>檔</a:t>
             </a:r>
             <a:endParaRPr lang="en-US" altLang="zh-TW" b="1" cap="all" dirty="0">
               <a:ln w="9000" cmpd="sng">
@@ -7788,524 +7748,6 @@
         </p:nvSpPr>
         <p:spPr>
           <a:xfrm>
-            <a:off x="395536" y="1340768"/>
-            <a:ext cx="8229600" cy="5400600"/>
-          </a:xfrm>
-        </p:spPr>
-        <p:txBody>
-          <a:bodyPr>
-            <a:normAutofit fontScale="70000" lnSpcReduction="20000"/>
-          </a:bodyPr>
-          <a:lstStyle/>
-          <a:p>
-            <a:pPr>
-              <a:buFont typeface="Wingdings" pitchFamily="2" charset="2"/>
-              <a:buChar char="Ø"/>
-            </a:pPr>
-            <a:r>
-              <a:rPr lang="zh-TW" altLang="en-US" dirty="0"/>
-              <a:t> </a:t>
-            </a:r>
-            <a:r>
-              <a:rPr lang="en-US" altLang="zh-TW" b="1" dirty="0"/>
-              <a:t>&lt;script&gt;</a:t>
-            </a:r>
-            <a:r>
-              <a:rPr lang="en-US" altLang="zh-TW" dirty="0"/>
-              <a:t> </a:t>
-            </a:r>
-            <a:r>
-              <a:rPr lang="zh-TW" altLang="en-US" dirty="0" smtClean="0"/>
-              <a:t>有</a:t>
-            </a:r>
-            <a:r>
-              <a:rPr lang="zh-TW" altLang="en-US" dirty="0"/>
-              <a:t>兩種</a:t>
-            </a:r>
-            <a:r>
-              <a:rPr lang="zh-TW" altLang="en-US" dirty="0" smtClean="0"/>
-              <a:t>屬性</a:t>
-            </a:r>
-            <a:r>
-              <a:rPr lang="en-US" altLang="zh-TW" dirty="0" smtClean="0"/>
-              <a:t>:</a:t>
-            </a:r>
-          </a:p>
-          <a:p>
-            <a:pPr marL="514350" indent="-514350">
-              <a:buAutoNum type="arabicPeriod"/>
-            </a:pPr>
-            <a:r>
-              <a:rPr lang="en-US" altLang="zh-TW" b="1" dirty="0" smtClean="0"/>
-              <a:t>Language:</a:t>
-            </a:r>
-          </a:p>
-          <a:p>
-            <a:pPr marL="0" indent="0">
-              <a:buNone/>
-            </a:pPr>
-            <a:endParaRPr lang="en-US" altLang="zh-TW" dirty="0"/>
-          </a:p>
-          <a:p>
-            <a:pPr marL="0" indent="0">
-              <a:buNone/>
-            </a:pPr>
-            <a:r>
-              <a:rPr lang="en-US" altLang="zh-TW" sz="3300" dirty="0" smtClean="0"/>
-              <a:t>&lt;</a:t>
-            </a:r>
-            <a:r>
-              <a:rPr lang="en-US" altLang="zh-TW" sz="3300" dirty="0"/>
-              <a:t>script language="JavaScript</a:t>
-            </a:r>
-            <a:r>
-              <a:rPr lang="en-US" altLang="zh-TW" sz="3300" dirty="0" smtClean="0"/>
-              <a:t>"&gt;</a:t>
-            </a:r>
-          </a:p>
-          <a:p>
-            <a:pPr marL="0" indent="0">
-              <a:buNone/>
-            </a:pPr>
-            <a:r>
-              <a:rPr lang="zh-TW" altLang="en-US" sz="3300" dirty="0" smtClean="0"/>
-              <a:t>要</a:t>
-            </a:r>
-            <a:r>
-              <a:rPr lang="zh-TW" altLang="en-US" sz="3300" dirty="0"/>
-              <a:t>執行</a:t>
-            </a:r>
-            <a:r>
-              <a:rPr lang="zh-TW" altLang="en-US" sz="3300" dirty="0" smtClean="0"/>
-              <a:t>的</a:t>
-            </a:r>
-            <a:r>
-              <a:rPr lang="en-US" altLang="zh-TW" sz="3300" dirty="0" smtClean="0"/>
-              <a:t>JavaScript</a:t>
-            </a:r>
-          </a:p>
-          <a:p>
-            <a:pPr marL="0" indent="0">
-              <a:buNone/>
-            </a:pPr>
-            <a:r>
-              <a:rPr lang="en-US" altLang="zh-TW" sz="3300" dirty="0" smtClean="0"/>
-              <a:t>&lt;/script&gt;</a:t>
-            </a:r>
-          </a:p>
-          <a:p>
-            <a:pPr marL="0" indent="0">
-              <a:buNone/>
-            </a:pPr>
-            <a:endParaRPr lang="en-US" altLang="zh-TW" sz="3300" dirty="0" smtClean="0"/>
-          </a:p>
-          <a:p>
-            <a:pPr marL="0" indent="0">
-              <a:buNone/>
-            </a:pPr>
-            <a:r>
-              <a:rPr lang="zh-TW" altLang="en-US" dirty="0"/>
-              <a:t>當</a:t>
-            </a:r>
-            <a:r>
-              <a:rPr lang="zh-TW" altLang="en-US" dirty="0" smtClean="0"/>
-              <a:t>不</a:t>
-            </a:r>
-            <a:r>
-              <a:rPr lang="zh-TW" altLang="en-US" dirty="0"/>
-              <a:t>寫 </a:t>
-            </a:r>
-            <a:r>
-              <a:rPr lang="en-US" altLang="zh-TW" dirty="0"/>
-              <a:t>language </a:t>
-            </a:r>
-            <a:r>
-              <a:rPr lang="zh-TW" altLang="en-US" dirty="0" smtClean="0"/>
-              <a:t>屬性時， </a:t>
-            </a:r>
-            <a:r>
-              <a:rPr lang="zh-TW" altLang="en-US" dirty="0"/>
-              <a:t>瀏覽器也會當它是 </a:t>
-            </a:r>
-            <a:r>
-              <a:rPr lang="en-US" altLang="zh-TW" dirty="0"/>
-              <a:t>JavaScript :</a:t>
-            </a:r>
-            <a:endParaRPr lang="en-US" altLang="zh-TW" dirty="0" smtClean="0"/>
-          </a:p>
-          <a:p>
-            <a:pPr marL="0" indent="0">
-              <a:buNone/>
-            </a:pPr>
-            <a:endParaRPr lang="en-US" altLang="zh-TW" sz="3600" dirty="0" smtClean="0"/>
-          </a:p>
-          <a:p>
-            <a:pPr marL="0" indent="0">
-              <a:buNone/>
-            </a:pPr>
-            <a:r>
-              <a:rPr lang="en-US" altLang="zh-TW" sz="3600" dirty="0"/>
-              <a:t>&lt;script </a:t>
-            </a:r>
-            <a:r>
-              <a:rPr lang="en-US" altLang="zh-TW" sz="3600" dirty="0" smtClean="0"/>
-              <a:t>&gt;</a:t>
-            </a:r>
-            <a:endParaRPr lang="en-US" altLang="zh-TW" sz="3600" dirty="0"/>
-          </a:p>
-          <a:p>
-            <a:pPr marL="0" indent="0">
-              <a:buNone/>
-            </a:pPr>
-            <a:r>
-              <a:rPr lang="zh-TW" altLang="en-US" sz="3600" dirty="0"/>
-              <a:t>要執行的</a:t>
-            </a:r>
-            <a:r>
-              <a:rPr lang="en-US" altLang="zh-TW" sz="3600" dirty="0"/>
-              <a:t>JavaScript</a:t>
-            </a:r>
-          </a:p>
-          <a:p>
-            <a:pPr marL="0" indent="0">
-              <a:buNone/>
-            </a:pPr>
-            <a:r>
-              <a:rPr lang="en-US" altLang="zh-TW" sz="3600" dirty="0"/>
-              <a:t>&lt;/script&gt;</a:t>
-            </a:r>
-          </a:p>
-          <a:p>
-            <a:pPr marL="0" indent="0">
-              <a:buNone/>
-            </a:pPr>
-            <a:r>
-              <a:rPr lang="zh-TW" altLang="en-US" dirty="0"/>
-              <a:t/>
-            </a:r>
-            <a:br>
-              <a:rPr lang="zh-TW" altLang="en-US" dirty="0"/>
-            </a:br>
-            <a:endParaRPr lang="zh-TW" altLang="en-US" dirty="0"/>
-          </a:p>
-          <a:p>
-            <a:pPr marL="0" indent="0">
-              <a:buNone/>
-            </a:pPr>
-            <a:endParaRPr lang="en-US" altLang="zh-TW" dirty="0">
-              <a:solidFill>
-                <a:srgbClr val="FF0000"/>
-              </a:solidFill>
-            </a:endParaRPr>
-          </a:p>
-        </p:txBody>
-      </p:sp>
-      <p:sp>
-        <p:nvSpPr>
-          <p:cNvPr id="3" name="投影片編號版面配置區 2"/>
-          <p:cNvSpPr>
-            <a:spLocks noGrp="1"/>
-          </p:cNvSpPr>
-          <p:nvPr>
-            <p:ph type="sldNum" sz="quarter" idx="12"/>
-          </p:nvPr>
-        </p:nvSpPr>
-        <p:spPr/>
-        <p:txBody>
-          <a:bodyPr/>
-          <a:lstStyle/>
-          <a:p>
-            <a:fld id="{FE09579F-7592-4C68-8E0D-304C8D093A2F}" type="slidenum">
-              <a:rPr lang="zh-TW" altLang="en-US" smtClean="0"/>
-              <a:t>4</a:t>
-            </a:fld>
-            <a:endParaRPr lang="zh-TW" altLang="en-US"/>
-          </a:p>
-        </p:txBody>
-      </p:sp>
-      <p:sp>
-        <p:nvSpPr>
-          <p:cNvPr id="6" name="矩形 5"/>
-          <p:cNvSpPr/>
-          <p:nvPr/>
-        </p:nvSpPr>
-        <p:spPr>
-          <a:xfrm>
-            <a:off x="467544" y="2276872"/>
-            <a:ext cx="4625677" cy="1224136"/>
-          </a:xfrm>
-          <a:prstGeom prst="rect">
-            <a:avLst/>
-          </a:prstGeom>
-          <a:noFill/>
-        </p:spPr>
-        <p:style>
-          <a:lnRef idx="2">
-            <a:schemeClr val="accent1">
-              <a:shade val="50000"/>
-            </a:schemeClr>
-          </a:lnRef>
-          <a:fillRef idx="1">
-            <a:schemeClr val="accent1"/>
-          </a:fillRef>
-          <a:effectRef idx="0">
-            <a:schemeClr val="accent1"/>
-          </a:effectRef>
-          <a:fontRef idx="minor">
-            <a:schemeClr val="lt1"/>
-          </a:fontRef>
-        </p:style>
-        <p:txBody>
-          <a:bodyPr rtlCol="0" anchor="ctr"/>
-          <a:lstStyle/>
-          <a:p>
-            <a:pPr algn="ctr"/>
-            <a:endParaRPr lang="zh-TW" altLang="en-US"/>
-          </a:p>
-        </p:txBody>
-      </p:sp>
-      <p:sp>
-        <p:nvSpPr>
-          <p:cNvPr id="7" name="矩形 6"/>
-          <p:cNvSpPr/>
-          <p:nvPr/>
-        </p:nvSpPr>
-        <p:spPr>
-          <a:xfrm>
-            <a:off x="467544" y="4509120"/>
-            <a:ext cx="3888432" cy="1152128"/>
-          </a:xfrm>
-          <a:prstGeom prst="rect">
-            <a:avLst/>
-          </a:prstGeom>
-          <a:noFill/>
-        </p:spPr>
-        <p:style>
-          <a:lnRef idx="2">
-            <a:schemeClr val="accent1">
-              <a:shade val="50000"/>
-            </a:schemeClr>
-          </a:lnRef>
-          <a:fillRef idx="1">
-            <a:schemeClr val="accent1"/>
-          </a:fillRef>
-          <a:effectRef idx="0">
-            <a:schemeClr val="accent1"/>
-          </a:effectRef>
-          <a:fontRef idx="minor">
-            <a:schemeClr val="lt1"/>
-          </a:fontRef>
-        </p:style>
-        <p:txBody>
-          <a:bodyPr rtlCol="0" anchor="ctr"/>
-          <a:lstStyle/>
-          <a:p>
-            <a:pPr algn="ctr"/>
-            <a:endParaRPr lang="zh-TW" altLang="en-US"/>
-          </a:p>
-        </p:txBody>
-      </p:sp>
-    </p:spTree>
-    <p:extLst>
-      <p:ext uri="{BB962C8B-B14F-4D97-AF65-F5344CB8AC3E}">
-        <p14:creationId xmlns:p14="http://schemas.microsoft.com/office/powerpoint/2010/main" val="4038625601"/>
-      </p:ext>
-    </p:extLst>
-  </p:cSld>
-  <p:clrMapOvr>
-    <a:masterClrMapping/>
-  </p:clrMapOvr>
-  <p:timing>
-    <p:tnLst>
-      <p:par>
-        <p:cTn id="1" dur="indefinite" restart="never" nodeType="tmRoot"/>
-      </p:par>
-    </p:tnLst>
-  </p:timing>
-</p:sld>
-</file>
-
-<file path=ppt/slides/slide5.xml><?xml version="1.0" encoding="utf-8"?>
-<p:sld xmlns:a="http://schemas.openxmlformats.org/drawingml/2006/main" xmlns:r="http://schemas.openxmlformats.org/officeDocument/2006/relationships" xmlns:p="http://schemas.openxmlformats.org/presentationml/2006/main">
-  <p:cSld>
-    <p:spTree>
-      <p:nvGrpSpPr>
-        <p:cNvPr id="1" name=""/>
-        <p:cNvGrpSpPr/>
-        <p:nvPr/>
-      </p:nvGrpSpPr>
-      <p:grpSpPr>
-        <a:xfrm>
-          <a:off x="0" y="0"/>
-          <a:ext cx="0" cy="0"/>
-          <a:chOff x="0" y="0"/>
-          <a:chExt cx="0" cy="0"/>
-        </a:xfrm>
-      </p:grpSpPr>
-      <p:sp>
-        <p:nvSpPr>
-          <p:cNvPr id="4" name="標題 3"/>
-          <p:cNvSpPr>
-            <a:spLocks noGrp="1"/>
-          </p:cNvSpPr>
-          <p:nvPr>
-            <p:ph type="title"/>
-          </p:nvPr>
-        </p:nvSpPr>
-        <p:spPr/>
-        <p:txBody>
-          <a:bodyPr>
-            <a:normAutofit/>
-          </a:bodyPr>
-          <a:lstStyle/>
-          <a:p>
-            <a:r>
-              <a:rPr lang="en-US" altLang="zh-TW" b="1" cap="all" dirty="0">
-                <a:ln w="9000" cmpd="sng">
-                  <a:solidFill>
-                    <a:schemeClr val="accent4">
-                      <a:shade val="50000"/>
-                      <a:satMod val="120000"/>
-                    </a:schemeClr>
-                  </a:solidFill>
-                  <a:prstDash val="solid"/>
-                </a:ln>
-                <a:gradFill>
-                  <a:gsLst>
-                    <a:gs pos="0">
-                      <a:schemeClr val="accent4">
-                        <a:shade val="20000"/>
-                        <a:satMod val="245000"/>
-                      </a:schemeClr>
-                    </a:gs>
-                    <a:gs pos="43000">
-                      <a:schemeClr val="accent4">
-                        <a:satMod val="255000"/>
-                      </a:schemeClr>
-                    </a:gs>
-                    <a:gs pos="48000">
-                      <a:schemeClr val="accent4">
-                        <a:shade val="85000"/>
-                        <a:satMod val="255000"/>
-                      </a:schemeClr>
-                    </a:gs>
-                    <a:gs pos="100000">
-                      <a:schemeClr val="accent4">
-                        <a:shade val="20000"/>
-                        <a:satMod val="245000"/>
-                      </a:schemeClr>
-                    </a:gs>
-                  </a:gsLst>
-                  <a:lin ang="5400000"/>
-                </a:gradFill>
-                <a:effectLst>
-                  <a:reflection blurRad="12700" stA="28000" endPos="45000" dist="1000" dir="5400000" sy="-100000" algn="bl" rotWithShape="0"/>
-                </a:effectLst>
-              </a:rPr>
-              <a:t>JavaScript</a:t>
-            </a:r>
-            <a:r>
-              <a:rPr lang="zh-TW" altLang="en-US" b="1" cap="all" dirty="0" smtClean="0">
-                <a:ln w="9000" cmpd="sng">
-                  <a:solidFill>
-                    <a:schemeClr val="accent4">
-                      <a:shade val="50000"/>
-                      <a:satMod val="120000"/>
-                    </a:schemeClr>
-                  </a:solidFill>
-                  <a:prstDash val="solid"/>
-                </a:ln>
-                <a:gradFill>
-                  <a:gsLst>
-                    <a:gs pos="0">
-                      <a:schemeClr val="accent4">
-                        <a:shade val="20000"/>
-                        <a:satMod val="245000"/>
-                      </a:schemeClr>
-                    </a:gs>
-                    <a:gs pos="43000">
-                      <a:schemeClr val="accent4">
-                        <a:satMod val="255000"/>
-                      </a:schemeClr>
-                    </a:gs>
-                    <a:gs pos="48000">
-                      <a:schemeClr val="accent4">
-                        <a:shade val="85000"/>
-                        <a:satMod val="255000"/>
-                      </a:schemeClr>
-                    </a:gs>
-                    <a:gs pos="100000">
-                      <a:schemeClr val="accent4">
-                        <a:shade val="20000"/>
-                        <a:satMod val="245000"/>
-                      </a:schemeClr>
-                    </a:gs>
-                  </a:gsLst>
-                  <a:lin ang="5400000"/>
-                </a:gradFill>
-                <a:effectLst>
-                  <a:reflection blurRad="12700" stA="28000" endPos="45000" dist="1000" dir="5400000" sy="-100000" algn="bl" rotWithShape="0"/>
-                </a:effectLst>
-              </a:rPr>
-              <a:t>的標記</a:t>
-            </a:r>
-            <a:endParaRPr lang="en-US" altLang="zh-TW" b="1" cap="all" dirty="0">
-              <a:ln w="9000" cmpd="sng">
-                <a:solidFill>
-                  <a:schemeClr val="accent4">
-                    <a:shade val="50000"/>
-                    <a:satMod val="120000"/>
-                  </a:schemeClr>
-                </a:solidFill>
-                <a:prstDash val="solid"/>
-              </a:ln>
-              <a:gradFill>
-                <a:gsLst>
-                  <a:gs pos="0">
-                    <a:schemeClr val="accent4">
-                      <a:shade val="20000"/>
-                      <a:satMod val="245000"/>
-                    </a:schemeClr>
-                  </a:gs>
-                  <a:gs pos="43000">
-                    <a:schemeClr val="accent4">
-                      <a:satMod val="255000"/>
-                    </a:schemeClr>
-                  </a:gs>
-                  <a:gs pos="48000">
-                    <a:schemeClr val="accent4">
-                      <a:shade val="85000"/>
-                      <a:satMod val="255000"/>
-                    </a:schemeClr>
-                  </a:gs>
-                  <a:gs pos="100000">
-                    <a:schemeClr val="accent4">
-                      <a:shade val="20000"/>
-                      <a:satMod val="245000"/>
-                    </a:schemeClr>
-                  </a:gs>
-                </a:gsLst>
-                <a:lin ang="5400000"/>
-              </a:gradFill>
-              <a:effectLst>
-                <a:reflection blurRad="12700" stA="28000" endPos="45000" dist="1000" dir="5400000" sy="-100000" algn="bl" rotWithShape="0"/>
-              </a:effectLst>
-            </a:endParaRPr>
-          </a:p>
-        </p:txBody>
-      </p:sp>
-      <p:sp>
-        <p:nvSpPr>
-          <p:cNvPr id="5" name="內容版面配置區 4"/>
-          <p:cNvSpPr>
-            <a:spLocks noGrp="1"/>
-          </p:cNvSpPr>
-          <p:nvPr>
-            <p:ph idx="1"/>
-          </p:nvPr>
-        </p:nvSpPr>
-        <p:spPr>
-          <a:xfrm>
             <a:off x="395536" y="1484784"/>
             <a:ext cx="8229600" cy="4925144"/>
           </a:xfrm>
@@ -8319,22 +7761,7 @@
             <a:pPr marL="0" indent="0">
               <a:buNone/>
             </a:pPr>
-            <a:r>
-              <a:rPr lang="en-US" altLang="zh-TW" dirty="0" smtClean="0"/>
-              <a:t>2.</a:t>
-            </a:r>
-            <a:r>
-              <a:rPr lang="en-US" altLang="zh-TW" b="1" dirty="0"/>
-              <a:t> </a:t>
-            </a:r>
-            <a:r>
-              <a:rPr lang="en-US" altLang="zh-TW" b="1" dirty="0" err="1" smtClean="0"/>
-              <a:t>src</a:t>
-            </a:r>
-            <a:r>
-              <a:rPr lang="en-US" altLang="zh-TW" b="1" dirty="0" smtClean="0"/>
-              <a:t>:</a:t>
-            </a:r>
+            <a:endParaRPr lang="en-US" altLang="zh-TW" dirty="0" smtClean="0"/>
           </a:p>
           <a:p>
             <a:pPr marL="0" indent="0">
@@ -8612,407 +8039,6 @@
 </file>
 
 <file path=ppt/slides/slide6.xml><?xml version="1.0" encoding="utf-8"?>
-<p:sld xmlns:a="http://schemas.openxmlformats.org/drawingml/2006/main" xmlns:r="http://schemas.openxmlformats.org/officeDocument/2006/relationships" xmlns:p="http://schemas.openxmlformats.org/presentationml/2006/main">
-  <p:cSld>
-    <p:spTree>
-      <p:nvGrpSpPr>
-        <p:cNvPr id="1" name=""/>
-        <p:cNvGrpSpPr/>
-        <p:nvPr/>
-      </p:nvGrpSpPr>
-      <p:grpSpPr>
-        <a:xfrm>
-          <a:off x="0" y="0"/>
-          <a:ext cx="0" cy="0"/>
-          <a:chOff x="0" y="0"/>
-          <a:chExt cx="0" cy="0"/>
-        </a:xfrm>
-      </p:grpSpPr>
-      <p:sp>
-        <p:nvSpPr>
-          <p:cNvPr id="4" name="標題 3"/>
-          <p:cNvSpPr>
-            <a:spLocks noGrp="1"/>
-          </p:cNvSpPr>
-          <p:nvPr>
-            <p:ph type="title"/>
-          </p:nvPr>
-        </p:nvSpPr>
-        <p:spPr/>
-        <p:txBody>
-          <a:bodyPr>
-            <a:normAutofit/>
-          </a:bodyPr>
-          <a:lstStyle/>
-          <a:p>
-            <a:r>
-              <a:rPr lang="en-US" altLang="zh-TW" b="1" cap="all" dirty="0" smtClean="0">
-                <a:ln w="9000" cmpd="sng">
-                  <a:solidFill>
-                    <a:schemeClr val="accent4">
-                      <a:shade val="50000"/>
-                      <a:satMod val="120000"/>
-                    </a:schemeClr>
-                  </a:solidFill>
-                  <a:prstDash val="solid"/>
-                </a:ln>
-                <a:gradFill>
-                  <a:gsLst>
-                    <a:gs pos="0">
-                      <a:schemeClr val="accent4">
-                        <a:shade val="20000"/>
-                        <a:satMod val="245000"/>
-                      </a:schemeClr>
-                    </a:gs>
-                    <a:gs pos="43000">
-                      <a:schemeClr val="accent4">
-                        <a:satMod val="255000"/>
-                      </a:schemeClr>
-                    </a:gs>
-                    <a:gs pos="48000">
-                      <a:schemeClr val="accent4">
-                        <a:shade val="85000"/>
-                        <a:satMod val="255000"/>
-                      </a:schemeClr>
-                    </a:gs>
-                    <a:gs pos="100000">
-                      <a:schemeClr val="accent4">
-                        <a:shade val="20000"/>
-                        <a:satMod val="245000"/>
-                      </a:schemeClr>
-                    </a:gs>
-                  </a:gsLst>
-                  <a:lin ang="5400000"/>
-                </a:gradFill>
-                <a:effectLst>
-                  <a:reflection blurRad="12700" stA="28000" endPos="45000" dist="1000" dir="5400000" sy="-100000" algn="bl" rotWithShape="0"/>
-                </a:effectLst>
-              </a:rPr>
-              <a:t>JavaScript</a:t>
-            </a:r>
-            <a:r>
-              <a:rPr lang="zh-TW" altLang="en-US" b="1" cap="all" dirty="0">
-                <a:ln w="9000" cmpd="sng">
-                  <a:solidFill>
-                    <a:schemeClr val="accent4">
-                      <a:shade val="50000"/>
-                      <a:satMod val="120000"/>
-                    </a:schemeClr>
-                  </a:solidFill>
-                  <a:prstDash val="solid"/>
-                </a:ln>
-                <a:gradFill>
-                  <a:gsLst>
-                    <a:gs pos="0">
-                      <a:schemeClr val="accent4">
-                        <a:shade val="20000"/>
-                        <a:satMod val="245000"/>
-                      </a:schemeClr>
-                    </a:gs>
-                    <a:gs pos="43000">
-                      <a:schemeClr val="accent4">
-                        <a:satMod val="255000"/>
-                      </a:schemeClr>
-                    </a:gs>
-                    <a:gs pos="48000">
-                      <a:schemeClr val="accent4">
-                        <a:shade val="85000"/>
-                        <a:satMod val="255000"/>
-                      </a:schemeClr>
-                    </a:gs>
-                    <a:gs pos="100000">
-                      <a:schemeClr val="accent4">
-                        <a:shade val="20000"/>
-                        <a:satMod val="245000"/>
-                      </a:schemeClr>
-                    </a:gs>
-                  </a:gsLst>
-                  <a:lin ang="5400000"/>
-                </a:gradFill>
-                <a:effectLst>
-                  <a:reflection blurRad="12700" stA="28000" endPos="45000" dist="1000" dir="5400000" sy="-100000" algn="bl" rotWithShape="0"/>
-                </a:effectLst>
-              </a:rPr>
-              <a:t>的註解</a:t>
-            </a:r>
-            <a:r>
-              <a:rPr lang="zh-TW" altLang="en-US" b="1" cap="all" dirty="0" smtClean="0">
-                <a:ln w="9000" cmpd="sng">
-                  <a:solidFill>
-                    <a:schemeClr val="accent4">
-                      <a:shade val="50000"/>
-                      <a:satMod val="120000"/>
-                    </a:schemeClr>
-                  </a:solidFill>
-                  <a:prstDash val="solid"/>
-                </a:ln>
-                <a:gradFill>
-                  <a:gsLst>
-                    <a:gs pos="0">
-                      <a:schemeClr val="accent4">
-                        <a:shade val="20000"/>
-                        <a:satMod val="245000"/>
-                      </a:schemeClr>
-                    </a:gs>
-                    <a:gs pos="43000">
-                      <a:schemeClr val="accent4">
-                        <a:satMod val="255000"/>
-                      </a:schemeClr>
-                    </a:gs>
-                    <a:gs pos="48000">
-                      <a:schemeClr val="accent4">
-                        <a:shade val="85000"/>
-                        <a:satMod val="255000"/>
-                      </a:schemeClr>
-                    </a:gs>
-                    <a:gs pos="100000">
-                      <a:schemeClr val="accent4">
-                        <a:shade val="20000"/>
-                        <a:satMod val="245000"/>
-                      </a:schemeClr>
-                    </a:gs>
-                  </a:gsLst>
-                  <a:lin ang="5400000"/>
-                </a:gradFill>
-                <a:effectLst>
-                  <a:reflection blurRad="12700" stA="28000" endPos="45000" dist="1000" dir="5400000" sy="-100000" algn="bl" rotWithShape="0"/>
-                </a:effectLst>
-              </a:rPr>
-              <a:t>標記</a:t>
-            </a:r>
-            <a:endParaRPr lang="en-US" altLang="zh-TW" b="1" cap="all" dirty="0">
-              <a:ln w="9000" cmpd="sng">
-                <a:solidFill>
-                  <a:schemeClr val="accent4">
-                    <a:shade val="50000"/>
-                    <a:satMod val="120000"/>
-                  </a:schemeClr>
-                </a:solidFill>
-                <a:prstDash val="solid"/>
-              </a:ln>
-              <a:gradFill>
-                <a:gsLst>
-                  <a:gs pos="0">
-                    <a:schemeClr val="accent4">
-                      <a:shade val="20000"/>
-                      <a:satMod val="245000"/>
-                    </a:schemeClr>
-                  </a:gs>
-                  <a:gs pos="43000">
-                    <a:schemeClr val="accent4">
-                      <a:satMod val="255000"/>
-                    </a:schemeClr>
-                  </a:gs>
-                  <a:gs pos="48000">
-                    <a:schemeClr val="accent4">
-                      <a:shade val="85000"/>
-                      <a:satMod val="255000"/>
-                    </a:schemeClr>
-                  </a:gs>
-                  <a:gs pos="100000">
-                    <a:schemeClr val="accent4">
-                      <a:shade val="20000"/>
-                      <a:satMod val="245000"/>
-                    </a:schemeClr>
-                  </a:gs>
-                </a:gsLst>
-                <a:lin ang="5400000"/>
-              </a:gradFill>
-              <a:effectLst>
-                <a:reflection blurRad="12700" stA="28000" endPos="45000" dist="1000" dir="5400000" sy="-100000" algn="bl" rotWithShape="0"/>
-              </a:effectLst>
-            </a:endParaRPr>
-          </a:p>
-        </p:txBody>
-      </p:sp>
-      <p:sp>
-        <p:nvSpPr>
-          <p:cNvPr id="5" name="內容版面配置區 4"/>
-          <p:cNvSpPr>
-            <a:spLocks noGrp="1"/>
-          </p:cNvSpPr>
-          <p:nvPr>
-            <p:ph idx="1"/>
-          </p:nvPr>
-        </p:nvSpPr>
-        <p:spPr>
-          <a:xfrm>
-            <a:off x="395536" y="1484784"/>
-            <a:ext cx="8229600" cy="5040560"/>
-          </a:xfrm>
-        </p:spPr>
-        <p:txBody>
-          <a:bodyPr>
-            <a:normAutofit/>
-          </a:bodyPr>
-          <a:lstStyle/>
-          <a:p>
-            <a:pPr marL="0" indent="0">
-              <a:buNone/>
-            </a:pPr>
-            <a:r>
-              <a:rPr lang="en-US" altLang="zh-TW" dirty="0" smtClean="0"/>
-              <a:t> </a:t>
-            </a:r>
-            <a:r>
-              <a:rPr lang="en-US" altLang="zh-TW" dirty="0"/>
-              <a:t>JavaScript </a:t>
-            </a:r>
-            <a:r>
-              <a:rPr lang="zh-TW" altLang="en-US" dirty="0"/>
-              <a:t>的註解</a:t>
-            </a:r>
-            <a:r>
-              <a:rPr lang="zh-TW" altLang="en-US" dirty="0" smtClean="0"/>
-              <a:t>標記</a:t>
-            </a:r>
-            <a:r>
-              <a:rPr lang="en-US" altLang="zh-TW" dirty="0" smtClean="0"/>
-              <a:t>:</a:t>
-            </a:r>
-          </a:p>
-          <a:p>
-            <a:pPr marL="514350" indent="-514350">
-              <a:buFont typeface="Wingdings" pitchFamily="2" charset="2"/>
-              <a:buAutoNum type="circleNumWdWhitePlain"/>
-            </a:pPr>
-            <a:r>
-              <a:rPr lang="en-US" altLang="zh-TW" dirty="0" smtClean="0"/>
-              <a:t>//:</a:t>
-            </a:r>
-            <a:r>
-              <a:rPr lang="zh-TW" altLang="en-US" dirty="0" smtClean="0"/>
-              <a:t>此符號右邊</a:t>
-            </a:r>
-            <a:r>
-              <a:rPr lang="zh-TW" altLang="en-US" dirty="0"/>
-              <a:t>的東西都是</a:t>
-            </a:r>
-            <a:r>
-              <a:rPr lang="zh-TW" altLang="en-US" dirty="0" smtClean="0"/>
-              <a:t>註解</a:t>
-            </a:r>
-            <a:endParaRPr lang="en-US" altLang="zh-TW" dirty="0" smtClean="0"/>
-          </a:p>
-          <a:p>
-            <a:pPr marL="514350" indent="-514350">
-              <a:buFont typeface="Wingdings" pitchFamily="2" charset="2"/>
-              <a:buAutoNum type="circleNumWdWhitePlain"/>
-            </a:pPr>
-            <a:r>
-              <a:rPr lang="en-US" altLang="zh-TW" dirty="0"/>
-              <a:t>/* </a:t>
-            </a:r>
-            <a:r>
-              <a:rPr lang="zh-TW" altLang="en-US" dirty="0" smtClean="0"/>
-              <a:t>及</a:t>
-            </a:r>
-            <a:r>
-              <a:rPr lang="zh-TW" altLang="en-US" dirty="0"/>
-              <a:t> *</a:t>
-            </a:r>
-            <a:r>
-              <a:rPr lang="en-US" altLang="zh-TW" dirty="0" smtClean="0"/>
-              <a:t>/:</a:t>
-            </a:r>
-            <a:r>
-              <a:rPr lang="zh-TW" altLang="en-US" dirty="0" smtClean="0"/>
-              <a:t>所有</a:t>
-            </a:r>
-            <a:r>
-              <a:rPr lang="zh-TW" altLang="en-US" dirty="0"/>
-              <a:t>在 </a:t>
-            </a:r>
-            <a:r>
-              <a:rPr lang="en-US" altLang="zh-TW" dirty="0"/>
-              <a:t>/* </a:t>
-            </a:r>
-            <a:r>
-              <a:rPr lang="zh-TW" altLang="en-US" dirty="0"/>
-              <a:t>及 *</a:t>
-            </a:r>
-            <a:r>
-              <a:rPr lang="en-US" altLang="zh-TW" dirty="0"/>
-              <a:t>/</a:t>
-            </a:r>
-            <a:r>
-              <a:rPr lang="zh-TW" altLang="en-US" dirty="0"/>
-              <a:t>範圍內</a:t>
-            </a:r>
-            <a:r>
-              <a:rPr lang="zh-TW" altLang="en-US" dirty="0" smtClean="0"/>
-              <a:t>的</a:t>
-            </a:r>
-            <a:endParaRPr lang="en-US" altLang="zh-TW" dirty="0" smtClean="0"/>
-          </a:p>
-          <a:p>
-            <a:pPr marL="0" indent="0">
-              <a:buNone/>
-            </a:pPr>
-            <a:r>
-              <a:rPr lang="en-US" altLang="zh-TW" dirty="0"/>
-              <a:t>	</a:t>
-            </a:r>
-            <a:r>
-              <a:rPr lang="en-US" altLang="zh-TW" dirty="0" smtClean="0"/>
-              <a:t>	</a:t>
-            </a:r>
-            <a:r>
-              <a:rPr lang="zh-TW" altLang="en-US" dirty="0" smtClean="0"/>
-              <a:t> 東西</a:t>
-            </a:r>
-            <a:r>
-              <a:rPr lang="zh-TW" altLang="en-US" dirty="0"/>
-              <a:t>都是註解</a:t>
-            </a:r>
-            <a:endParaRPr lang="en-US" altLang="zh-TW" dirty="0"/>
-          </a:p>
-        </p:txBody>
-      </p:sp>
-      <p:sp>
-        <p:nvSpPr>
-          <p:cNvPr id="3" name="投影片編號版面配置區 2"/>
-          <p:cNvSpPr>
-            <a:spLocks noGrp="1"/>
-          </p:cNvSpPr>
-          <p:nvPr>
-            <p:ph type="sldNum" sz="quarter" idx="12"/>
-          </p:nvPr>
-        </p:nvSpPr>
-        <p:spPr/>
-        <p:txBody>
-          <a:bodyPr/>
-          <a:lstStyle/>
-          <a:p>
-            <a:fld id="{FE09579F-7592-4C68-8E0D-304C8D093A2F}" type="slidenum">
-              <a:rPr lang="zh-TW" altLang="en-US" smtClean="0"/>
-              <a:t>6</a:t>
-            </a:fld>
-            <a:endParaRPr lang="zh-TW" altLang="en-US"/>
-          </a:p>
-        </p:txBody>
-      </p:sp>
-    </p:spTree>
-    <p:extLst>
-      <p:ext uri="{BB962C8B-B14F-4D97-AF65-F5344CB8AC3E}">
-        <p14:creationId xmlns:p14="http://schemas.microsoft.com/office/powerpoint/2010/main" val="1651994693"/>
-      </p:ext>
-    </p:extLst>
-  </p:cSld>
-  <p:clrMapOvr>
-    <a:masterClrMapping/>
-  </p:clrMapOvr>
-  <p:timing>
-    <p:tnLst>
-      <p:par>
-        <p:cTn id="1" dur="indefinite" restart="never" nodeType="tmRoot"/>
-      </p:par>
-    </p:tnLst>
-  </p:timing>
-</p:sld>
-</file>
-
-<file path=ppt/slides/slide7.xml><?xml version="1.0" encoding="utf-8"?>
 <p:sld xmlns:a="http://schemas.openxmlformats.org/drawingml/2006/main" xmlns:r="http://schemas.openxmlformats.org/officeDocument/2006/relationships" xmlns:p="http://schemas.openxmlformats.org/presentationml/2006/main">
   <p:cSld>
     <p:spTree>
@@ -9415,7 +8441,7 @@
           <a:p>
             <a:fld id="{FE09579F-7592-4C68-8E0D-304C8D093A2F}" type="slidenum">
               <a:rPr lang="zh-TW" altLang="en-US" smtClean="0"/>
-              <a:t>7</a:t>
+              <a:t>6</a:t>
             </a:fld>
             <a:endParaRPr lang="zh-TW" altLang="en-US"/>
           </a:p>
@@ -9650,7 +8676,7 @@
 </p:sld>
 </file>
 
-<file path=ppt/slides/slide8.xml><?xml version="1.0" encoding="utf-8"?>
+<file path=ppt/slides/slide7.xml><?xml version="1.0" encoding="utf-8"?>
 <p:sld xmlns:a="http://schemas.openxmlformats.org/drawingml/2006/main" xmlns:r="http://schemas.openxmlformats.org/officeDocument/2006/relationships" xmlns:p="http://schemas.openxmlformats.org/presentationml/2006/main">
   <p:cSld>
     <p:spTree>
@@ -10280,7 +9306,7 @@
           <a:p>
             <a:fld id="{FE09579F-7592-4C68-8E0D-304C8D093A2F}" type="slidenum">
               <a:rPr lang="zh-TW" altLang="en-US" smtClean="0"/>
-              <a:t>8</a:t>
+              <a:t>7</a:t>
             </a:fld>
             <a:endParaRPr lang="zh-TW" altLang="en-US"/>
           </a:p>
@@ -10306,7 +9332,7 @@
 </p:sld>
 </file>
 
-<file path=ppt/slides/slide9.xml><?xml version="1.0" encoding="utf-8"?>
+<file path=ppt/slides/slide8.xml><?xml version="1.0" encoding="utf-8"?>
 <p:sld xmlns:a="http://schemas.openxmlformats.org/drawingml/2006/main" xmlns:r="http://schemas.openxmlformats.org/officeDocument/2006/relationships" xmlns:p="http://schemas.openxmlformats.org/presentationml/2006/main">
   <p:cSld>
     <p:spTree>
@@ -10628,7 +9654,7 @@
           <a:p>
             <a:fld id="{FE09579F-7592-4C68-8E0D-304C8D093A2F}" type="slidenum">
               <a:rPr lang="zh-TW" altLang="en-US" smtClean="0"/>
-              <a:t>9</a:t>
+              <a:t>8</a:t>
             </a:fld>
             <a:endParaRPr lang="zh-TW" altLang="en-US"/>
           </a:p>
@@ -10859,6 +9885,745 @@
     <p:bldLst>
       <p:bldP spid="7" grpId="0" animBg="1"/>
     </p:bldLst>
+  </p:timing>
+</p:sld>
+</file>
+
+<file path=ppt/slides/slide9.xml><?xml version="1.0" encoding="utf-8"?>
+<p:sld xmlns:a="http://schemas.openxmlformats.org/drawingml/2006/main" xmlns:r="http://schemas.openxmlformats.org/officeDocument/2006/relationships" xmlns:p="http://schemas.openxmlformats.org/presentationml/2006/main">
+  <p:cSld>
+    <p:spTree>
+      <p:nvGrpSpPr>
+        <p:cNvPr id="1" name=""/>
+        <p:cNvGrpSpPr/>
+        <p:nvPr/>
+      </p:nvGrpSpPr>
+      <p:grpSpPr>
+        <a:xfrm>
+          <a:off x="0" y="0"/>
+          <a:ext cx="0" cy="0"/>
+          <a:chOff x="0" y="0"/>
+          <a:chExt cx="0" cy="0"/>
+        </a:xfrm>
+      </p:grpSpPr>
+      <p:sp>
+        <p:nvSpPr>
+          <p:cNvPr id="4" name="標題 3"/>
+          <p:cNvSpPr>
+            <a:spLocks noGrp="1"/>
+          </p:cNvSpPr>
+          <p:nvPr>
+            <p:ph type="title"/>
+          </p:nvPr>
+        </p:nvSpPr>
+        <p:spPr>
+          <a:xfrm>
+            <a:off x="467544" y="260648"/>
+            <a:ext cx="8229600" cy="1143000"/>
+          </a:xfrm>
+        </p:spPr>
+        <p:txBody>
+          <a:bodyPr>
+            <a:normAutofit/>
+          </a:bodyPr>
+          <a:lstStyle/>
+          <a:p>
+            <a:r>
+              <a:rPr lang="zh-TW" altLang="en-US" b="1" cap="all" dirty="0" smtClean="0">
+                <a:ln w="9000" cmpd="sng">
+                  <a:solidFill>
+                    <a:schemeClr val="accent4">
+                      <a:shade val="50000"/>
+                      <a:satMod val="120000"/>
+                    </a:schemeClr>
+                  </a:solidFill>
+                  <a:prstDash val="solid"/>
+                </a:ln>
+                <a:gradFill>
+                  <a:gsLst>
+                    <a:gs pos="0">
+                      <a:schemeClr val="accent4">
+                        <a:shade val="20000"/>
+                        <a:satMod val="245000"/>
+                      </a:schemeClr>
+                    </a:gs>
+                    <a:gs pos="43000">
+                      <a:schemeClr val="accent4">
+                        <a:satMod val="255000"/>
+                      </a:schemeClr>
+                    </a:gs>
+                    <a:gs pos="48000">
+                      <a:schemeClr val="accent4">
+                        <a:shade val="85000"/>
+                        <a:satMod val="255000"/>
+                      </a:schemeClr>
+                    </a:gs>
+                    <a:gs pos="100000">
+                      <a:schemeClr val="accent4">
+                        <a:shade val="20000"/>
+                        <a:satMod val="245000"/>
+                      </a:schemeClr>
+                    </a:gs>
+                  </a:gsLst>
+                  <a:lin ang="5400000"/>
+                </a:gradFill>
+                <a:effectLst>
+                  <a:reflection blurRad="12700" stA="28000" endPos="45000" dist="1000" dir="5400000" sy="-100000" algn="bl" rotWithShape="0"/>
+                </a:effectLst>
+              </a:rPr>
+              <a:t>範例</a:t>
+            </a:r>
+            <a:r>
+              <a:rPr lang="en-US" altLang="zh-TW" b="1" cap="all" dirty="0" smtClean="0">
+                <a:ln w="9000" cmpd="sng">
+                  <a:solidFill>
+                    <a:schemeClr val="accent4">
+                      <a:shade val="50000"/>
+                      <a:satMod val="120000"/>
+                    </a:schemeClr>
+                  </a:solidFill>
+                  <a:prstDash val="solid"/>
+                </a:ln>
+                <a:gradFill>
+                  <a:gsLst>
+                    <a:gs pos="0">
+                      <a:schemeClr val="accent4">
+                        <a:shade val="20000"/>
+                        <a:satMod val="245000"/>
+                      </a:schemeClr>
+                    </a:gs>
+                    <a:gs pos="43000">
+                      <a:schemeClr val="accent4">
+                        <a:satMod val="255000"/>
+                      </a:schemeClr>
+                    </a:gs>
+                    <a:gs pos="48000">
+                      <a:schemeClr val="accent4">
+                        <a:shade val="85000"/>
+                        <a:satMod val="255000"/>
+                      </a:schemeClr>
+                    </a:gs>
+                    <a:gs pos="100000">
+                      <a:schemeClr val="accent4">
+                        <a:shade val="20000"/>
+                        <a:satMod val="245000"/>
+                      </a:schemeClr>
+                    </a:gs>
+                  </a:gsLst>
+                  <a:lin ang="5400000"/>
+                </a:gradFill>
+                <a:effectLst>
+                  <a:reflection blurRad="12700" stA="28000" endPos="45000" dist="1000" dir="5400000" sy="-100000" algn="bl" rotWithShape="0"/>
+                </a:effectLst>
+              </a:rPr>
+              <a:t>(</a:t>
+            </a:r>
+            <a:r>
+              <a:rPr lang="zh-TW" altLang="en-US" b="1" cap="all" dirty="0" smtClean="0">
+                <a:ln w="9000" cmpd="sng">
+                  <a:solidFill>
+                    <a:schemeClr val="accent4">
+                      <a:shade val="50000"/>
+                      <a:satMod val="120000"/>
+                    </a:schemeClr>
+                  </a:solidFill>
+                  <a:prstDash val="solid"/>
+                </a:ln>
+                <a:gradFill>
+                  <a:gsLst>
+                    <a:gs pos="0">
+                      <a:schemeClr val="accent4">
+                        <a:shade val="20000"/>
+                        <a:satMod val="245000"/>
+                      </a:schemeClr>
+                    </a:gs>
+                    <a:gs pos="43000">
+                      <a:schemeClr val="accent4">
+                        <a:satMod val="255000"/>
+                      </a:schemeClr>
+                    </a:gs>
+                    <a:gs pos="48000">
+                      <a:schemeClr val="accent4">
+                        <a:shade val="85000"/>
+                        <a:satMod val="255000"/>
+                      </a:schemeClr>
+                    </a:gs>
+                    <a:gs pos="100000">
+                      <a:schemeClr val="accent4">
+                        <a:shade val="20000"/>
+                        <a:satMod val="245000"/>
+                      </a:schemeClr>
+                    </a:gs>
+                  </a:gsLst>
+                  <a:lin ang="5400000"/>
+                </a:gradFill>
+                <a:effectLst>
+                  <a:reflection blurRad="12700" stA="28000" endPos="45000" dist="1000" dir="5400000" sy="-100000" algn="bl" rotWithShape="0"/>
+                </a:effectLst>
+              </a:rPr>
+              <a:t>二</a:t>
+            </a:r>
+            <a:r>
+              <a:rPr lang="en-US" altLang="zh-TW" b="1" cap="all" dirty="0" smtClean="0">
+                <a:ln w="9000" cmpd="sng">
+                  <a:solidFill>
+                    <a:schemeClr val="accent4">
+                      <a:shade val="50000"/>
+                      <a:satMod val="120000"/>
+                    </a:schemeClr>
+                  </a:solidFill>
+                  <a:prstDash val="solid"/>
+                </a:ln>
+                <a:gradFill>
+                  <a:gsLst>
+                    <a:gs pos="0">
+                      <a:schemeClr val="accent4">
+                        <a:shade val="20000"/>
+                        <a:satMod val="245000"/>
+                      </a:schemeClr>
+                    </a:gs>
+                    <a:gs pos="43000">
+                      <a:schemeClr val="accent4">
+                        <a:satMod val="255000"/>
+                      </a:schemeClr>
+                    </a:gs>
+                    <a:gs pos="48000">
+                      <a:schemeClr val="accent4">
+                        <a:shade val="85000"/>
+                        <a:satMod val="255000"/>
+                      </a:schemeClr>
+                    </a:gs>
+                    <a:gs pos="100000">
+                      <a:schemeClr val="accent4">
+                        <a:shade val="20000"/>
+                        <a:satMod val="245000"/>
+                      </a:schemeClr>
+                    </a:gs>
+                  </a:gsLst>
+                  <a:lin ang="5400000"/>
+                </a:gradFill>
+                <a:effectLst>
+                  <a:reflection blurRad="12700" stA="28000" endPos="45000" dist="1000" dir="5400000" sy="-100000" algn="bl" rotWithShape="0"/>
+                </a:effectLst>
+              </a:rPr>
+              <a:t>):</a:t>
+            </a:r>
+            <a:r>
+              <a:rPr lang="en-US" altLang="zh-TW" b="1" cap="all" dirty="0">
+                <a:ln w="9000" cmpd="sng">
+                  <a:solidFill>
+                    <a:schemeClr val="accent4">
+                      <a:shade val="50000"/>
+                      <a:satMod val="120000"/>
+                    </a:schemeClr>
+                  </a:solidFill>
+                  <a:prstDash val="solid"/>
+                </a:ln>
+                <a:gradFill>
+                  <a:gsLst>
+                    <a:gs pos="0">
+                      <a:schemeClr val="accent4">
+                        <a:shade val="20000"/>
+                        <a:satMod val="245000"/>
+                      </a:schemeClr>
+                    </a:gs>
+                    <a:gs pos="43000">
+                      <a:schemeClr val="accent4">
+                        <a:satMod val="255000"/>
+                      </a:schemeClr>
+                    </a:gs>
+                    <a:gs pos="48000">
+                      <a:schemeClr val="accent4">
+                        <a:shade val="85000"/>
+                        <a:satMod val="255000"/>
+                      </a:schemeClr>
+                    </a:gs>
+                    <a:gs pos="100000">
+                      <a:schemeClr val="accent4">
+                        <a:shade val="20000"/>
+                        <a:satMod val="245000"/>
+                      </a:schemeClr>
+                    </a:gs>
+                  </a:gsLst>
+                  <a:lin ang="5400000"/>
+                </a:gradFill>
+                <a:effectLst>
+                  <a:reflection blurRad="12700" stA="28000" endPos="45000" dist="1000" dir="5400000" sy="-100000" algn="bl" rotWithShape="0"/>
+                </a:effectLst>
+              </a:rPr>
+              <a:t>JavaScript</a:t>
+            </a:r>
+            <a:r>
+              <a:rPr lang="zh-TW" altLang="en-US" b="1" cap="all" dirty="0" smtClean="0">
+                <a:ln w="9000" cmpd="sng">
+                  <a:solidFill>
+                    <a:schemeClr val="accent4">
+                      <a:shade val="50000"/>
+                      <a:satMod val="120000"/>
+                    </a:schemeClr>
+                  </a:solidFill>
+                  <a:prstDash val="solid"/>
+                </a:ln>
+                <a:gradFill>
+                  <a:gsLst>
+                    <a:gs pos="0">
+                      <a:schemeClr val="accent4">
+                        <a:shade val="20000"/>
+                        <a:satMod val="245000"/>
+                      </a:schemeClr>
+                    </a:gs>
+                    <a:gs pos="43000">
+                      <a:schemeClr val="accent4">
+                        <a:satMod val="255000"/>
+                      </a:schemeClr>
+                    </a:gs>
+                    <a:gs pos="48000">
+                      <a:schemeClr val="accent4">
+                        <a:shade val="85000"/>
+                        <a:satMod val="255000"/>
+                      </a:schemeClr>
+                    </a:gs>
+                    <a:gs pos="100000">
+                      <a:schemeClr val="accent4">
+                        <a:shade val="20000"/>
+                        <a:satMod val="245000"/>
+                      </a:schemeClr>
+                    </a:gs>
+                  </a:gsLst>
+                  <a:lin ang="5400000"/>
+                </a:gradFill>
+                <a:effectLst>
+                  <a:reflection blurRad="12700" stA="28000" endPos="45000" dist="1000" dir="5400000" sy="-100000" algn="bl" rotWithShape="0"/>
+                </a:effectLst>
+              </a:rPr>
+              <a:t>放在</a:t>
+            </a:r>
+            <a:r>
+              <a:rPr lang="en-US" altLang="zh-TW" b="1" cap="all" dirty="0" smtClean="0">
+                <a:ln w="9000" cmpd="sng">
+                  <a:solidFill>
+                    <a:schemeClr val="accent4">
+                      <a:shade val="50000"/>
+                      <a:satMod val="120000"/>
+                    </a:schemeClr>
+                  </a:solidFill>
+                  <a:prstDash val="solid"/>
+                </a:ln>
+                <a:gradFill>
+                  <a:gsLst>
+                    <a:gs pos="0">
+                      <a:schemeClr val="accent4">
+                        <a:shade val="20000"/>
+                        <a:satMod val="245000"/>
+                      </a:schemeClr>
+                    </a:gs>
+                    <a:gs pos="43000">
+                      <a:schemeClr val="accent4">
+                        <a:satMod val="255000"/>
+                      </a:schemeClr>
+                    </a:gs>
+                    <a:gs pos="48000">
+                      <a:schemeClr val="accent4">
+                        <a:shade val="85000"/>
+                        <a:satMod val="255000"/>
+                      </a:schemeClr>
+                    </a:gs>
+                    <a:gs pos="100000">
+                      <a:schemeClr val="accent4">
+                        <a:shade val="20000"/>
+                        <a:satMod val="245000"/>
+                      </a:schemeClr>
+                    </a:gs>
+                  </a:gsLst>
+                  <a:lin ang="5400000"/>
+                </a:gradFill>
+                <a:effectLst>
+                  <a:reflection blurRad="12700" stA="28000" endPos="45000" dist="1000" dir="5400000" sy="-100000" algn="bl" rotWithShape="0"/>
+                </a:effectLst>
+              </a:rPr>
+              <a:t>body</a:t>
+            </a:r>
+            <a:endParaRPr lang="en-US" altLang="zh-TW" b="1" cap="all" dirty="0">
+              <a:ln w="9000" cmpd="sng">
+                <a:solidFill>
+                  <a:schemeClr val="accent4">
+                    <a:shade val="50000"/>
+                    <a:satMod val="120000"/>
+                  </a:schemeClr>
+                </a:solidFill>
+                <a:prstDash val="solid"/>
+              </a:ln>
+              <a:gradFill>
+                <a:gsLst>
+                  <a:gs pos="0">
+                    <a:schemeClr val="accent4">
+                      <a:shade val="20000"/>
+                      <a:satMod val="245000"/>
+                    </a:schemeClr>
+                  </a:gs>
+                  <a:gs pos="43000">
+                    <a:schemeClr val="accent4">
+                      <a:satMod val="255000"/>
+                    </a:schemeClr>
+                  </a:gs>
+                  <a:gs pos="48000">
+                    <a:schemeClr val="accent4">
+                      <a:shade val="85000"/>
+                      <a:satMod val="255000"/>
+                    </a:schemeClr>
+                  </a:gs>
+                  <a:gs pos="100000">
+                    <a:schemeClr val="accent4">
+                      <a:shade val="20000"/>
+                      <a:satMod val="245000"/>
+                    </a:schemeClr>
+                  </a:gs>
+                </a:gsLst>
+                <a:lin ang="5400000"/>
+              </a:gradFill>
+              <a:effectLst>
+                <a:reflection blurRad="12700" stA="28000" endPos="45000" dist="1000" dir="5400000" sy="-100000" algn="bl" rotWithShape="0"/>
+              </a:effectLst>
+            </a:endParaRPr>
+          </a:p>
+        </p:txBody>
+      </p:sp>
+      <p:sp>
+        <p:nvSpPr>
+          <p:cNvPr id="5" name="內容版面配置區 4"/>
+          <p:cNvSpPr>
+            <a:spLocks noGrp="1"/>
+          </p:cNvSpPr>
+          <p:nvPr>
+            <p:ph idx="1"/>
+          </p:nvPr>
+        </p:nvSpPr>
+        <p:spPr>
+          <a:xfrm>
+            <a:off x="457200" y="1196752"/>
+            <a:ext cx="8229600" cy="5661248"/>
+          </a:xfrm>
+        </p:spPr>
+        <p:txBody>
+          <a:bodyPr>
+            <a:normAutofit fontScale="92500" lnSpcReduction="20000"/>
+          </a:bodyPr>
+          <a:lstStyle/>
+          <a:p>
+            <a:pPr marL="0" indent="0">
+              <a:buNone/>
+            </a:pPr>
+            <a:r>
+              <a:rPr lang="en-US" altLang="zh-TW" dirty="0"/>
+              <a:t>&lt;html&gt;</a:t>
+            </a:r>
+          </a:p>
+          <a:p>
+            <a:pPr marL="0" indent="0">
+              <a:buNone/>
+            </a:pPr>
+            <a:r>
+              <a:rPr lang="en-US" altLang="zh-TW" dirty="0"/>
+              <a:t>&lt;head&gt;</a:t>
+            </a:r>
+          </a:p>
+          <a:p>
+            <a:pPr marL="0" indent="0">
+              <a:buNone/>
+            </a:pPr>
+            <a:r>
+              <a:rPr lang="en-US" altLang="zh-TW" dirty="0"/>
+              <a:t>&lt;title&gt;JavaScript</a:t>
+            </a:r>
+            <a:r>
+              <a:rPr lang="zh-TW" altLang="en-US" dirty="0"/>
+              <a:t>的第一個範例</a:t>
+            </a:r>
+            <a:r>
+              <a:rPr lang="en-US" altLang="zh-TW" dirty="0"/>
+              <a:t>&lt;/title</a:t>
+            </a:r>
+            <a:r>
+              <a:rPr lang="en-US" altLang="zh-TW" dirty="0" smtClean="0"/>
+              <a:t>&gt;</a:t>
+            </a:r>
+          </a:p>
+          <a:p>
+            <a:pPr marL="0" indent="0">
+              <a:buNone/>
+            </a:pPr>
+            <a:r>
+              <a:rPr lang="en-US" altLang="zh-TW" dirty="0" smtClean="0"/>
+              <a:t>&lt;</a:t>
+            </a:r>
+            <a:r>
+              <a:rPr lang="en-US" altLang="zh-TW" dirty="0"/>
+              <a:t>body&gt;</a:t>
+            </a:r>
+          </a:p>
+          <a:p>
+            <a:pPr marL="0" indent="0">
+              <a:buNone/>
+            </a:pPr>
+            <a:r>
+              <a:rPr lang="en-US" altLang="zh-TW" dirty="0">
+                <a:solidFill>
+                  <a:srgbClr val="FF0000"/>
+                </a:solidFill>
+              </a:rPr>
+              <a:t>&lt;script language="JavaScript"&gt;</a:t>
+            </a:r>
+          </a:p>
+          <a:p>
+            <a:pPr marL="0" indent="0">
+              <a:buNone/>
+            </a:pPr>
+            <a:r>
+              <a:rPr lang="en-US" altLang="zh-TW" dirty="0">
+                <a:solidFill>
+                  <a:srgbClr val="FF0000"/>
+                </a:solidFill>
+              </a:rPr>
+              <a:t>&lt;!--</a:t>
+            </a:r>
+          </a:p>
+          <a:p>
+            <a:pPr marL="0" indent="0">
+              <a:buNone/>
+            </a:pPr>
+            <a:r>
+              <a:rPr lang="en-US" altLang="zh-TW" dirty="0" err="1">
+                <a:solidFill>
+                  <a:srgbClr val="FF0000"/>
+                </a:solidFill>
+              </a:rPr>
+              <a:t>document.write</a:t>
+            </a:r>
+            <a:r>
+              <a:rPr lang="en-US" altLang="zh-TW" dirty="0">
+                <a:solidFill>
+                  <a:srgbClr val="FF0000"/>
+                </a:solidFill>
+              </a:rPr>
+              <a:t>("</a:t>
+            </a:r>
+            <a:r>
+              <a:rPr lang="en-US" altLang="zh-TW" dirty="0" err="1">
+                <a:solidFill>
+                  <a:srgbClr val="FF0000"/>
+                </a:solidFill>
+              </a:rPr>
+              <a:t>Hello!JavaScript</a:t>
+            </a:r>
+            <a:r>
+              <a:rPr lang="en-US" altLang="zh-TW" dirty="0">
+                <a:solidFill>
+                  <a:srgbClr val="FF0000"/>
+                </a:solidFill>
+              </a:rPr>
+              <a:t>!");</a:t>
+            </a:r>
+          </a:p>
+          <a:p>
+            <a:pPr marL="0" indent="0">
+              <a:buNone/>
+            </a:pPr>
+            <a:r>
+              <a:rPr lang="en-US" altLang="zh-TW" dirty="0" err="1">
+                <a:solidFill>
+                  <a:srgbClr val="FF0000"/>
+                </a:solidFill>
+              </a:rPr>
+              <a:t>document.write</a:t>
+            </a:r>
+            <a:r>
+              <a:rPr lang="en-US" altLang="zh-TW" dirty="0">
+                <a:solidFill>
+                  <a:srgbClr val="FF0000"/>
+                </a:solidFill>
+              </a:rPr>
+              <a:t>("(</a:t>
+            </a:r>
+            <a:r>
+              <a:rPr lang="zh-TW" altLang="en-US" dirty="0">
+                <a:solidFill>
+                  <a:srgbClr val="FF0000"/>
+                </a:solidFill>
+              </a:rPr>
+              <a:t>這個是放在</a:t>
+            </a:r>
+            <a:r>
+              <a:rPr lang="en-US" altLang="zh-TW" dirty="0">
+                <a:solidFill>
+                  <a:srgbClr val="FF0000"/>
+                </a:solidFill>
+              </a:rPr>
+              <a:t>head</a:t>
+            </a:r>
+            <a:r>
+              <a:rPr lang="zh-TW" altLang="en-US" dirty="0">
+                <a:solidFill>
+                  <a:srgbClr val="FF0000"/>
+                </a:solidFill>
+              </a:rPr>
+              <a:t>的</a:t>
+            </a:r>
+            <a:r>
+              <a:rPr lang="en-US" altLang="zh-TW" dirty="0" err="1">
+                <a:solidFill>
+                  <a:srgbClr val="FF0000"/>
+                </a:solidFill>
+              </a:rPr>
+              <a:t>javascript</a:t>
+            </a:r>
+            <a:r>
+              <a:rPr lang="en-US" altLang="zh-TW" dirty="0">
+                <a:solidFill>
+                  <a:srgbClr val="FF0000"/>
+                </a:solidFill>
+              </a:rPr>
+              <a:t>)");</a:t>
+            </a:r>
+          </a:p>
+          <a:p>
+            <a:pPr marL="0" indent="0">
+              <a:buNone/>
+            </a:pPr>
+            <a:r>
+              <a:rPr lang="en-US" altLang="zh-TW" dirty="0" err="1">
+                <a:solidFill>
+                  <a:srgbClr val="FF0000"/>
+                </a:solidFill>
+              </a:rPr>
+              <a:t>document.write</a:t>
+            </a:r>
+            <a:r>
+              <a:rPr lang="en-US" altLang="zh-TW" dirty="0">
+                <a:solidFill>
+                  <a:srgbClr val="FF0000"/>
+                </a:solidFill>
+              </a:rPr>
+              <a:t>("&lt;</a:t>
+            </a:r>
+            <a:r>
+              <a:rPr lang="en-US" altLang="zh-TW" dirty="0" err="1">
+                <a:solidFill>
+                  <a:srgbClr val="FF0000"/>
+                </a:solidFill>
+              </a:rPr>
+              <a:t>br</a:t>
+            </a:r>
+            <a:r>
+              <a:rPr lang="en-US" altLang="zh-TW" dirty="0">
+                <a:solidFill>
+                  <a:srgbClr val="FF0000"/>
+                </a:solidFill>
+              </a:rPr>
+              <a:t>/&gt;");//</a:t>
+            </a:r>
+            <a:r>
+              <a:rPr lang="zh-TW" altLang="en-US" dirty="0">
+                <a:solidFill>
+                  <a:srgbClr val="FF0000"/>
+                </a:solidFill>
+              </a:rPr>
+              <a:t>換行</a:t>
+            </a:r>
+            <a:r>
+              <a:rPr lang="en-US" altLang="zh-TW" dirty="0" smtClean="0">
+                <a:solidFill>
+                  <a:srgbClr val="FF0000"/>
+                </a:solidFill>
+              </a:rPr>
+              <a:t>//--&gt;</a:t>
+            </a:r>
+            <a:endParaRPr lang="en-US" altLang="zh-TW" dirty="0">
+              <a:solidFill>
+                <a:srgbClr val="FF0000"/>
+              </a:solidFill>
+            </a:endParaRPr>
+          </a:p>
+          <a:p>
+            <a:pPr marL="0" indent="0">
+              <a:buNone/>
+            </a:pPr>
+            <a:r>
+              <a:rPr lang="en-US" altLang="zh-TW" dirty="0">
+                <a:solidFill>
+                  <a:srgbClr val="FF0000"/>
+                </a:solidFill>
+              </a:rPr>
+              <a:t>&lt;/script&gt;</a:t>
+            </a:r>
+          </a:p>
+          <a:p>
+            <a:pPr marL="0" indent="0">
+              <a:buNone/>
+            </a:pPr>
+            <a:r>
+              <a:rPr lang="en-US" altLang="zh-TW" dirty="0" smtClean="0"/>
+              <a:t>&lt;/</a:t>
+            </a:r>
+            <a:r>
+              <a:rPr lang="en-US" altLang="zh-TW" dirty="0"/>
+              <a:t>body&gt;</a:t>
+            </a:r>
+          </a:p>
+          <a:p>
+            <a:pPr marL="0" indent="0">
+              <a:buNone/>
+            </a:pPr>
+            <a:r>
+              <a:rPr lang="en-US" altLang="zh-TW" dirty="0"/>
+              <a:t>&lt;/html</a:t>
+            </a:r>
+            <a:r>
+              <a:rPr lang="en-US" altLang="zh-TW" dirty="0" smtClean="0"/>
+              <a:t>&gt;</a:t>
+            </a:r>
+            <a:endParaRPr lang="en-US" altLang="zh-TW" dirty="0"/>
+          </a:p>
+        </p:txBody>
+      </p:sp>
+      <p:sp>
+        <p:nvSpPr>
+          <p:cNvPr id="3" name="投影片編號版面配置區 2"/>
+          <p:cNvSpPr>
+            <a:spLocks noGrp="1"/>
+          </p:cNvSpPr>
+          <p:nvPr>
+            <p:ph type="sldNum" sz="quarter" idx="12"/>
+          </p:nvPr>
+        </p:nvSpPr>
+        <p:spPr/>
+        <p:txBody>
+          <a:bodyPr/>
+          <a:lstStyle/>
+          <a:p>
+            <a:fld id="{FE09579F-7592-4C68-8E0D-304C8D093A2F}" type="slidenum">
+              <a:rPr lang="zh-TW" altLang="en-US" smtClean="0"/>
+              <a:t>9</a:t>
+            </a:fld>
+            <a:endParaRPr lang="zh-TW" altLang="en-US"/>
+          </a:p>
+        </p:txBody>
+      </p:sp>
+    </p:spTree>
+    <p:extLst>
+      <p:ext uri="{BB962C8B-B14F-4D97-AF65-F5344CB8AC3E}">
+        <p14:creationId xmlns:p14="http://schemas.microsoft.com/office/powerpoint/2010/main" val="2228347040"/>
+      </p:ext>
+    </p:extLst>
+  </p:cSld>
+  <p:clrMapOvr>
+    <a:masterClrMapping/>
+  </p:clrMapOvr>
+  <p:timing>
+    <p:tnLst>
+      <p:par>
+        <p:cTn id="1" dur="indefinite" restart="never" nodeType="tmRoot"/>
+      </p:par>
+    </p:tnLst>
   </p:timing>
 </p:sld>
 </file>
